--- a/soft_skills/Studeren_presentatie.pptx
+++ b/soft_skills/Studeren_presentatie.pptx
@@ -8,8 +8,8 @@
     <p:sldId id="256" r:id="rId2"/>
     <p:sldId id="257" r:id="rId3"/>
     <p:sldId id="260" r:id="rId4"/>
-    <p:sldId id="262" r:id="rId5"/>
-    <p:sldId id="263" r:id="rId6"/>
+    <p:sldId id="263" r:id="rId5"/>
+    <p:sldId id="262" r:id="rId6"/>
   </p:sldIdLst>
   <p:sldSz cx="12192000" cy="6858000"/>
   <p:notesSz cx="6858000" cy="9144000"/>
@@ -108,6 +108,11 @@
       </a:defRPr>
     </a:lvl9pPr>
   </p:defaultTextStyle>
+  <p:extLst>
+    <p:ext uri="{EFAFB233-063F-42B5-8137-9DF3F51BA10A}">
+      <p15:sldGuideLst xmlns:p15="http://schemas.microsoft.com/office/powerpoint/2012/main"/>
+    </p:ext>
+  </p:extLst>
 </p:presentation>
 </file>
 
@@ -258,7 +263,7 @@
           <a:p>
             <a:fld id="{DA8C0CA6-D897-4F2E-9772-5559A0FAA031}" type="datetimeFigureOut">
               <a:rPr lang="nl-NL" smtClean="0"/>
-              <a:t>10-11-2021</a:t>
+              <a:t>11-11-2021</a:t>
             </a:fld>
             <a:endParaRPr lang="nl-NL"/>
           </a:p>
@@ -456,7 +461,7 @@
           <a:p>
             <a:fld id="{DA8C0CA6-D897-4F2E-9772-5559A0FAA031}" type="datetimeFigureOut">
               <a:rPr lang="nl-NL" smtClean="0"/>
-              <a:t>10-11-2021</a:t>
+              <a:t>11-11-2021</a:t>
             </a:fld>
             <a:endParaRPr lang="nl-NL"/>
           </a:p>
@@ -664,7 +669,7 @@
           <a:p>
             <a:fld id="{DA8C0CA6-D897-4F2E-9772-5559A0FAA031}" type="datetimeFigureOut">
               <a:rPr lang="nl-NL" smtClean="0"/>
-              <a:t>10-11-2021</a:t>
+              <a:t>11-11-2021</a:t>
             </a:fld>
             <a:endParaRPr lang="nl-NL"/>
           </a:p>
@@ -862,7 +867,7 @@
           <a:p>
             <a:fld id="{DA8C0CA6-D897-4F2E-9772-5559A0FAA031}" type="datetimeFigureOut">
               <a:rPr lang="nl-NL" smtClean="0"/>
-              <a:t>10-11-2021</a:t>
+              <a:t>11-11-2021</a:t>
             </a:fld>
             <a:endParaRPr lang="nl-NL"/>
           </a:p>
@@ -1137,7 +1142,7 @@
           <a:p>
             <a:fld id="{DA8C0CA6-D897-4F2E-9772-5559A0FAA031}" type="datetimeFigureOut">
               <a:rPr lang="nl-NL" smtClean="0"/>
-              <a:t>10-11-2021</a:t>
+              <a:t>11-11-2021</a:t>
             </a:fld>
             <a:endParaRPr lang="nl-NL"/>
           </a:p>
@@ -1402,7 +1407,7 @@
           <a:p>
             <a:fld id="{DA8C0CA6-D897-4F2E-9772-5559A0FAA031}" type="datetimeFigureOut">
               <a:rPr lang="nl-NL" smtClean="0"/>
-              <a:t>10-11-2021</a:t>
+              <a:t>11-11-2021</a:t>
             </a:fld>
             <a:endParaRPr lang="nl-NL"/>
           </a:p>
@@ -1814,7 +1819,7 @@
           <a:p>
             <a:fld id="{DA8C0CA6-D897-4F2E-9772-5559A0FAA031}" type="datetimeFigureOut">
               <a:rPr lang="nl-NL" smtClean="0"/>
-              <a:t>10-11-2021</a:t>
+              <a:t>11-11-2021</a:t>
             </a:fld>
             <a:endParaRPr lang="nl-NL"/>
           </a:p>
@@ -1955,7 +1960,7 @@
           <a:p>
             <a:fld id="{DA8C0CA6-D897-4F2E-9772-5559A0FAA031}" type="datetimeFigureOut">
               <a:rPr lang="nl-NL" smtClean="0"/>
-              <a:t>10-11-2021</a:t>
+              <a:t>11-11-2021</a:t>
             </a:fld>
             <a:endParaRPr lang="nl-NL"/>
           </a:p>
@@ -2068,7 +2073,7 @@
           <a:p>
             <a:fld id="{DA8C0CA6-D897-4F2E-9772-5559A0FAA031}" type="datetimeFigureOut">
               <a:rPr lang="nl-NL" smtClean="0"/>
-              <a:t>10-11-2021</a:t>
+              <a:t>11-11-2021</a:t>
             </a:fld>
             <a:endParaRPr lang="nl-NL"/>
           </a:p>
@@ -2379,7 +2384,7 @@
           <a:p>
             <a:fld id="{DA8C0CA6-D897-4F2E-9772-5559A0FAA031}" type="datetimeFigureOut">
               <a:rPr lang="nl-NL" smtClean="0"/>
-              <a:t>10-11-2021</a:t>
+              <a:t>11-11-2021</a:t>
             </a:fld>
             <a:endParaRPr lang="nl-NL"/>
           </a:p>
@@ -2667,7 +2672,7 @@
           <a:p>
             <a:fld id="{DA8C0CA6-D897-4F2E-9772-5559A0FAA031}" type="datetimeFigureOut">
               <a:rPr lang="nl-NL" smtClean="0"/>
-              <a:t>10-11-2021</a:t>
+              <a:t>11-11-2021</a:t>
             </a:fld>
             <a:endParaRPr lang="nl-NL"/>
           </a:p>
@@ -2908,7 +2913,7 @@
           <a:p>
             <a:fld id="{DA8C0CA6-D897-4F2E-9772-5559A0FAA031}" type="datetimeFigureOut">
               <a:rPr lang="nl-NL" smtClean="0"/>
-              <a:t>10-11-2021</a:t>
+              <a:t>11-11-2021</a:t>
             </a:fld>
             <a:endParaRPr lang="nl-NL"/>
           </a:p>
@@ -4548,16 +4553,12 @@
           <a:p>
             <a:pPr lvl="1"/>
             <a:r>
-              <a:rPr lang="en-US" sz="2000" b="0" i="0" dirty="0" err="1">
-                <a:effectLst/>
-                <a:latin typeface="Helvetica Neue"/>
-              </a:rPr>
-              <a:t>Focussed</a:t>
-            </a:r>
-            <a:endParaRPr lang="en-US" sz="2000" b="0" i="0" dirty="0">
-              <a:effectLst/>
-              <a:latin typeface="Helvetica Neue"/>
-            </a:endParaRPr>
+              <a:rPr lang="en-US" sz="2000" b="0" i="0" dirty="0">
+                <a:effectLst/>
+                <a:latin typeface="Helvetica Neue"/>
+              </a:rPr>
+              <a:t>Focused</a:t>
+            </a:r>
           </a:p>
           <a:p>
             <a:pPr lvl="1"/>
@@ -4586,14 +4587,11 @@
               <a:buChar char="•"/>
             </a:pPr>
             <a:r>
-              <a:rPr lang="en-US" sz="2000" dirty="0" err="1">
-                <a:latin typeface="Helvetica Neue"/>
-              </a:rPr>
-              <a:t>Practise</a:t>
-            </a:r>
-            <a:endParaRPr lang="en-US" sz="2000" dirty="0">
-              <a:latin typeface="Helvetica Neue"/>
-            </a:endParaRPr>
+              <a:rPr lang="en-US" sz="2000" dirty="0">
+                <a:latin typeface="Helvetica Neue"/>
+              </a:rPr>
+              <a:t>Practice</a:t>
+            </a:r>
           </a:p>
           <a:p>
             <a:pPr algn="l">
@@ -4921,25 +4919,8 @@
                 <a:effectLst/>
                 <a:latin typeface="Helvetica Neue"/>
               </a:rPr>
-              <a:t>Reflect on </a:t>
-            </a:r>
-            <a:r>
-              <a:rPr lang="en-US" sz="2000" b="0" i="0" dirty="0" err="1">
-                <a:solidFill>
-                  <a:srgbClr val="040606"/>
-                </a:solidFill>
-                <a:effectLst/>
-                <a:latin typeface="Helvetica Neue"/>
-              </a:rPr>
-              <a:t>learing</a:t>
-            </a:r>
-            <a:endParaRPr lang="en-US" sz="2000" b="0" i="0" dirty="0">
-              <a:solidFill>
-                <a:srgbClr val="040606"/>
-              </a:solidFill>
-              <a:effectLst/>
-              <a:latin typeface="Helvetica Neue"/>
-            </a:endParaRPr>
+              <a:t>Reflect on learning</a:t>
+            </a:r>
           </a:p>
           <a:p>
             <a:pPr lvl="1"/>
@@ -5706,13 +5687,13 @@
               <a:rPr lang="nl-NL" sz="2900" dirty="0">
                 <a:latin typeface="Helvetica Neue"/>
               </a:rPr>
-              <a:t>: een doel hebben en hier naartoe werken met </a:t>
-            </a:r>
-            <a:r>
-              <a:rPr lang="nl-NL" sz="2900" dirty="0" err="1">
-                <a:latin typeface="Helvetica Neue"/>
-              </a:rPr>
-              <a:t>langetermijnfocus</a:t>
+              <a:t>: een doel hebben en hier naartoe werken </a:t>
+            </a:r>
+            <a:r>
+              <a:rPr lang="nl-NL" sz="2900">
+                <a:latin typeface="Helvetica Neue"/>
+              </a:rPr>
+              <a:t>met lange termijnfocus</a:t>
             </a:r>
             <a:endParaRPr lang="nl-NL" sz="2900" dirty="0">
               <a:latin typeface="Helvetica Neue"/>
@@ -5748,40 +5729,16 @@
               <a:rPr lang="nl-NL" sz="2000" dirty="0">
                 <a:latin typeface="Helvetica Neue"/>
               </a:rPr>
-              <a:t>Focus op </a:t>
-            </a:r>
-            <a:r>
-              <a:rPr lang="nl-NL" sz="2000" dirty="0" err="1">
-                <a:latin typeface="Helvetica Neue"/>
-              </a:rPr>
-              <a:t>experimenter</a:t>
-            </a:r>
+              <a:t>Focus op experimenteren i.p.v. bereiken</a:t>
+            </a:r>
+          </a:p>
+          <a:p>
+            <a:pPr lvl="1"/>
             <a:r>
               <a:rPr lang="nl-NL" sz="2000" dirty="0">
                 <a:latin typeface="Helvetica Neue"/>
               </a:rPr>
-              <a:t> i.p.v. bereiken</a:t>
-            </a:r>
-          </a:p>
-          <a:p>
-            <a:pPr lvl="1"/>
-            <a:r>
-              <a:rPr lang="nl-NL" sz="2000" dirty="0">
-                <a:latin typeface="Helvetica Neue"/>
-              </a:rPr>
-              <a:t>Daag elkaar uit i.p.v. </a:t>
-            </a:r>
-            <a:r>
-              <a:rPr lang="nl-NL" sz="2000" dirty="0" err="1">
-                <a:latin typeface="Helvetica Neue"/>
-              </a:rPr>
-              <a:t>competetief</a:t>
-            </a:r>
-            <a:r>
-              <a:rPr lang="nl-NL" sz="2000" dirty="0">
-                <a:latin typeface="Helvetica Neue"/>
-              </a:rPr>
-              <a:t> zijn</a:t>
+              <a:t>Daag elkaar uit i.p.v. competitief zijn</a:t>
             </a:r>
           </a:p>
           <a:p>
@@ -6077,6 +6034,2616 @@
 </file>
 
 <file path=ppt/slides/slide4.xml><?xml version="1.0" encoding="utf-8"?>
+<p:sld xmlns:a="http://schemas.openxmlformats.org/drawingml/2006/main" xmlns:r="http://schemas.openxmlformats.org/officeDocument/2006/relationships" xmlns:p="http://schemas.openxmlformats.org/presentationml/2006/main">
+  <p:cSld>
+    <p:bg>
+      <p:bgPr>
+        <a:gradFill>
+          <a:gsLst>
+            <a:gs pos="0">
+              <a:schemeClr val="accent3">
+                <a:lumMod val="20000"/>
+                <a:lumOff val="80000"/>
+              </a:schemeClr>
+            </a:gs>
+            <a:gs pos="100000">
+              <a:schemeClr val="accent6">
+                <a:lumMod val="60000"/>
+                <a:lumOff val="40000"/>
+              </a:schemeClr>
+            </a:gs>
+          </a:gsLst>
+          <a:lin ang="5400000" scaled="1"/>
+        </a:gradFill>
+        <a:effectLst/>
+      </p:bgPr>
+    </p:bg>
+    <p:spTree>
+      <p:nvGrpSpPr>
+        <p:cNvPr id="1" name=""/>
+        <p:cNvGrpSpPr/>
+        <p:nvPr/>
+      </p:nvGrpSpPr>
+      <p:grpSpPr>
+        <a:xfrm>
+          <a:off x="0" y="0"/>
+          <a:ext cx="0" cy="0"/>
+          <a:chOff x="0" y="0"/>
+          <a:chExt cx="0" cy="0"/>
+        </a:xfrm>
+      </p:grpSpPr>
+      <p:sp>
+        <p:nvSpPr>
+          <p:cNvPr id="2" name="Titel 1">
+            <a:extLst>
+              <a:ext uri="{FF2B5EF4-FFF2-40B4-BE49-F238E27FC236}">
+                <a16:creationId xmlns:a16="http://schemas.microsoft.com/office/drawing/2014/main" id="{37681D6D-B61E-4D90-AE29-F4B3873ABAEA}"/>
+              </a:ext>
+            </a:extLst>
+          </p:cNvPr>
+          <p:cNvSpPr>
+            <a:spLocks noGrp="1"/>
+          </p:cNvSpPr>
+          <p:nvPr>
+            <p:ph type="title"/>
+          </p:nvPr>
+        </p:nvSpPr>
+        <p:spPr>
+          <a:xfrm>
+            <a:off x="156882" y="123078"/>
+            <a:ext cx="10515600" cy="620993"/>
+          </a:xfrm>
+        </p:spPr>
+        <p:txBody>
+          <a:bodyPr>
+            <a:normAutofit fontScale="90000"/>
+          </a:bodyPr>
+          <a:lstStyle/>
+          <a:p>
+            <a:r>
+              <a:rPr lang="nl-NL" b="1" u="sng" dirty="0" err="1">
+                <a:solidFill>
+                  <a:schemeClr val="accent1">
+                    <a:lumMod val="50000"/>
+                  </a:schemeClr>
+                </a:solidFill>
+              </a:rPr>
+              <a:t>Problem</a:t>
+            </a:r>
+            <a:r>
+              <a:rPr lang="nl-NL" b="1" u="sng" dirty="0">
+                <a:solidFill>
+                  <a:schemeClr val="accent1">
+                    <a:lumMod val="50000"/>
+                  </a:schemeClr>
+                </a:solidFill>
+              </a:rPr>
+              <a:t> </a:t>
+            </a:r>
+            <a:r>
+              <a:rPr lang="nl-NL" b="1" u="sng" dirty="0" err="1">
+                <a:solidFill>
+                  <a:schemeClr val="accent1">
+                    <a:lumMod val="50000"/>
+                  </a:schemeClr>
+                </a:solidFill>
+              </a:rPr>
+              <a:t>solving</a:t>
+            </a:r>
+            <a:endParaRPr lang="nl-NL" b="1" u="sng" dirty="0">
+              <a:solidFill>
+                <a:schemeClr val="accent1">
+                  <a:lumMod val="50000"/>
+                </a:schemeClr>
+              </a:solidFill>
+            </a:endParaRPr>
+          </a:p>
+        </p:txBody>
+      </p:sp>
+      <p:sp>
+        <p:nvSpPr>
+          <p:cNvPr id="4" name="Tijdelijke aanduiding voor inhoud 2">
+            <a:extLst>
+              <a:ext uri="{FF2B5EF4-FFF2-40B4-BE49-F238E27FC236}">
+                <a16:creationId xmlns:a16="http://schemas.microsoft.com/office/drawing/2014/main" id="{6EFE2ABA-5C95-497F-8922-8A8391AFAFAE}"/>
+              </a:ext>
+            </a:extLst>
+          </p:cNvPr>
+          <p:cNvSpPr txBox="1">
+            <a:spLocks/>
+          </p:cNvSpPr>
+          <p:nvPr/>
+        </p:nvSpPr>
+        <p:spPr>
+          <a:xfrm>
+            <a:off x="156882" y="990789"/>
+            <a:ext cx="5306941" cy="2656178"/>
+          </a:xfrm>
+          <a:prstGeom prst="rect">
+            <a:avLst/>
+          </a:prstGeom>
+        </p:spPr>
+        <p:txBody>
+          <a:bodyPr vert="horz" lIns="91440" tIns="45720" rIns="91440" bIns="45720" rtlCol="0">
+            <a:normAutofit/>
+          </a:bodyPr>
+          <a:lstStyle>
+            <a:lvl1pPr marL="228600" indent="-228600" algn="l" defTabSz="914400" rtl="0" eaLnBrk="1" latinLnBrk="0" hangingPunct="1">
+              <a:lnSpc>
+                <a:spcPct val="90000"/>
+              </a:lnSpc>
+              <a:spcBef>
+                <a:spcPts val="1000"/>
+              </a:spcBef>
+              <a:buFont typeface="Arial" panose="020B0604020202020204" pitchFamily="34" charset="0"/>
+              <a:buChar char="•"/>
+              <a:defRPr sz="2800" kern="1200">
+                <a:solidFill>
+                  <a:schemeClr val="tx1"/>
+                </a:solidFill>
+                <a:latin typeface="+mn-lt"/>
+                <a:ea typeface="+mn-ea"/>
+                <a:cs typeface="+mn-cs"/>
+              </a:defRPr>
+            </a:lvl1pPr>
+            <a:lvl2pPr marL="685800" indent="-228600" algn="l" defTabSz="914400" rtl="0" eaLnBrk="1" latinLnBrk="0" hangingPunct="1">
+              <a:lnSpc>
+                <a:spcPct val="90000"/>
+              </a:lnSpc>
+              <a:spcBef>
+                <a:spcPts val="500"/>
+              </a:spcBef>
+              <a:buFont typeface="Arial" panose="020B0604020202020204" pitchFamily="34" charset="0"/>
+              <a:buChar char="•"/>
+              <a:defRPr sz="2400" kern="1200">
+                <a:solidFill>
+                  <a:schemeClr val="tx1"/>
+                </a:solidFill>
+                <a:latin typeface="+mn-lt"/>
+                <a:ea typeface="+mn-ea"/>
+                <a:cs typeface="+mn-cs"/>
+              </a:defRPr>
+            </a:lvl2pPr>
+            <a:lvl3pPr marL="1143000" indent="-228600" algn="l" defTabSz="914400" rtl="0" eaLnBrk="1" latinLnBrk="0" hangingPunct="1">
+              <a:lnSpc>
+                <a:spcPct val="90000"/>
+              </a:lnSpc>
+              <a:spcBef>
+                <a:spcPts val="500"/>
+              </a:spcBef>
+              <a:buFont typeface="Arial" panose="020B0604020202020204" pitchFamily="34" charset="0"/>
+              <a:buChar char="•"/>
+              <a:defRPr sz="2000" kern="1200">
+                <a:solidFill>
+                  <a:schemeClr val="tx1"/>
+                </a:solidFill>
+                <a:latin typeface="+mn-lt"/>
+                <a:ea typeface="+mn-ea"/>
+                <a:cs typeface="+mn-cs"/>
+              </a:defRPr>
+            </a:lvl3pPr>
+            <a:lvl4pPr marL="1600200" indent="-228600" algn="l" defTabSz="914400" rtl="0" eaLnBrk="1" latinLnBrk="0" hangingPunct="1">
+              <a:lnSpc>
+                <a:spcPct val="90000"/>
+              </a:lnSpc>
+              <a:spcBef>
+                <a:spcPts val="500"/>
+              </a:spcBef>
+              <a:buFont typeface="Arial" panose="020B0604020202020204" pitchFamily="34" charset="0"/>
+              <a:buChar char="•"/>
+              <a:defRPr sz="1800" kern="1200">
+                <a:solidFill>
+                  <a:schemeClr val="tx1"/>
+                </a:solidFill>
+                <a:latin typeface="+mn-lt"/>
+                <a:ea typeface="+mn-ea"/>
+                <a:cs typeface="+mn-cs"/>
+              </a:defRPr>
+            </a:lvl4pPr>
+            <a:lvl5pPr marL="2057400" indent="-228600" algn="l" defTabSz="914400" rtl="0" eaLnBrk="1" latinLnBrk="0" hangingPunct="1">
+              <a:lnSpc>
+                <a:spcPct val="90000"/>
+              </a:lnSpc>
+              <a:spcBef>
+                <a:spcPts val="500"/>
+              </a:spcBef>
+              <a:buFont typeface="Arial" panose="020B0604020202020204" pitchFamily="34" charset="0"/>
+              <a:buChar char="•"/>
+              <a:defRPr sz="1800" kern="1200">
+                <a:solidFill>
+                  <a:schemeClr val="tx1"/>
+                </a:solidFill>
+                <a:latin typeface="+mn-lt"/>
+                <a:ea typeface="+mn-ea"/>
+                <a:cs typeface="+mn-cs"/>
+              </a:defRPr>
+            </a:lvl5pPr>
+            <a:lvl6pPr marL="2514600" indent="-228600" algn="l" defTabSz="914400" rtl="0" eaLnBrk="1" latinLnBrk="0" hangingPunct="1">
+              <a:lnSpc>
+                <a:spcPct val="90000"/>
+              </a:lnSpc>
+              <a:spcBef>
+                <a:spcPts val="500"/>
+              </a:spcBef>
+              <a:buFont typeface="Arial" panose="020B0604020202020204" pitchFamily="34" charset="0"/>
+              <a:buChar char="•"/>
+              <a:defRPr sz="1800" kern="1200">
+                <a:solidFill>
+                  <a:schemeClr val="tx1"/>
+                </a:solidFill>
+                <a:latin typeface="+mn-lt"/>
+                <a:ea typeface="+mn-ea"/>
+                <a:cs typeface="+mn-cs"/>
+              </a:defRPr>
+            </a:lvl6pPr>
+            <a:lvl7pPr marL="2971800" indent="-228600" algn="l" defTabSz="914400" rtl="0" eaLnBrk="1" latinLnBrk="0" hangingPunct="1">
+              <a:lnSpc>
+                <a:spcPct val="90000"/>
+              </a:lnSpc>
+              <a:spcBef>
+                <a:spcPts val="500"/>
+              </a:spcBef>
+              <a:buFont typeface="Arial" panose="020B0604020202020204" pitchFamily="34" charset="0"/>
+              <a:buChar char="•"/>
+              <a:defRPr sz="1800" kern="1200">
+                <a:solidFill>
+                  <a:schemeClr val="tx1"/>
+                </a:solidFill>
+                <a:latin typeface="+mn-lt"/>
+                <a:ea typeface="+mn-ea"/>
+                <a:cs typeface="+mn-cs"/>
+              </a:defRPr>
+            </a:lvl7pPr>
+            <a:lvl8pPr marL="3429000" indent="-228600" algn="l" defTabSz="914400" rtl="0" eaLnBrk="1" latinLnBrk="0" hangingPunct="1">
+              <a:lnSpc>
+                <a:spcPct val="90000"/>
+              </a:lnSpc>
+              <a:spcBef>
+                <a:spcPts val="500"/>
+              </a:spcBef>
+              <a:buFont typeface="Arial" panose="020B0604020202020204" pitchFamily="34" charset="0"/>
+              <a:buChar char="•"/>
+              <a:defRPr sz="1800" kern="1200">
+                <a:solidFill>
+                  <a:schemeClr val="tx1"/>
+                </a:solidFill>
+                <a:latin typeface="+mn-lt"/>
+                <a:ea typeface="+mn-ea"/>
+                <a:cs typeface="+mn-cs"/>
+              </a:defRPr>
+            </a:lvl8pPr>
+            <a:lvl9pPr marL="3886200" indent="-228600" algn="l" defTabSz="914400" rtl="0" eaLnBrk="1" latinLnBrk="0" hangingPunct="1">
+              <a:lnSpc>
+                <a:spcPct val="90000"/>
+              </a:lnSpc>
+              <a:spcBef>
+                <a:spcPts val="500"/>
+              </a:spcBef>
+              <a:buFont typeface="Arial" panose="020B0604020202020204" pitchFamily="34" charset="0"/>
+              <a:buChar char="•"/>
+              <a:defRPr sz="1800" kern="1200">
+                <a:solidFill>
+                  <a:schemeClr val="tx1"/>
+                </a:solidFill>
+                <a:latin typeface="+mn-lt"/>
+                <a:ea typeface="+mn-ea"/>
+                <a:cs typeface="+mn-cs"/>
+              </a:defRPr>
+            </a:lvl9pPr>
+          </a:lstStyle>
+          <a:p>
+            <a:pPr marL="0" indent="0">
+              <a:buNone/>
+            </a:pPr>
+            <a:r>
+              <a:rPr lang="nl-NL" sz="2000" b="1" dirty="0">
+                <a:solidFill>
+                  <a:schemeClr val="accent1">
+                    <a:lumMod val="50000"/>
+                  </a:schemeClr>
+                </a:solidFill>
+              </a:rPr>
+              <a:t>1. Creëer een begrip van het probleem</a:t>
+            </a:r>
+            <a:endParaRPr lang="nl-NL" sz="2000" dirty="0">
+              <a:solidFill>
+                <a:schemeClr val="accent1">
+                  <a:lumMod val="50000"/>
+                </a:schemeClr>
+              </a:solidFill>
+            </a:endParaRPr>
+          </a:p>
+          <a:p>
+            <a:pPr algn="l">
+              <a:buFont typeface="Arial" panose="020B0604020202020204" pitchFamily="34" charset="0"/>
+              <a:buChar char="•"/>
+            </a:pPr>
+            <a:r>
+              <a:rPr lang="en-US" sz="2000" b="0" i="0" dirty="0" err="1">
+                <a:solidFill>
+                  <a:srgbClr val="040606"/>
+                </a:solidFill>
+                <a:effectLst/>
+                <a:latin typeface="Helvetica Neue"/>
+              </a:rPr>
+              <a:t>Welke</a:t>
+            </a:r>
+            <a:r>
+              <a:rPr lang="en-US" sz="2000" b="0" i="0" dirty="0">
+                <a:solidFill>
+                  <a:srgbClr val="040606"/>
+                </a:solidFill>
+                <a:effectLst/>
+                <a:latin typeface="Helvetica Neue"/>
+              </a:rPr>
+              <a:t> </a:t>
+            </a:r>
+            <a:r>
+              <a:rPr lang="en-US" sz="2000" b="0" i="0" dirty="0" err="1">
+                <a:solidFill>
+                  <a:srgbClr val="040606"/>
+                </a:solidFill>
+                <a:effectLst/>
+                <a:latin typeface="Helvetica Neue"/>
+              </a:rPr>
+              <a:t>denkstappen</a:t>
+            </a:r>
+            <a:r>
+              <a:rPr lang="en-US" sz="2000" b="0" i="0" dirty="0">
+                <a:solidFill>
+                  <a:srgbClr val="040606"/>
+                </a:solidFill>
+                <a:effectLst/>
+                <a:latin typeface="Helvetica Neue"/>
+              </a:rPr>
+              <a:t> </a:t>
+            </a:r>
+            <a:r>
+              <a:rPr lang="en-US" sz="2000" b="0" i="0" dirty="0" err="1">
+                <a:solidFill>
+                  <a:srgbClr val="040606"/>
+                </a:solidFill>
+                <a:effectLst/>
+                <a:latin typeface="Helvetica Neue"/>
+              </a:rPr>
+              <a:t>moeten</a:t>
+            </a:r>
+            <a:r>
+              <a:rPr lang="en-US" sz="2000" b="0" i="0" dirty="0">
+                <a:solidFill>
+                  <a:srgbClr val="040606"/>
+                </a:solidFill>
+                <a:effectLst/>
+                <a:latin typeface="Helvetica Neue"/>
+              </a:rPr>
+              <a:t> </a:t>
+            </a:r>
+            <a:r>
+              <a:rPr lang="en-US" sz="2000" b="0" i="0" dirty="0" err="1">
+                <a:solidFill>
+                  <a:srgbClr val="040606"/>
+                </a:solidFill>
+                <a:effectLst/>
+                <a:latin typeface="Helvetica Neue"/>
+              </a:rPr>
+              <a:t>genomen</a:t>
+            </a:r>
+            <a:r>
+              <a:rPr lang="en-US" sz="2000" b="0" i="0" dirty="0">
+                <a:solidFill>
+                  <a:srgbClr val="040606"/>
+                </a:solidFill>
+                <a:effectLst/>
+                <a:latin typeface="Helvetica Neue"/>
+              </a:rPr>
+              <a:t> </a:t>
+            </a:r>
+            <a:r>
+              <a:rPr lang="en-US" sz="2000" b="0" i="0" dirty="0" err="1">
+                <a:solidFill>
+                  <a:srgbClr val="040606"/>
+                </a:solidFill>
+                <a:effectLst/>
+                <a:latin typeface="Helvetica Neue"/>
+              </a:rPr>
+              <a:t>worden</a:t>
+            </a:r>
+            <a:r>
+              <a:rPr lang="en-US" sz="2000" b="0" i="0" dirty="0">
+                <a:solidFill>
+                  <a:srgbClr val="040606"/>
+                </a:solidFill>
+                <a:effectLst/>
+                <a:latin typeface="Helvetica Neue"/>
+              </a:rPr>
+              <a:t>?</a:t>
+            </a:r>
+          </a:p>
+          <a:p>
+            <a:pPr algn="l">
+              <a:buFont typeface="Arial" panose="020B0604020202020204" pitchFamily="34" charset="0"/>
+              <a:buChar char="•"/>
+            </a:pPr>
+            <a:r>
+              <a:rPr lang="en-US" sz="2000" b="0" i="0" dirty="0" err="1">
+                <a:solidFill>
+                  <a:srgbClr val="040606"/>
+                </a:solidFill>
+                <a:effectLst/>
+                <a:latin typeface="Helvetica Neue"/>
+              </a:rPr>
+              <a:t>Welke</a:t>
+            </a:r>
+            <a:r>
+              <a:rPr lang="en-US" sz="2000" b="0" i="0" dirty="0">
+                <a:solidFill>
+                  <a:srgbClr val="040606"/>
+                </a:solidFill>
+                <a:effectLst/>
+                <a:latin typeface="Helvetica Neue"/>
+              </a:rPr>
+              <a:t> </a:t>
+            </a:r>
+            <a:r>
+              <a:rPr lang="en-US" sz="2000" b="0" i="0" dirty="0" err="1">
+                <a:solidFill>
+                  <a:srgbClr val="040606"/>
+                </a:solidFill>
+                <a:effectLst/>
+                <a:latin typeface="Helvetica Neue"/>
+              </a:rPr>
+              <a:t>kennis</a:t>
+            </a:r>
+            <a:r>
+              <a:rPr lang="en-US" sz="2000" b="0" i="0" dirty="0">
+                <a:solidFill>
+                  <a:srgbClr val="040606"/>
+                </a:solidFill>
+                <a:effectLst/>
+                <a:latin typeface="Helvetica Neue"/>
+              </a:rPr>
+              <a:t> </a:t>
+            </a:r>
+            <a:r>
+              <a:rPr lang="en-US" sz="2000" b="0" i="0" dirty="0" err="1">
+                <a:solidFill>
+                  <a:srgbClr val="040606"/>
+                </a:solidFill>
+                <a:effectLst/>
+                <a:latin typeface="Helvetica Neue"/>
+              </a:rPr>
+              <a:t>missen</a:t>
+            </a:r>
+            <a:r>
+              <a:rPr lang="en-US" sz="2000" b="0" i="0" dirty="0">
+                <a:solidFill>
+                  <a:srgbClr val="040606"/>
+                </a:solidFill>
+                <a:effectLst/>
+                <a:latin typeface="Helvetica Neue"/>
+              </a:rPr>
+              <a:t> we?</a:t>
+            </a:r>
+          </a:p>
+          <a:p>
+            <a:r>
+              <a:rPr lang="en-US" sz="2000" b="0" i="0" dirty="0">
+                <a:solidFill>
+                  <a:srgbClr val="040606"/>
+                </a:solidFill>
+                <a:effectLst/>
+                <a:latin typeface="Helvetica Neue"/>
+              </a:rPr>
+              <a:t>Neem </a:t>
+            </a:r>
+            <a:r>
+              <a:rPr lang="en-US" sz="2000" b="0" i="0" dirty="0" err="1">
+                <a:solidFill>
+                  <a:srgbClr val="040606"/>
+                </a:solidFill>
+                <a:effectLst/>
+                <a:latin typeface="Helvetica Neue"/>
+              </a:rPr>
+              <a:t>een</a:t>
+            </a:r>
+            <a:r>
+              <a:rPr lang="en-US" sz="2000" b="0" i="0" dirty="0">
+                <a:solidFill>
+                  <a:srgbClr val="040606"/>
+                </a:solidFill>
+                <a:effectLst/>
+                <a:latin typeface="Helvetica Neue"/>
+              </a:rPr>
+              <a:t> </a:t>
+            </a:r>
+            <a:r>
+              <a:rPr lang="en-US" sz="2000" b="0" i="0" dirty="0" err="1">
+                <a:solidFill>
+                  <a:srgbClr val="040606"/>
+                </a:solidFill>
+                <a:effectLst/>
+                <a:latin typeface="Helvetica Neue"/>
+              </a:rPr>
+              <a:t>stap</a:t>
+            </a:r>
+            <a:r>
+              <a:rPr lang="en-US" sz="2000" b="0" i="0" dirty="0">
+                <a:solidFill>
+                  <a:srgbClr val="040606"/>
+                </a:solidFill>
+                <a:effectLst/>
+                <a:latin typeface="Helvetica Neue"/>
+              </a:rPr>
+              <a:t> </a:t>
+            </a:r>
+            <a:r>
+              <a:rPr lang="en-US" sz="2000" b="0" i="0" dirty="0" err="1">
+                <a:solidFill>
+                  <a:srgbClr val="040606"/>
+                </a:solidFill>
+                <a:effectLst/>
+                <a:latin typeface="Helvetica Neue"/>
+              </a:rPr>
+              <a:t>terug</a:t>
+            </a:r>
+            <a:r>
+              <a:rPr lang="en-US" sz="2000" dirty="0">
+                <a:solidFill>
+                  <a:srgbClr val="040606"/>
+                </a:solidFill>
+                <a:latin typeface="Helvetica Neue"/>
+              </a:rPr>
+              <a:t>: </a:t>
+            </a:r>
+            <a:r>
+              <a:rPr lang="en-US" sz="2000" dirty="0" err="1">
+                <a:solidFill>
+                  <a:srgbClr val="040606"/>
+                </a:solidFill>
+                <a:latin typeface="Helvetica Neue"/>
+              </a:rPr>
+              <a:t>kijk</a:t>
+            </a:r>
+            <a:r>
+              <a:rPr lang="en-US" sz="2000" dirty="0">
+                <a:solidFill>
+                  <a:srgbClr val="040606"/>
+                </a:solidFill>
+                <a:latin typeface="Helvetica Neue"/>
+              </a:rPr>
+              <a:t> met breed </a:t>
+            </a:r>
+            <a:r>
+              <a:rPr lang="en-US" sz="2000" dirty="0" err="1">
+                <a:solidFill>
+                  <a:srgbClr val="040606"/>
+                </a:solidFill>
+                <a:latin typeface="Helvetica Neue"/>
+              </a:rPr>
+              <a:t>perspectief</a:t>
+            </a:r>
+            <a:endParaRPr lang="en-US" sz="2000" b="0" i="0" dirty="0">
+              <a:solidFill>
+                <a:srgbClr val="040606"/>
+              </a:solidFill>
+              <a:effectLst/>
+              <a:latin typeface="Helvetica Neue"/>
+            </a:endParaRPr>
+          </a:p>
+          <a:p>
+            <a:pPr lvl="1"/>
+            <a:endParaRPr lang="nl-NL" dirty="0"/>
+          </a:p>
+        </p:txBody>
+      </p:sp>
+      <p:sp>
+        <p:nvSpPr>
+          <p:cNvPr id="6" name="Tijdelijke aanduiding voor inhoud 2">
+            <a:extLst>
+              <a:ext uri="{FF2B5EF4-FFF2-40B4-BE49-F238E27FC236}">
+                <a16:creationId xmlns:a16="http://schemas.microsoft.com/office/drawing/2014/main" id="{0B7B3CBB-4A07-458B-B006-E4CE94DE89EF}"/>
+              </a:ext>
+            </a:extLst>
+          </p:cNvPr>
+          <p:cNvSpPr txBox="1">
+            <a:spLocks/>
+          </p:cNvSpPr>
+          <p:nvPr/>
+        </p:nvSpPr>
+        <p:spPr>
+          <a:xfrm>
+            <a:off x="156883" y="3211034"/>
+            <a:ext cx="6015484" cy="3646965"/>
+          </a:xfrm>
+          <a:prstGeom prst="rect">
+            <a:avLst/>
+          </a:prstGeom>
+        </p:spPr>
+        <p:txBody>
+          <a:bodyPr vert="horz" lIns="91440" tIns="45720" rIns="91440" bIns="45720" rtlCol="0">
+            <a:normAutofit fontScale="92500" lnSpcReduction="20000"/>
+          </a:bodyPr>
+          <a:lstStyle>
+            <a:lvl1pPr marL="228600" indent="-228600" algn="l" defTabSz="914400" rtl="0" eaLnBrk="1" latinLnBrk="0" hangingPunct="1">
+              <a:lnSpc>
+                <a:spcPct val="90000"/>
+              </a:lnSpc>
+              <a:spcBef>
+                <a:spcPts val="1000"/>
+              </a:spcBef>
+              <a:buFont typeface="Arial" panose="020B0604020202020204" pitchFamily="34" charset="0"/>
+              <a:buChar char="•"/>
+              <a:defRPr sz="2800" kern="1200">
+                <a:solidFill>
+                  <a:schemeClr val="tx1"/>
+                </a:solidFill>
+                <a:latin typeface="+mn-lt"/>
+                <a:ea typeface="+mn-ea"/>
+                <a:cs typeface="+mn-cs"/>
+              </a:defRPr>
+            </a:lvl1pPr>
+            <a:lvl2pPr marL="685800" indent="-228600" algn="l" defTabSz="914400" rtl="0" eaLnBrk="1" latinLnBrk="0" hangingPunct="1">
+              <a:lnSpc>
+                <a:spcPct val="90000"/>
+              </a:lnSpc>
+              <a:spcBef>
+                <a:spcPts val="500"/>
+              </a:spcBef>
+              <a:buFont typeface="Arial" panose="020B0604020202020204" pitchFamily="34" charset="0"/>
+              <a:buChar char="•"/>
+              <a:defRPr sz="2400" kern="1200">
+                <a:solidFill>
+                  <a:schemeClr val="tx1"/>
+                </a:solidFill>
+                <a:latin typeface="+mn-lt"/>
+                <a:ea typeface="+mn-ea"/>
+                <a:cs typeface="+mn-cs"/>
+              </a:defRPr>
+            </a:lvl2pPr>
+            <a:lvl3pPr marL="1143000" indent="-228600" algn="l" defTabSz="914400" rtl="0" eaLnBrk="1" latinLnBrk="0" hangingPunct="1">
+              <a:lnSpc>
+                <a:spcPct val="90000"/>
+              </a:lnSpc>
+              <a:spcBef>
+                <a:spcPts val="500"/>
+              </a:spcBef>
+              <a:buFont typeface="Arial" panose="020B0604020202020204" pitchFamily="34" charset="0"/>
+              <a:buChar char="•"/>
+              <a:defRPr sz="2000" kern="1200">
+                <a:solidFill>
+                  <a:schemeClr val="tx1"/>
+                </a:solidFill>
+                <a:latin typeface="+mn-lt"/>
+                <a:ea typeface="+mn-ea"/>
+                <a:cs typeface="+mn-cs"/>
+              </a:defRPr>
+            </a:lvl3pPr>
+            <a:lvl4pPr marL="1600200" indent="-228600" algn="l" defTabSz="914400" rtl="0" eaLnBrk="1" latinLnBrk="0" hangingPunct="1">
+              <a:lnSpc>
+                <a:spcPct val="90000"/>
+              </a:lnSpc>
+              <a:spcBef>
+                <a:spcPts val="500"/>
+              </a:spcBef>
+              <a:buFont typeface="Arial" panose="020B0604020202020204" pitchFamily="34" charset="0"/>
+              <a:buChar char="•"/>
+              <a:defRPr sz="1800" kern="1200">
+                <a:solidFill>
+                  <a:schemeClr val="tx1"/>
+                </a:solidFill>
+                <a:latin typeface="+mn-lt"/>
+                <a:ea typeface="+mn-ea"/>
+                <a:cs typeface="+mn-cs"/>
+              </a:defRPr>
+            </a:lvl4pPr>
+            <a:lvl5pPr marL="2057400" indent="-228600" algn="l" defTabSz="914400" rtl="0" eaLnBrk="1" latinLnBrk="0" hangingPunct="1">
+              <a:lnSpc>
+                <a:spcPct val="90000"/>
+              </a:lnSpc>
+              <a:spcBef>
+                <a:spcPts val="500"/>
+              </a:spcBef>
+              <a:buFont typeface="Arial" panose="020B0604020202020204" pitchFamily="34" charset="0"/>
+              <a:buChar char="•"/>
+              <a:defRPr sz="1800" kern="1200">
+                <a:solidFill>
+                  <a:schemeClr val="tx1"/>
+                </a:solidFill>
+                <a:latin typeface="+mn-lt"/>
+                <a:ea typeface="+mn-ea"/>
+                <a:cs typeface="+mn-cs"/>
+              </a:defRPr>
+            </a:lvl5pPr>
+            <a:lvl6pPr marL="2514600" indent="-228600" algn="l" defTabSz="914400" rtl="0" eaLnBrk="1" latinLnBrk="0" hangingPunct="1">
+              <a:lnSpc>
+                <a:spcPct val="90000"/>
+              </a:lnSpc>
+              <a:spcBef>
+                <a:spcPts val="500"/>
+              </a:spcBef>
+              <a:buFont typeface="Arial" panose="020B0604020202020204" pitchFamily="34" charset="0"/>
+              <a:buChar char="•"/>
+              <a:defRPr sz="1800" kern="1200">
+                <a:solidFill>
+                  <a:schemeClr val="tx1"/>
+                </a:solidFill>
+                <a:latin typeface="+mn-lt"/>
+                <a:ea typeface="+mn-ea"/>
+                <a:cs typeface="+mn-cs"/>
+              </a:defRPr>
+            </a:lvl6pPr>
+            <a:lvl7pPr marL="2971800" indent="-228600" algn="l" defTabSz="914400" rtl="0" eaLnBrk="1" latinLnBrk="0" hangingPunct="1">
+              <a:lnSpc>
+                <a:spcPct val="90000"/>
+              </a:lnSpc>
+              <a:spcBef>
+                <a:spcPts val="500"/>
+              </a:spcBef>
+              <a:buFont typeface="Arial" panose="020B0604020202020204" pitchFamily="34" charset="0"/>
+              <a:buChar char="•"/>
+              <a:defRPr sz="1800" kern="1200">
+                <a:solidFill>
+                  <a:schemeClr val="tx1"/>
+                </a:solidFill>
+                <a:latin typeface="+mn-lt"/>
+                <a:ea typeface="+mn-ea"/>
+                <a:cs typeface="+mn-cs"/>
+              </a:defRPr>
+            </a:lvl7pPr>
+            <a:lvl8pPr marL="3429000" indent="-228600" algn="l" defTabSz="914400" rtl="0" eaLnBrk="1" latinLnBrk="0" hangingPunct="1">
+              <a:lnSpc>
+                <a:spcPct val="90000"/>
+              </a:lnSpc>
+              <a:spcBef>
+                <a:spcPts val="500"/>
+              </a:spcBef>
+              <a:buFont typeface="Arial" panose="020B0604020202020204" pitchFamily="34" charset="0"/>
+              <a:buChar char="•"/>
+              <a:defRPr sz="1800" kern="1200">
+                <a:solidFill>
+                  <a:schemeClr val="tx1"/>
+                </a:solidFill>
+                <a:latin typeface="+mn-lt"/>
+                <a:ea typeface="+mn-ea"/>
+                <a:cs typeface="+mn-cs"/>
+              </a:defRPr>
+            </a:lvl8pPr>
+            <a:lvl9pPr marL="3886200" indent="-228600" algn="l" defTabSz="914400" rtl="0" eaLnBrk="1" latinLnBrk="0" hangingPunct="1">
+              <a:lnSpc>
+                <a:spcPct val="90000"/>
+              </a:lnSpc>
+              <a:spcBef>
+                <a:spcPts val="500"/>
+              </a:spcBef>
+              <a:buFont typeface="Arial" panose="020B0604020202020204" pitchFamily="34" charset="0"/>
+              <a:buChar char="•"/>
+              <a:defRPr sz="1800" kern="1200">
+                <a:solidFill>
+                  <a:schemeClr val="tx1"/>
+                </a:solidFill>
+                <a:latin typeface="+mn-lt"/>
+                <a:ea typeface="+mn-ea"/>
+                <a:cs typeface="+mn-cs"/>
+              </a:defRPr>
+            </a:lvl9pPr>
+          </a:lstStyle>
+          <a:p>
+            <a:pPr marL="0" indent="0">
+              <a:buNone/>
+            </a:pPr>
+            <a:r>
+              <a:rPr lang="nl-NL" sz="2400" b="1" dirty="0">
+                <a:solidFill>
+                  <a:schemeClr val="accent1">
+                    <a:lumMod val="50000"/>
+                  </a:schemeClr>
+                </a:solidFill>
+                <a:latin typeface="Helvetica Neue"/>
+              </a:rPr>
+              <a:t>2. Verdeel (en heers </a:t>
+            </a:r>
+            <a:r>
+              <a:rPr lang="nl-NL" sz="2400" b="1" dirty="0">
+                <a:solidFill>
+                  <a:schemeClr val="accent1">
+                    <a:lumMod val="50000"/>
+                  </a:schemeClr>
+                </a:solidFill>
+                <a:latin typeface="Helvetica Neue"/>
+                <a:sym typeface="Wingdings" panose="05000000000000000000" pitchFamily="2" charset="2"/>
+              </a:rPr>
+              <a:t>)</a:t>
+            </a:r>
+            <a:r>
+              <a:rPr lang="nl-NL" sz="2400" b="1" dirty="0">
+                <a:solidFill>
+                  <a:schemeClr val="accent1">
+                    <a:lumMod val="50000"/>
+                  </a:schemeClr>
+                </a:solidFill>
+                <a:latin typeface="Helvetica Neue"/>
+              </a:rPr>
+              <a:t> </a:t>
+            </a:r>
+          </a:p>
+          <a:p>
+            <a:pPr marL="0" indent="0">
+              <a:lnSpc>
+                <a:spcPct val="107000"/>
+              </a:lnSpc>
+              <a:spcAft>
+                <a:spcPts val="800"/>
+              </a:spcAft>
+              <a:buNone/>
+            </a:pPr>
+            <a:r>
+              <a:rPr lang="nl-NL" sz="2400" dirty="0">
+                <a:solidFill>
+                  <a:schemeClr val="accent1">
+                    <a:lumMod val="50000"/>
+                  </a:schemeClr>
+                </a:solidFill>
+                <a:effectLst/>
+                <a:latin typeface="Helvetica Neue"/>
+                <a:ea typeface="Calibri" panose="020F0502020204030204" pitchFamily="34" charset="0"/>
+                <a:cs typeface="Times New Roman" panose="02020603050405020304" pitchFamily="18" charset="0"/>
+              </a:rPr>
+              <a:t>Welke functionaliteiten heeft de app nodig?</a:t>
+            </a:r>
+          </a:p>
+          <a:p>
+            <a:r>
+              <a:rPr lang="nl-NL" sz="2400" dirty="0">
+                <a:effectLst/>
+                <a:latin typeface="Helvetica Neue"/>
+                <a:ea typeface="Calibri" panose="020F0502020204030204" pitchFamily="34" charset="0"/>
+                <a:cs typeface="Times New Roman" panose="02020603050405020304" pitchFamily="18" charset="0"/>
+              </a:rPr>
+              <a:t>De app moet de gebruiker een overzicht van taken kunnen tonen</a:t>
+            </a:r>
+          </a:p>
+          <a:p>
+            <a:pPr lvl="1"/>
+            <a:r>
+              <a:rPr lang="nl-NL" sz="2100" dirty="0">
+                <a:effectLst/>
+                <a:latin typeface="Helvetica Neue"/>
+                <a:ea typeface="Calibri" panose="020F0502020204030204" pitchFamily="34" charset="0"/>
+                <a:cs typeface="Times New Roman" panose="02020603050405020304" pitchFamily="18" charset="0"/>
+              </a:rPr>
+              <a:t>Het overzicht moet uit 3 kolommen bestaan</a:t>
+            </a:r>
+          </a:p>
+          <a:p>
+            <a:r>
+              <a:rPr lang="nl-NL" sz="2400" dirty="0" err="1">
+                <a:effectLst/>
+                <a:latin typeface="Helvetica Neue"/>
+                <a:ea typeface="Calibri" panose="020F0502020204030204" pitchFamily="34" charset="0"/>
+                <a:cs typeface="Times New Roman" panose="02020603050405020304" pitchFamily="18" charset="0"/>
+              </a:rPr>
+              <a:t>addTasks</a:t>
+            </a:r>
+            <a:r>
+              <a:rPr lang="nl-NL" sz="2400" dirty="0">
+                <a:effectLst/>
+                <a:latin typeface="Helvetica Neue"/>
+                <a:ea typeface="Calibri" panose="020F0502020204030204" pitchFamily="34" charset="0"/>
+                <a:cs typeface="Times New Roman" panose="02020603050405020304" pitchFamily="18" charset="0"/>
+              </a:rPr>
+              <a:t>-button </a:t>
+            </a:r>
+          </a:p>
+          <a:p>
+            <a:r>
+              <a:rPr lang="nl-NL" sz="2400" dirty="0">
+                <a:effectLst/>
+                <a:latin typeface="Helvetica Neue"/>
+                <a:ea typeface="Calibri" panose="020F0502020204030204" pitchFamily="34" charset="0"/>
+                <a:cs typeface="Times New Roman" panose="02020603050405020304" pitchFamily="18" charset="0"/>
+              </a:rPr>
+              <a:t>Tekstinput voor nieuwe taken</a:t>
+            </a:r>
+          </a:p>
+          <a:p>
+            <a:r>
+              <a:rPr lang="nl-NL" sz="2400" dirty="0" err="1">
+                <a:effectLst/>
+                <a:latin typeface="Helvetica Neue"/>
+                <a:ea typeface="Calibri" panose="020F0502020204030204" pitchFamily="34" charset="0"/>
+                <a:cs typeface="Times New Roman" panose="02020603050405020304" pitchFamily="18" charset="0"/>
+              </a:rPr>
+              <a:t>deleteAllTasks</a:t>
+            </a:r>
+            <a:r>
+              <a:rPr lang="nl-NL" sz="2400" dirty="0">
+                <a:effectLst/>
+                <a:latin typeface="Helvetica Neue"/>
+                <a:ea typeface="Calibri" panose="020F0502020204030204" pitchFamily="34" charset="0"/>
+                <a:cs typeface="Times New Roman" panose="02020603050405020304" pitchFamily="18" charset="0"/>
+              </a:rPr>
+              <a:t>-button </a:t>
+            </a:r>
+          </a:p>
+          <a:p>
+            <a:pPr marL="0" indent="0" algn="l">
+              <a:buNone/>
+            </a:pPr>
+            <a:r>
+              <a:rPr lang="en-US" sz="2400" b="1" i="0" dirty="0">
+                <a:solidFill>
+                  <a:schemeClr val="accent1">
+                    <a:lumMod val="50000"/>
+                  </a:schemeClr>
+                </a:solidFill>
+                <a:effectLst/>
+                <a:latin typeface="Helvetica Neue"/>
+              </a:rPr>
+              <a:t>Tackle </a:t>
+            </a:r>
+            <a:r>
+              <a:rPr lang="en-US" sz="2400" b="1" i="0" dirty="0" err="1">
+                <a:solidFill>
+                  <a:schemeClr val="accent1">
+                    <a:lumMod val="50000"/>
+                  </a:schemeClr>
+                </a:solidFill>
+                <a:effectLst/>
+                <a:latin typeface="Helvetica Neue"/>
+              </a:rPr>
+              <a:t>indivi</a:t>
+            </a:r>
+            <a:r>
+              <a:rPr lang="en-US" sz="2400" b="1" dirty="0" err="1">
+                <a:solidFill>
+                  <a:schemeClr val="accent1">
+                    <a:lumMod val="50000"/>
+                  </a:schemeClr>
+                </a:solidFill>
+                <a:latin typeface="Helvetica Neue"/>
+              </a:rPr>
+              <a:t>duele</a:t>
+            </a:r>
+            <a:r>
+              <a:rPr lang="en-US" sz="2400" b="1" dirty="0">
+                <a:solidFill>
+                  <a:schemeClr val="accent1">
+                    <a:lumMod val="50000"/>
+                  </a:schemeClr>
+                </a:solidFill>
+                <a:latin typeface="Helvetica Neue"/>
+              </a:rPr>
+              <a:t> </a:t>
+            </a:r>
+            <a:r>
+              <a:rPr lang="en-US" sz="2400" b="1" dirty="0" err="1">
+                <a:solidFill>
+                  <a:schemeClr val="accent1">
+                    <a:lumMod val="50000"/>
+                  </a:schemeClr>
+                </a:solidFill>
+                <a:latin typeface="Helvetica Neue"/>
+              </a:rPr>
+              <a:t>stukjes</a:t>
+            </a:r>
+            <a:r>
+              <a:rPr lang="en-US" sz="2400" b="1" dirty="0">
+                <a:solidFill>
+                  <a:schemeClr val="accent1">
+                    <a:lumMod val="50000"/>
+                  </a:schemeClr>
+                </a:solidFill>
+                <a:latin typeface="Helvetica Neue"/>
+              </a:rPr>
+              <a:t> van het </a:t>
+            </a:r>
+            <a:r>
+              <a:rPr lang="en-US" sz="2400" b="1" dirty="0" err="1">
+                <a:solidFill>
+                  <a:schemeClr val="accent1">
+                    <a:lumMod val="50000"/>
+                  </a:schemeClr>
+                </a:solidFill>
+                <a:latin typeface="Helvetica Neue"/>
+              </a:rPr>
+              <a:t>probleem</a:t>
+            </a:r>
+            <a:r>
+              <a:rPr lang="en-US" sz="2400" b="1" dirty="0">
+                <a:solidFill>
+                  <a:schemeClr val="accent1">
+                    <a:lumMod val="50000"/>
+                  </a:schemeClr>
+                </a:solidFill>
+                <a:latin typeface="Helvetica Neue"/>
+              </a:rPr>
+              <a:t>!</a:t>
+            </a:r>
+            <a:endParaRPr lang="en-US" sz="2400" b="1" i="0" dirty="0">
+              <a:solidFill>
+                <a:schemeClr val="accent1">
+                  <a:lumMod val="50000"/>
+                </a:schemeClr>
+              </a:solidFill>
+              <a:effectLst/>
+              <a:latin typeface="Helvetica Neue"/>
+            </a:endParaRPr>
+          </a:p>
+          <a:p>
+            <a:pPr lvl="1"/>
+            <a:endParaRPr lang="nl-NL" dirty="0"/>
+          </a:p>
+        </p:txBody>
+      </p:sp>
+      <p:sp>
+        <p:nvSpPr>
+          <p:cNvPr id="7" name="Tijdelijke aanduiding voor inhoud 2">
+            <a:extLst>
+              <a:ext uri="{FF2B5EF4-FFF2-40B4-BE49-F238E27FC236}">
+                <a16:creationId xmlns:a16="http://schemas.microsoft.com/office/drawing/2014/main" id="{5B56A32E-008B-4D58-B940-32600F41989D}"/>
+              </a:ext>
+            </a:extLst>
+          </p:cNvPr>
+          <p:cNvSpPr txBox="1">
+            <a:spLocks/>
+          </p:cNvSpPr>
+          <p:nvPr/>
+        </p:nvSpPr>
+        <p:spPr>
+          <a:xfrm>
+            <a:off x="6253048" y="990787"/>
+            <a:ext cx="5306941" cy="2220247"/>
+          </a:xfrm>
+          <a:prstGeom prst="rect">
+            <a:avLst/>
+          </a:prstGeom>
+        </p:spPr>
+        <p:txBody>
+          <a:bodyPr vert="horz" lIns="91440" tIns="45720" rIns="91440" bIns="45720" rtlCol="0">
+            <a:normAutofit/>
+          </a:bodyPr>
+          <a:lstStyle>
+            <a:lvl1pPr marL="228600" indent="-228600" algn="l" defTabSz="914400" rtl="0" eaLnBrk="1" latinLnBrk="0" hangingPunct="1">
+              <a:lnSpc>
+                <a:spcPct val="90000"/>
+              </a:lnSpc>
+              <a:spcBef>
+                <a:spcPts val="1000"/>
+              </a:spcBef>
+              <a:buFont typeface="Arial" panose="020B0604020202020204" pitchFamily="34" charset="0"/>
+              <a:buChar char="•"/>
+              <a:defRPr sz="2800" kern="1200">
+                <a:solidFill>
+                  <a:schemeClr val="tx1"/>
+                </a:solidFill>
+                <a:latin typeface="+mn-lt"/>
+                <a:ea typeface="+mn-ea"/>
+                <a:cs typeface="+mn-cs"/>
+              </a:defRPr>
+            </a:lvl1pPr>
+            <a:lvl2pPr marL="685800" indent="-228600" algn="l" defTabSz="914400" rtl="0" eaLnBrk="1" latinLnBrk="0" hangingPunct="1">
+              <a:lnSpc>
+                <a:spcPct val="90000"/>
+              </a:lnSpc>
+              <a:spcBef>
+                <a:spcPts val="500"/>
+              </a:spcBef>
+              <a:buFont typeface="Arial" panose="020B0604020202020204" pitchFamily="34" charset="0"/>
+              <a:buChar char="•"/>
+              <a:defRPr sz="2400" kern="1200">
+                <a:solidFill>
+                  <a:schemeClr val="tx1"/>
+                </a:solidFill>
+                <a:latin typeface="+mn-lt"/>
+                <a:ea typeface="+mn-ea"/>
+                <a:cs typeface="+mn-cs"/>
+              </a:defRPr>
+            </a:lvl2pPr>
+            <a:lvl3pPr marL="1143000" indent="-228600" algn="l" defTabSz="914400" rtl="0" eaLnBrk="1" latinLnBrk="0" hangingPunct="1">
+              <a:lnSpc>
+                <a:spcPct val="90000"/>
+              </a:lnSpc>
+              <a:spcBef>
+                <a:spcPts val="500"/>
+              </a:spcBef>
+              <a:buFont typeface="Arial" panose="020B0604020202020204" pitchFamily="34" charset="0"/>
+              <a:buChar char="•"/>
+              <a:defRPr sz="2000" kern="1200">
+                <a:solidFill>
+                  <a:schemeClr val="tx1"/>
+                </a:solidFill>
+                <a:latin typeface="+mn-lt"/>
+                <a:ea typeface="+mn-ea"/>
+                <a:cs typeface="+mn-cs"/>
+              </a:defRPr>
+            </a:lvl3pPr>
+            <a:lvl4pPr marL="1600200" indent="-228600" algn="l" defTabSz="914400" rtl="0" eaLnBrk="1" latinLnBrk="0" hangingPunct="1">
+              <a:lnSpc>
+                <a:spcPct val="90000"/>
+              </a:lnSpc>
+              <a:spcBef>
+                <a:spcPts val="500"/>
+              </a:spcBef>
+              <a:buFont typeface="Arial" panose="020B0604020202020204" pitchFamily="34" charset="0"/>
+              <a:buChar char="•"/>
+              <a:defRPr sz="1800" kern="1200">
+                <a:solidFill>
+                  <a:schemeClr val="tx1"/>
+                </a:solidFill>
+                <a:latin typeface="+mn-lt"/>
+                <a:ea typeface="+mn-ea"/>
+                <a:cs typeface="+mn-cs"/>
+              </a:defRPr>
+            </a:lvl4pPr>
+            <a:lvl5pPr marL="2057400" indent="-228600" algn="l" defTabSz="914400" rtl="0" eaLnBrk="1" latinLnBrk="0" hangingPunct="1">
+              <a:lnSpc>
+                <a:spcPct val="90000"/>
+              </a:lnSpc>
+              <a:spcBef>
+                <a:spcPts val="500"/>
+              </a:spcBef>
+              <a:buFont typeface="Arial" panose="020B0604020202020204" pitchFamily="34" charset="0"/>
+              <a:buChar char="•"/>
+              <a:defRPr sz="1800" kern="1200">
+                <a:solidFill>
+                  <a:schemeClr val="tx1"/>
+                </a:solidFill>
+                <a:latin typeface="+mn-lt"/>
+                <a:ea typeface="+mn-ea"/>
+                <a:cs typeface="+mn-cs"/>
+              </a:defRPr>
+            </a:lvl5pPr>
+            <a:lvl6pPr marL="2514600" indent="-228600" algn="l" defTabSz="914400" rtl="0" eaLnBrk="1" latinLnBrk="0" hangingPunct="1">
+              <a:lnSpc>
+                <a:spcPct val="90000"/>
+              </a:lnSpc>
+              <a:spcBef>
+                <a:spcPts val="500"/>
+              </a:spcBef>
+              <a:buFont typeface="Arial" panose="020B0604020202020204" pitchFamily="34" charset="0"/>
+              <a:buChar char="•"/>
+              <a:defRPr sz="1800" kern="1200">
+                <a:solidFill>
+                  <a:schemeClr val="tx1"/>
+                </a:solidFill>
+                <a:latin typeface="+mn-lt"/>
+                <a:ea typeface="+mn-ea"/>
+                <a:cs typeface="+mn-cs"/>
+              </a:defRPr>
+            </a:lvl6pPr>
+            <a:lvl7pPr marL="2971800" indent="-228600" algn="l" defTabSz="914400" rtl="0" eaLnBrk="1" latinLnBrk="0" hangingPunct="1">
+              <a:lnSpc>
+                <a:spcPct val="90000"/>
+              </a:lnSpc>
+              <a:spcBef>
+                <a:spcPts val="500"/>
+              </a:spcBef>
+              <a:buFont typeface="Arial" panose="020B0604020202020204" pitchFamily="34" charset="0"/>
+              <a:buChar char="•"/>
+              <a:defRPr sz="1800" kern="1200">
+                <a:solidFill>
+                  <a:schemeClr val="tx1"/>
+                </a:solidFill>
+                <a:latin typeface="+mn-lt"/>
+                <a:ea typeface="+mn-ea"/>
+                <a:cs typeface="+mn-cs"/>
+              </a:defRPr>
+            </a:lvl7pPr>
+            <a:lvl8pPr marL="3429000" indent="-228600" algn="l" defTabSz="914400" rtl="0" eaLnBrk="1" latinLnBrk="0" hangingPunct="1">
+              <a:lnSpc>
+                <a:spcPct val="90000"/>
+              </a:lnSpc>
+              <a:spcBef>
+                <a:spcPts val="500"/>
+              </a:spcBef>
+              <a:buFont typeface="Arial" panose="020B0604020202020204" pitchFamily="34" charset="0"/>
+              <a:buChar char="•"/>
+              <a:defRPr sz="1800" kern="1200">
+                <a:solidFill>
+                  <a:schemeClr val="tx1"/>
+                </a:solidFill>
+                <a:latin typeface="+mn-lt"/>
+                <a:ea typeface="+mn-ea"/>
+                <a:cs typeface="+mn-cs"/>
+              </a:defRPr>
+            </a:lvl8pPr>
+            <a:lvl9pPr marL="3886200" indent="-228600" algn="l" defTabSz="914400" rtl="0" eaLnBrk="1" latinLnBrk="0" hangingPunct="1">
+              <a:lnSpc>
+                <a:spcPct val="90000"/>
+              </a:lnSpc>
+              <a:spcBef>
+                <a:spcPts val="500"/>
+              </a:spcBef>
+              <a:buFont typeface="Arial" panose="020B0604020202020204" pitchFamily="34" charset="0"/>
+              <a:buChar char="•"/>
+              <a:defRPr sz="1800" kern="1200">
+                <a:solidFill>
+                  <a:schemeClr val="tx1"/>
+                </a:solidFill>
+                <a:latin typeface="+mn-lt"/>
+                <a:ea typeface="+mn-ea"/>
+                <a:cs typeface="+mn-cs"/>
+              </a:defRPr>
+            </a:lvl9pPr>
+          </a:lstStyle>
+          <a:p>
+            <a:pPr marL="0" indent="0">
+              <a:buNone/>
+            </a:pPr>
+            <a:r>
+              <a:rPr lang="nl-NL" sz="2200" b="1" dirty="0">
+                <a:solidFill>
+                  <a:schemeClr val="accent1">
+                    <a:lumMod val="50000"/>
+                  </a:schemeClr>
+                </a:solidFill>
+              </a:rPr>
+              <a:t>3</a:t>
+            </a:r>
+            <a:r>
+              <a:rPr lang="nl-NL" sz="2200" b="1" dirty="0">
+                <a:solidFill>
+                  <a:schemeClr val="accent1">
+                    <a:lumMod val="50000"/>
+                  </a:schemeClr>
+                </a:solidFill>
+                <a:latin typeface="Helvetica Neue"/>
+              </a:rPr>
+              <a:t>. Maak een plan</a:t>
+            </a:r>
+            <a:endParaRPr lang="nl-NL" sz="2200" dirty="0">
+              <a:solidFill>
+                <a:schemeClr val="accent1">
+                  <a:lumMod val="50000"/>
+                </a:schemeClr>
+              </a:solidFill>
+              <a:latin typeface="Helvetica Neue"/>
+            </a:endParaRPr>
+          </a:p>
+          <a:p>
+            <a:pPr marL="342900" lvl="0" indent="-342900">
+              <a:lnSpc>
+                <a:spcPct val="107000"/>
+              </a:lnSpc>
+              <a:buFont typeface="+mj-lt"/>
+              <a:buAutoNum type="arabicPeriod"/>
+            </a:pPr>
+            <a:r>
+              <a:rPr lang="nl-NL" sz="2200" dirty="0">
+                <a:effectLst/>
+                <a:latin typeface="Helvetica Neue"/>
+                <a:ea typeface="Calibri" panose="020F0502020204030204" pitchFamily="34" charset="0"/>
+                <a:cs typeface="Times New Roman" panose="02020603050405020304" pitchFamily="18" charset="0"/>
+              </a:rPr>
+              <a:t>Bou</a:t>
+            </a:r>
+            <a:r>
+              <a:rPr lang="nl-NL" sz="2200" dirty="0">
+                <a:latin typeface="Helvetica Neue"/>
+                <a:ea typeface="Calibri" panose="020F0502020204030204" pitchFamily="34" charset="0"/>
+                <a:cs typeface="Times New Roman" panose="02020603050405020304" pitchFamily="18" charset="0"/>
+              </a:rPr>
+              <a:t>w overzicht van drie kolommen</a:t>
+            </a:r>
+            <a:endParaRPr lang="nl-NL" sz="2200" dirty="0">
+              <a:effectLst/>
+              <a:latin typeface="Helvetica Neue"/>
+              <a:ea typeface="Calibri" panose="020F0502020204030204" pitchFamily="34" charset="0"/>
+              <a:cs typeface="Times New Roman" panose="02020603050405020304" pitchFamily="18" charset="0"/>
+            </a:endParaRPr>
+          </a:p>
+          <a:p>
+            <a:pPr marL="342900" lvl="0" indent="-342900">
+              <a:lnSpc>
+                <a:spcPct val="107000"/>
+              </a:lnSpc>
+              <a:buFont typeface="+mj-lt"/>
+              <a:buAutoNum type="arabicPeriod"/>
+            </a:pPr>
+            <a:r>
+              <a:rPr lang="nl-NL" sz="2200" dirty="0">
+                <a:latin typeface="Helvetica Neue"/>
+                <a:ea typeface="Calibri" panose="020F0502020204030204" pitchFamily="34" charset="0"/>
+                <a:cs typeface="Times New Roman" panose="02020603050405020304" pitchFamily="18" charset="0"/>
+              </a:rPr>
+              <a:t>C</a:t>
+            </a:r>
+            <a:r>
+              <a:rPr lang="nl-NL" sz="2200" dirty="0">
+                <a:effectLst/>
+                <a:latin typeface="Helvetica Neue"/>
+                <a:ea typeface="Calibri" panose="020F0502020204030204" pitchFamily="34" charset="0"/>
+                <a:cs typeface="Times New Roman" panose="02020603050405020304" pitchFamily="18" charset="0"/>
+              </a:rPr>
+              <a:t>reëer de tekstinput</a:t>
+            </a:r>
+          </a:p>
+          <a:p>
+            <a:pPr marL="342900" lvl="0" indent="-342900">
+              <a:lnSpc>
+                <a:spcPct val="107000"/>
+              </a:lnSpc>
+              <a:spcAft>
+                <a:spcPts val="800"/>
+              </a:spcAft>
+              <a:buFont typeface="+mj-lt"/>
+              <a:buAutoNum type="arabicPeriod"/>
+            </a:pPr>
+            <a:r>
+              <a:rPr lang="nl-NL" sz="2200" dirty="0">
+                <a:latin typeface="Helvetica Neue"/>
+                <a:ea typeface="Calibri" panose="020F0502020204030204" pitchFamily="34" charset="0"/>
+                <a:cs typeface="Times New Roman" panose="02020603050405020304" pitchFamily="18" charset="0"/>
+              </a:rPr>
+              <a:t>Maak </a:t>
+            </a:r>
+            <a:r>
+              <a:rPr lang="nl-NL" sz="2200" dirty="0">
+                <a:effectLst/>
+                <a:latin typeface="Helvetica Neue"/>
+                <a:ea typeface="Calibri" panose="020F0502020204030204" pitchFamily="34" charset="0"/>
+                <a:cs typeface="Times New Roman" panose="02020603050405020304" pitchFamily="18" charset="0"/>
+              </a:rPr>
+              <a:t>de </a:t>
+            </a:r>
+            <a:r>
+              <a:rPr lang="nl-NL" sz="2200" dirty="0" err="1">
+                <a:effectLst/>
+                <a:latin typeface="Helvetica Neue"/>
+                <a:ea typeface="Calibri" panose="020F0502020204030204" pitchFamily="34" charset="0"/>
+                <a:cs typeface="Times New Roman" panose="02020603050405020304" pitchFamily="18" charset="0"/>
+              </a:rPr>
+              <a:t>addTasks</a:t>
+            </a:r>
+            <a:r>
+              <a:rPr lang="nl-NL" sz="2200" dirty="0">
+                <a:effectLst/>
+                <a:latin typeface="Helvetica Neue"/>
+                <a:ea typeface="Calibri" panose="020F0502020204030204" pitchFamily="34" charset="0"/>
+                <a:cs typeface="Times New Roman" panose="02020603050405020304" pitchFamily="18" charset="0"/>
+              </a:rPr>
+              <a:t>-button</a:t>
+            </a:r>
+          </a:p>
+          <a:p>
+            <a:pPr marL="457200" lvl="1" indent="0">
+              <a:buNone/>
+            </a:pPr>
+            <a:endParaRPr lang="nl-NL" dirty="0"/>
+          </a:p>
+        </p:txBody>
+      </p:sp>
+      <p:sp>
+        <p:nvSpPr>
+          <p:cNvPr id="8" name="Tijdelijke aanduiding voor inhoud 2">
+            <a:extLst>
+              <a:ext uri="{FF2B5EF4-FFF2-40B4-BE49-F238E27FC236}">
+                <a16:creationId xmlns:a16="http://schemas.microsoft.com/office/drawing/2014/main" id="{53B8BFE3-08B9-4762-8578-4DF61014230B}"/>
+              </a:ext>
+            </a:extLst>
+          </p:cNvPr>
+          <p:cNvSpPr txBox="1">
+            <a:spLocks/>
+          </p:cNvSpPr>
+          <p:nvPr/>
+        </p:nvSpPr>
+        <p:spPr>
+          <a:xfrm>
+            <a:off x="6172366" y="3211034"/>
+            <a:ext cx="5306941" cy="1934707"/>
+          </a:xfrm>
+          <a:prstGeom prst="rect">
+            <a:avLst/>
+          </a:prstGeom>
+        </p:spPr>
+        <p:txBody>
+          <a:bodyPr vert="horz" lIns="91440" tIns="45720" rIns="91440" bIns="45720" rtlCol="0">
+            <a:normAutofit/>
+          </a:bodyPr>
+          <a:lstStyle>
+            <a:lvl1pPr marL="228600" indent="-228600" algn="l" defTabSz="914400" rtl="0" eaLnBrk="1" latinLnBrk="0" hangingPunct="1">
+              <a:lnSpc>
+                <a:spcPct val="90000"/>
+              </a:lnSpc>
+              <a:spcBef>
+                <a:spcPts val="1000"/>
+              </a:spcBef>
+              <a:buFont typeface="Arial" panose="020B0604020202020204" pitchFamily="34" charset="0"/>
+              <a:buChar char="•"/>
+              <a:defRPr sz="2800" kern="1200">
+                <a:solidFill>
+                  <a:schemeClr val="tx1"/>
+                </a:solidFill>
+                <a:latin typeface="+mn-lt"/>
+                <a:ea typeface="+mn-ea"/>
+                <a:cs typeface="+mn-cs"/>
+              </a:defRPr>
+            </a:lvl1pPr>
+            <a:lvl2pPr marL="685800" indent="-228600" algn="l" defTabSz="914400" rtl="0" eaLnBrk="1" latinLnBrk="0" hangingPunct="1">
+              <a:lnSpc>
+                <a:spcPct val="90000"/>
+              </a:lnSpc>
+              <a:spcBef>
+                <a:spcPts val="500"/>
+              </a:spcBef>
+              <a:buFont typeface="Arial" panose="020B0604020202020204" pitchFamily="34" charset="0"/>
+              <a:buChar char="•"/>
+              <a:defRPr sz="2400" kern="1200">
+                <a:solidFill>
+                  <a:schemeClr val="tx1"/>
+                </a:solidFill>
+                <a:latin typeface="+mn-lt"/>
+                <a:ea typeface="+mn-ea"/>
+                <a:cs typeface="+mn-cs"/>
+              </a:defRPr>
+            </a:lvl2pPr>
+            <a:lvl3pPr marL="1143000" indent="-228600" algn="l" defTabSz="914400" rtl="0" eaLnBrk="1" latinLnBrk="0" hangingPunct="1">
+              <a:lnSpc>
+                <a:spcPct val="90000"/>
+              </a:lnSpc>
+              <a:spcBef>
+                <a:spcPts val="500"/>
+              </a:spcBef>
+              <a:buFont typeface="Arial" panose="020B0604020202020204" pitchFamily="34" charset="0"/>
+              <a:buChar char="•"/>
+              <a:defRPr sz="2000" kern="1200">
+                <a:solidFill>
+                  <a:schemeClr val="tx1"/>
+                </a:solidFill>
+                <a:latin typeface="+mn-lt"/>
+                <a:ea typeface="+mn-ea"/>
+                <a:cs typeface="+mn-cs"/>
+              </a:defRPr>
+            </a:lvl3pPr>
+            <a:lvl4pPr marL="1600200" indent="-228600" algn="l" defTabSz="914400" rtl="0" eaLnBrk="1" latinLnBrk="0" hangingPunct="1">
+              <a:lnSpc>
+                <a:spcPct val="90000"/>
+              </a:lnSpc>
+              <a:spcBef>
+                <a:spcPts val="500"/>
+              </a:spcBef>
+              <a:buFont typeface="Arial" panose="020B0604020202020204" pitchFamily="34" charset="0"/>
+              <a:buChar char="•"/>
+              <a:defRPr sz="1800" kern="1200">
+                <a:solidFill>
+                  <a:schemeClr val="tx1"/>
+                </a:solidFill>
+                <a:latin typeface="+mn-lt"/>
+                <a:ea typeface="+mn-ea"/>
+                <a:cs typeface="+mn-cs"/>
+              </a:defRPr>
+            </a:lvl4pPr>
+            <a:lvl5pPr marL="2057400" indent="-228600" algn="l" defTabSz="914400" rtl="0" eaLnBrk="1" latinLnBrk="0" hangingPunct="1">
+              <a:lnSpc>
+                <a:spcPct val="90000"/>
+              </a:lnSpc>
+              <a:spcBef>
+                <a:spcPts val="500"/>
+              </a:spcBef>
+              <a:buFont typeface="Arial" panose="020B0604020202020204" pitchFamily="34" charset="0"/>
+              <a:buChar char="•"/>
+              <a:defRPr sz="1800" kern="1200">
+                <a:solidFill>
+                  <a:schemeClr val="tx1"/>
+                </a:solidFill>
+                <a:latin typeface="+mn-lt"/>
+                <a:ea typeface="+mn-ea"/>
+                <a:cs typeface="+mn-cs"/>
+              </a:defRPr>
+            </a:lvl5pPr>
+            <a:lvl6pPr marL="2514600" indent="-228600" algn="l" defTabSz="914400" rtl="0" eaLnBrk="1" latinLnBrk="0" hangingPunct="1">
+              <a:lnSpc>
+                <a:spcPct val="90000"/>
+              </a:lnSpc>
+              <a:spcBef>
+                <a:spcPts val="500"/>
+              </a:spcBef>
+              <a:buFont typeface="Arial" panose="020B0604020202020204" pitchFamily="34" charset="0"/>
+              <a:buChar char="•"/>
+              <a:defRPr sz="1800" kern="1200">
+                <a:solidFill>
+                  <a:schemeClr val="tx1"/>
+                </a:solidFill>
+                <a:latin typeface="+mn-lt"/>
+                <a:ea typeface="+mn-ea"/>
+                <a:cs typeface="+mn-cs"/>
+              </a:defRPr>
+            </a:lvl6pPr>
+            <a:lvl7pPr marL="2971800" indent="-228600" algn="l" defTabSz="914400" rtl="0" eaLnBrk="1" latinLnBrk="0" hangingPunct="1">
+              <a:lnSpc>
+                <a:spcPct val="90000"/>
+              </a:lnSpc>
+              <a:spcBef>
+                <a:spcPts val="500"/>
+              </a:spcBef>
+              <a:buFont typeface="Arial" panose="020B0604020202020204" pitchFamily="34" charset="0"/>
+              <a:buChar char="•"/>
+              <a:defRPr sz="1800" kern="1200">
+                <a:solidFill>
+                  <a:schemeClr val="tx1"/>
+                </a:solidFill>
+                <a:latin typeface="+mn-lt"/>
+                <a:ea typeface="+mn-ea"/>
+                <a:cs typeface="+mn-cs"/>
+              </a:defRPr>
+            </a:lvl7pPr>
+            <a:lvl8pPr marL="3429000" indent="-228600" algn="l" defTabSz="914400" rtl="0" eaLnBrk="1" latinLnBrk="0" hangingPunct="1">
+              <a:lnSpc>
+                <a:spcPct val="90000"/>
+              </a:lnSpc>
+              <a:spcBef>
+                <a:spcPts val="500"/>
+              </a:spcBef>
+              <a:buFont typeface="Arial" panose="020B0604020202020204" pitchFamily="34" charset="0"/>
+              <a:buChar char="•"/>
+              <a:defRPr sz="1800" kern="1200">
+                <a:solidFill>
+                  <a:schemeClr val="tx1"/>
+                </a:solidFill>
+                <a:latin typeface="+mn-lt"/>
+                <a:ea typeface="+mn-ea"/>
+                <a:cs typeface="+mn-cs"/>
+              </a:defRPr>
+            </a:lvl8pPr>
+            <a:lvl9pPr marL="3886200" indent="-228600" algn="l" defTabSz="914400" rtl="0" eaLnBrk="1" latinLnBrk="0" hangingPunct="1">
+              <a:lnSpc>
+                <a:spcPct val="90000"/>
+              </a:lnSpc>
+              <a:spcBef>
+                <a:spcPts val="500"/>
+              </a:spcBef>
+              <a:buFont typeface="Arial" panose="020B0604020202020204" pitchFamily="34" charset="0"/>
+              <a:buChar char="•"/>
+              <a:defRPr sz="1800" kern="1200">
+                <a:solidFill>
+                  <a:schemeClr val="tx1"/>
+                </a:solidFill>
+                <a:latin typeface="+mn-lt"/>
+                <a:ea typeface="+mn-ea"/>
+                <a:cs typeface="+mn-cs"/>
+              </a:defRPr>
+            </a:lvl9pPr>
+          </a:lstStyle>
+          <a:p>
+            <a:pPr marL="0" indent="0">
+              <a:buNone/>
+            </a:pPr>
+            <a:endParaRPr lang="nl-NL" sz="2400" dirty="0">
+              <a:solidFill>
+                <a:schemeClr val="accent1">
+                  <a:lumMod val="50000"/>
+                </a:schemeClr>
+              </a:solidFill>
+            </a:endParaRPr>
+          </a:p>
+        </p:txBody>
+      </p:sp>
+      <p:sp>
+        <p:nvSpPr>
+          <p:cNvPr id="9" name="Tijdelijke aanduiding voor inhoud 2">
+            <a:extLst>
+              <a:ext uri="{FF2B5EF4-FFF2-40B4-BE49-F238E27FC236}">
+                <a16:creationId xmlns:a16="http://schemas.microsoft.com/office/drawing/2014/main" id="{60B2D489-C37E-4845-96C1-D2444A159581}"/>
+              </a:ext>
+            </a:extLst>
+          </p:cNvPr>
+          <p:cNvSpPr txBox="1">
+            <a:spLocks/>
+          </p:cNvSpPr>
+          <p:nvPr/>
+        </p:nvSpPr>
+        <p:spPr>
+          <a:xfrm>
+            <a:off x="6172366" y="3121910"/>
+            <a:ext cx="5306941" cy="1824318"/>
+          </a:xfrm>
+          <a:prstGeom prst="rect">
+            <a:avLst/>
+          </a:prstGeom>
+        </p:spPr>
+        <p:txBody>
+          <a:bodyPr vert="horz" lIns="91440" tIns="45720" rIns="91440" bIns="45720" rtlCol="0">
+            <a:normAutofit fontScale="92500" lnSpcReduction="10000"/>
+          </a:bodyPr>
+          <a:lstStyle>
+            <a:lvl1pPr marL="228600" indent="-228600" algn="l" defTabSz="914400" rtl="0" eaLnBrk="1" latinLnBrk="0" hangingPunct="1">
+              <a:lnSpc>
+                <a:spcPct val="90000"/>
+              </a:lnSpc>
+              <a:spcBef>
+                <a:spcPts val="1000"/>
+              </a:spcBef>
+              <a:buFont typeface="Arial" panose="020B0604020202020204" pitchFamily="34" charset="0"/>
+              <a:buChar char="•"/>
+              <a:defRPr sz="2800" kern="1200">
+                <a:solidFill>
+                  <a:schemeClr val="tx1"/>
+                </a:solidFill>
+                <a:latin typeface="+mn-lt"/>
+                <a:ea typeface="+mn-ea"/>
+                <a:cs typeface="+mn-cs"/>
+              </a:defRPr>
+            </a:lvl1pPr>
+            <a:lvl2pPr marL="685800" indent="-228600" algn="l" defTabSz="914400" rtl="0" eaLnBrk="1" latinLnBrk="0" hangingPunct="1">
+              <a:lnSpc>
+                <a:spcPct val="90000"/>
+              </a:lnSpc>
+              <a:spcBef>
+                <a:spcPts val="500"/>
+              </a:spcBef>
+              <a:buFont typeface="Arial" panose="020B0604020202020204" pitchFamily="34" charset="0"/>
+              <a:buChar char="•"/>
+              <a:defRPr sz="2400" kern="1200">
+                <a:solidFill>
+                  <a:schemeClr val="tx1"/>
+                </a:solidFill>
+                <a:latin typeface="+mn-lt"/>
+                <a:ea typeface="+mn-ea"/>
+                <a:cs typeface="+mn-cs"/>
+              </a:defRPr>
+            </a:lvl2pPr>
+            <a:lvl3pPr marL="1143000" indent="-228600" algn="l" defTabSz="914400" rtl="0" eaLnBrk="1" latinLnBrk="0" hangingPunct="1">
+              <a:lnSpc>
+                <a:spcPct val="90000"/>
+              </a:lnSpc>
+              <a:spcBef>
+                <a:spcPts val="500"/>
+              </a:spcBef>
+              <a:buFont typeface="Arial" panose="020B0604020202020204" pitchFamily="34" charset="0"/>
+              <a:buChar char="•"/>
+              <a:defRPr sz="2000" kern="1200">
+                <a:solidFill>
+                  <a:schemeClr val="tx1"/>
+                </a:solidFill>
+                <a:latin typeface="+mn-lt"/>
+                <a:ea typeface="+mn-ea"/>
+                <a:cs typeface="+mn-cs"/>
+              </a:defRPr>
+            </a:lvl3pPr>
+            <a:lvl4pPr marL="1600200" indent="-228600" algn="l" defTabSz="914400" rtl="0" eaLnBrk="1" latinLnBrk="0" hangingPunct="1">
+              <a:lnSpc>
+                <a:spcPct val="90000"/>
+              </a:lnSpc>
+              <a:spcBef>
+                <a:spcPts val="500"/>
+              </a:spcBef>
+              <a:buFont typeface="Arial" panose="020B0604020202020204" pitchFamily="34" charset="0"/>
+              <a:buChar char="•"/>
+              <a:defRPr sz="1800" kern="1200">
+                <a:solidFill>
+                  <a:schemeClr val="tx1"/>
+                </a:solidFill>
+                <a:latin typeface="+mn-lt"/>
+                <a:ea typeface="+mn-ea"/>
+                <a:cs typeface="+mn-cs"/>
+              </a:defRPr>
+            </a:lvl4pPr>
+            <a:lvl5pPr marL="2057400" indent="-228600" algn="l" defTabSz="914400" rtl="0" eaLnBrk="1" latinLnBrk="0" hangingPunct="1">
+              <a:lnSpc>
+                <a:spcPct val="90000"/>
+              </a:lnSpc>
+              <a:spcBef>
+                <a:spcPts val="500"/>
+              </a:spcBef>
+              <a:buFont typeface="Arial" panose="020B0604020202020204" pitchFamily="34" charset="0"/>
+              <a:buChar char="•"/>
+              <a:defRPr sz="1800" kern="1200">
+                <a:solidFill>
+                  <a:schemeClr val="tx1"/>
+                </a:solidFill>
+                <a:latin typeface="+mn-lt"/>
+                <a:ea typeface="+mn-ea"/>
+                <a:cs typeface="+mn-cs"/>
+              </a:defRPr>
+            </a:lvl5pPr>
+            <a:lvl6pPr marL="2514600" indent="-228600" algn="l" defTabSz="914400" rtl="0" eaLnBrk="1" latinLnBrk="0" hangingPunct="1">
+              <a:lnSpc>
+                <a:spcPct val="90000"/>
+              </a:lnSpc>
+              <a:spcBef>
+                <a:spcPts val="500"/>
+              </a:spcBef>
+              <a:buFont typeface="Arial" panose="020B0604020202020204" pitchFamily="34" charset="0"/>
+              <a:buChar char="•"/>
+              <a:defRPr sz="1800" kern="1200">
+                <a:solidFill>
+                  <a:schemeClr val="tx1"/>
+                </a:solidFill>
+                <a:latin typeface="+mn-lt"/>
+                <a:ea typeface="+mn-ea"/>
+                <a:cs typeface="+mn-cs"/>
+              </a:defRPr>
+            </a:lvl6pPr>
+            <a:lvl7pPr marL="2971800" indent="-228600" algn="l" defTabSz="914400" rtl="0" eaLnBrk="1" latinLnBrk="0" hangingPunct="1">
+              <a:lnSpc>
+                <a:spcPct val="90000"/>
+              </a:lnSpc>
+              <a:spcBef>
+                <a:spcPts val="500"/>
+              </a:spcBef>
+              <a:buFont typeface="Arial" panose="020B0604020202020204" pitchFamily="34" charset="0"/>
+              <a:buChar char="•"/>
+              <a:defRPr sz="1800" kern="1200">
+                <a:solidFill>
+                  <a:schemeClr val="tx1"/>
+                </a:solidFill>
+                <a:latin typeface="+mn-lt"/>
+                <a:ea typeface="+mn-ea"/>
+                <a:cs typeface="+mn-cs"/>
+              </a:defRPr>
+            </a:lvl7pPr>
+            <a:lvl8pPr marL="3429000" indent="-228600" algn="l" defTabSz="914400" rtl="0" eaLnBrk="1" latinLnBrk="0" hangingPunct="1">
+              <a:lnSpc>
+                <a:spcPct val="90000"/>
+              </a:lnSpc>
+              <a:spcBef>
+                <a:spcPts val="500"/>
+              </a:spcBef>
+              <a:buFont typeface="Arial" panose="020B0604020202020204" pitchFamily="34" charset="0"/>
+              <a:buChar char="•"/>
+              <a:defRPr sz="1800" kern="1200">
+                <a:solidFill>
+                  <a:schemeClr val="tx1"/>
+                </a:solidFill>
+                <a:latin typeface="+mn-lt"/>
+                <a:ea typeface="+mn-ea"/>
+                <a:cs typeface="+mn-cs"/>
+              </a:defRPr>
+            </a:lvl8pPr>
+            <a:lvl9pPr marL="3886200" indent="-228600" algn="l" defTabSz="914400" rtl="0" eaLnBrk="1" latinLnBrk="0" hangingPunct="1">
+              <a:lnSpc>
+                <a:spcPct val="90000"/>
+              </a:lnSpc>
+              <a:spcBef>
+                <a:spcPts val="500"/>
+              </a:spcBef>
+              <a:buFont typeface="Arial" panose="020B0604020202020204" pitchFamily="34" charset="0"/>
+              <a:buChar char="•"/>
+              <a:defRPr sz="1800" kern="1200">
+                <a:solidFill>
+                  <a:schemeClr val="tx1"/>
+                </a:solidFill>
+                <a:latin typeface="+mn-lt"/>
+                <a:ea typeface="+mn-ea"/>
+                <a:cs typeface="+mn-cs"/>
+              </a:defRPr>
+            </a:lvl9pPr>
+          </a:lstStyle>
+          <a:p>
+            <a:pPr marL="0" indent="0">
+              <a:buNone/>
+            </a:pPr>
+            <a:r>
+              <a:rPr lang="nl-NL" sz="2200" b="1" dirty="0">
+                <a:solidFill>
+                  <a:schemeClr val="accent1">
+                    <a:lumMod val="50000"/>
+                  </a:schemeClr>
+                </a:solidFill>
+                <a:latin typeface="Helvetica Neue"/>
+              </a:rPr>
+              <a:t>4. Zit je vast</a:t>
+            </a:r>
+            <a:endParaRPr lang="nl-NL" sz="2200" dirty="0">
+              <a:solidFill>
+                <a:schemeClr val="accent1">
+                  <a:lumMod val="50000"/>
+                </a:schemeClr>
+              </a:solidFill>
+              <a:latin typeface="Helvetica Neue"/>
+            </a:endParaRPr>
+          </a:p>
+          <a:p>
+            <a:pPr algn="l">
+              <a:buFont typeface="Arial" panose="020B0604020202020204" pitchFamily="34" charset="0"/>
+              <a:buChar char="•"/>
+            </a:pPr>
+            <a:r>
+              <a:rPr lang="en-US" sz="2200" b="0" i="0" dirty="0">
+                <a:solidFill>
+                  <a:srgbClr val="040606"/>
+                </a:solidFill>
+                <a:effectLst/>
+                <a:latin typeface="Helvetica Neue"/>
+              </a:rPr>
+              <a:t>Wat </a:t>
+            </a:r>
+            <a:r>
+              <a:rPr lang="en-US" sz="2200" b="0" i="0" dirty="0" err="1">
+                <a:solidFill>
+                  <a:srgbClr val="040606"/>
+                </a:solidFill>
+                <a:effectLst/>
+                <a:latin typeface="Helvetica Neue"/>
+              </a:rPr>
+              <a:t>lukt</a:t>
+            </a:r>
+            <a:r>
+              <a:rPr lang="en-US" sz="2200" b="0" i="0" dirty="0">
+                <a:solidFill>
+                  <a:srgbClr val="040606"/>
+                </a:solidFill>
+                <a:effectLst/>
+                <a:latin typeface="Helvetica Neue"/>
+              </a:rPr>
+              <a:t> </a:t>
+            </a:r>
+            <a:r>
+              <a:rPr lang="en-US" sz="2200" b="0" i="0" dirty="0" err="1">
+                <a:solidFill>
+                  <a:srgbClr val="040606"/>
+                </a:solidFill>
+                <a:effectLst/>
+                <a:latin typeface="Helvetica Neue"/>
+              </a:rPr>
+              <a:t>niet</a:t>
+            </a:r>
+            <a:r>
+              <a:rPr lang="en-US" sz="2200" b="0" i="0" dirty="0">
+                <a:solidFill>
+                  <a:srgbClr val="040606"/>
+                </a:solidFill>
+                <a:effectLst/>
+                <a:latin typeface="Helvetica Neue"/>
+              </a:rPr>
+              <a:t>?</a:t>
+            </a:r>
+          </a:p>
+          <a:p>
+            <a:pPr algn="l">
+              <a:buFont typeface="Arial" panose="020B0604020202020204" pitchFamily="34" charset="0"/>
+              <a:buChar char="•"/>
+            </a:pPr>
+            <a:r>
+              <a:rPr lang="en-US" sz="2200" b="0" i="0" dirty="0" err="1">
+                <a:solidFill>
+                  <a:srgbClr val="040606"/>
+                </a:solidFill>
+                <a:effectLst/>
+                <a:latin typeface="Helvetica Neue"/>
+              </a:rPr>
+              <a:t>Welke</a:t>
+            </a:r>
+            <a:r>
+              <a:rPr lang="en-US" sz="2200" b="0" i="0" dirty="0">
+                <a:solidFill>
+                  <a:srgbClr val="040606"/>
+                </a:solidFill>
+                <a:effectLst/>
+                <a:latin typeface="Helvetica Neue"/>
+              </a:rPr>
+              <a:t> </a:t>
+            </a:r>
+            <a:r>
+              <a:rPr lang="en-US" sz="2200" b="0" i="0" dirty="0" err="1">
+                <a:solidFill>
+                  <a:srgbClr val="040606"/>
+                </a:solidFill>
+                <a:effectLst/>
+                <a:latin typeface="Helvetica Neue"/>
+              </a:rPr>
+              <a:t>stappen</a:t>
+            </a:r>
+            <a:r>
+              <a:rPr lang="en-US" sz="2200" b="0" i="0" dirty="0">
+                <a:solidFill>
+                  <a:srgbClr val="040606"/>
+                </a:solidFill>
+                <a:effectLst/>
+                <a:latin typeface="Helvetica Neue"/>
+              </a:rPr>
+              <a:t> </a:t>
+            </a:r>
+            <a:r>
+              <a:rPr lang="en-US" sz="2200" b="0" i="0" dirty="0" err="1">
+                <a:solidFill>
+                  <a:srgbClr val="040606"/>
+                </a:solidFill>
+                <a:effectLst/>
+                <a:latin typeface="Helvetica Neue"/>
+              </a:rPr>
+              <a:t>moet</a:t>
+            </a:r>
+            <a:r>
+              <a:rPr lang="en-US" sz="2200" b="0" i="0" dirty="0">
+                <a:solidFill>
+                  <a:srgbClr val="040606"/>
+                </a:solidFill>
+                <a:effectLst/>
+                <a:latin typeface="Helvetica Neue"/>
+              </a:rPr>
+              <a:t> </a:t>
+            </a:r>
+            <a:r>
+              <a:rPr lang="en-US" sz="2200" b="0" i="0" dirty="0" err="1">
+                <a:solidFill>
+                  <a:srgbClr val="040606"/>
+                </a:solidFill>
+                <a:effectLst/>
+                <a:latin typeface="Helvetica Neue"/>
+              </a:rPr>
+              <a:t>ik</a:t>
+            </a:r>
+            <a:r>
+              <a:rPr lang="en-US" sz="2200" b="0" i="0" dirty="0">
+                <a:solidFill>
+                  <a:srgbClr val="040606"/>
+                </a:solidFill>
+                <a:effectLst/>
+                <a:latin typeface="Helvetica Neue"/>
+              </a:rPr>
+              <a:t> </a:t>
+            </a:r>
+            <a:r>
+              <a:rPr lang="en-US" sz="2200" b="0" i="0" dirty="0" err="1">
+                <a:solidFill>
+                  <a:srgbClr val="040606"/>
+                </a:solidFill>
+                <a:effectLst/>
+                <a:latin typeface="Helvetica Neue"/>
+              </a:rPr>
+              <a:t>nemen</a:t>
+            </a:r>
+            <a:r>
+              <a:rPr lang="en-US" sz="2200" b="0" i="0" dirty="0">
+                <a:solidFill>
+                  <a:srgbClr val="040606"/>
+                </a:solidFill>
+                <a:effectLst/>
+                <a:latin typeface="Helvetica Neue"/>
+              </a:rPr>
+              <a:t>?</a:t>
+            </a:r>
+          </a:p>
+          <a:p>
+            <a:r>
+              <a:rPr lang="en-US" sz="2200" dirty="0" err="1">
+                <a:solidFill>
+                  <a:srgbClr val="040606"/>
+                </a:solidFill>
+                <a:latin typeface="Helvetica Neue"/>
+              </a:rPr>
+              <a:t>Onduidelijk</a:t>
+            </a:r>
+            <a:r>
+              <a:rPr lang="en-US" sz="2200" dirty="0">
+                <a:solidFill>
+                  <a:srgbClr val="040606"/>
+                </a:solidFill>
+                <a:latin typeface="Helvetica Neue"/>
+              </a:rPr>
+              <a:t>? Google of peers!</a:t>
+            </a:r>
+          </a:p>
+          <a:p>
+            <a:r>
+              <a:rPr lang="en-US" sz="2200" b="0" i="0" dirty="0" err="1">
+                <a:solidFill>
+                  <a:srgbClr val="040606"/>
+                </a:solidFill>
+                <a:effectLst/>
+                <a:latin typeface="Helvetica Neue"/>
+              </a:rPr>
+              <a:t>Nog</a:t>
+            </a:r>
+            <a:r>
+              <a:rPr lang="en-US" sz="2200" b="0" i="0" dirty="0">
+                <a:solidFill>
+                  <a:srgbClr val="040606"/>
+                </a:solidFill>
+                <a:effectLst/>
+                <a:latin typeface="Helvetica Neue"/>
+              </a:rPr>
+              <a:t> steeds </a:t>
+            </a:r>
+            <a:r>
+              <a:rPr lang="en-US" sz="2200" b="0" i="0" dirty="0" err="1">
+                <a:solidFill>
+                  <a:srgbClr val="040606"/>
+                </a:solidFill>
+                <a:effectLst/>
+                <a:latin typeface="Helvetica Neue"/>
+              </a:rPr>
+              <a:t>niet</a:t>
+            </a:r>
+            <a:r>
+              <a:rPr lang="en-US" sz="2200" dirty="0">
+                <a:solidFill>
+                  <a:srgbClr val="040606"/>
+                </a:solidFill>
+                <a:latin typeface="Helvetica Neue"/>
+              </a:rPr>
+              <a:t>? Begin </a:t>
+            </a:r>
+            <a:r>
+              <a:rPr lang="en-US" sz="2200" dirty="0" err="1">
+                <a:solidFill>
+                  <a:srgbClr val="040606"/>
+                </a:solidFill>
+                <a:latin typeface="Helvetica Neue"/>
+              </a:rPr>
+              <a:t>opnieuw</a:t>
+            </a:r>
+            <a:endParaRPr lang="en-US" sz="2200" b="0" i="0" dirty="0">
+              <a:solidFill>
+                <a:srgbClr val="040606"/>
+              </a:solidFill>
+              <a:effectLst/>
+              <a:latin typeface="Helvetica Neue"/>
+            </a:endParaRPr>
+          </a:p>
+          <a:p>
+            <a:pPr lvl="1"/>
+            <a:endParaRPr lang="nl-NL" dirty="0"/>
+          </a:p>
+        </p:txBody>
+      </p:sp>
+      <p:sp>
+        <p:nvSpPr>
+          <p:cNvPr id="10" name="Tijdelijke aanduiding voor inhoud 2">
+            <a:extLst>
+              <a:ext uri="{FF2B5EF4-FFF2-40B4-BE49-F238E27FC236}">
+                <a16:creationId xmlns:a16="http://schemas.microsoft.com/office/drawing/2014/main" id="{CFA97DEE-332E-48EC-9938-FD5F77D7EB4D}"/>
+              </a:ext>
+            </a:extLst>
+          </p:cNvPr>
+          <p:cNvSpPr txBox="1">
+            <a:spLocks/>
+          </p:cNvSpPr>
+          <p:nvPr/>
+        </p:nvSpPr>
+        <p:spPr>
+          <a:xfrm>
+            <a:off x="6091684" y="5131387"/>
+            <a:ext cx="5306941" cy="1603535"/>
+          </a:xfrm>
+          <a:prstGeom prst="rect">
+            <a:avLst/>
+          </a:prstGeom>
+        </p:spPr>
+        <p:txBody>
+          <a:bodyPr vert="horz" lIns="91440" tIns="45720" rIns="91440" bIns="45720" rtlCol="0">
+            <a:normAutofit fontScale="85000" lnSpcReduction="20000"/>
+          </a:bodyPr>
+          <a:lstStyle>
+            <a:lvl1pPr marL="228600" indent="-228600" algn="l" defTabSz="914400" rtl="0" eaLnBrk="1" latinLnBrk="0" hangingPunct="1">
+              <a:lnSpc>
+                <a:spcPct val="90000"/>
+              </a:lnSpc>
+              <a:spcBef>
+                <a:spcPts val="1000"/>
+              </a:spcBef>
+              <a:buFont typeface="Arial" panose="020B0604020202020204" pitchFamily="34" charset="0"/>
+              <a:buChar char="•"/>
+              <a:defRPr sz="2800" kern="1200">
+                <a:solidFill>
+                  <a:schemeClr val="tx1"/>
+                </a:solidFill>
+                <a:latin typeface="+mn-lt"/>
+                <a:ea typeface="+mn-ea"/>
+                <a:cs typeface="+mn-cs"/>
+              </a:defRPr>
+            </a:lvl1pPr>
+            <a:lvl2pPr marL="685800" indent="-228600" algn="l" defTabSz="914400" rtl="0" eaLnBrk="1" latinLnBrk="0" hangingPunct="1">
+              <a:lnSpc>
+                <a:spcPct val="90000"/>
+              </a:lnSpc>
+              <a:spcBef>
+                <a:spcPts val="500"/>
+              </a:spcBef>
+              <a:buFont typeface="Arial" panose="020B0604020202020204" pitchFamily="34" charset="0"/>
+              <a:buChar char="•"/>
+              <a:defRPr sz="2400" kern="1200">
+                <a:solidFill>
+                  <a:schemeClr val="tx1"/>
+                </a:solidFill>
+                <a:latin typeface="+mn-lt"/>
+                <a:ea typeface="+mn-ea"/>
+                <a:cs typeface="+mn-cs"/>
+              </a:defRPr>
+            </a:lvl2pPr>
+            <a:lvl3pPr marL="1143000" indent="-228600" algn="l" defTabSz="914400" rtl="0" eaLnBrk="1" latinLnBrk="0" hangingPunct="1">
+              <a:lnSpc>
+                <a:spcPct val="90000"/>
+              </a:lnSpc>
+              <a:spcBef>
+                <a:spcPts val="500"/>
+              </a:spcBef>
+              <a:buFont typeface="Arial" panose="020B0604020202020204" pitchFamily="34" charset="0"/>
+              <a:buChar char="•"/>
+              <a:defRPr sz="2000" kern="1200">
+                <a:solidFill>
+                  <a:schemeClr val="tx1"/>
+                </a:solidFill>
+                <a:latin typeface="+mn-lt"/>
+                <a:ea typeface="+mn-ea"/>
+                <a:cs typeface="+mn-cs"/>
+              </a:defRPr>
+            </a:lvl3pPr>
+            <a:lvl4pPr marL="1600200" indent="-228600" algn="l" defTabSz="914400" rtl="0" eaLnBrk="1" latinLnBrk="0" hangingPunct="1">
+              <a:lnSpc>
+                <a:spcPct val="90000"/>
+              </a:lnSpc>
+              <a:spcBef>
+                <a:spcPts val="500"/>
+              </a:spcBef>
+              <a:buFont typeface="Arial" panose="020B0604020202020204" pitchFamily="34" charset="0"/>
+              <a:buChar char="•"/>
+              <a:defRPr sz="1800" kern="1200">
+                <a:solidFill>
+                  <a:schemeClr val="tx1"/>
+                </a:solidFill>
+                <a:latin typeface="+mn-lt"/>
+                <a:ea typeface="+mn-ea"/>
+                <a:cs typeface="+mn-cs"/>
+              </a:defRPr>
+            </a:lvl4pPr>
+            <a:lvl5pPr marL="2057400" indent="-228600" algn="l" defTabSz="914400" rtl="0" eaLnBrk="1" latinLnBrk="0" hangingPunct="1">
+              <a:lnSpc>
+                <a:spcPct val="90000"/>
+              </a:lnSpc>
+              <a:spcBef>
+                <a:spcPts val="500"/>
+              </a:spcBef>
+              <a:buFont typeface="Arial" panose="020B0604020202020204" pitchFamily="34" charset="0"/>
+              <a:buChar char="•"/>
+              <a:defRPr sz="1800" kern="1200">
+                <a:solidFill>
+                  <a:schemeClr val="tx1"/>
+                </a:solidFill>
+                <a:latin typeface="+mn-lt"/>
+                <a:ea typeface="+mn-ea"/>
+                <a:cs typeface="+mn-cs"/>
+              </a:defRPr>
+            </a:lvl5pPr>
+            <a:lvl6pPr marL="2514600" indent="-228600" algn="l" defTabSz="914400" rtl="0" eaLnBrk="1" latinLnBrk="0" hangingPunct="1">
+              <a:lnSpc>
+                <a:spcPct val="90000"/>
+              </a:lnSpc>
+              <a:spcBef>
+                <a:spcPts val="500"/>
+              </a:spcBef>
+              <a:buFont typeface="Arial" panose="020B0604020202020204" pitchFamily="34" charset="0"/>
+              <a:buChar char="•"/>
+              <a:defRPr sz="1800" kern="1200">
+                <a:solidFill>
+                  <a:schemeClr val="tx1"/>
+                </a:solidFill>
+                <a:latin typeface="+mn-lt"/>
+                <a:ea typeface="+mn-ea"/>
+                <a:cs typeface="+mn-cs"/>
+              </a:defRPr>
+            </a:lvl6pPr>
+            <a:lvl7pPr marL="2971800" indent="-228600" algn="l" defTabSz="914400" rtl="0" eaLnBrk="1" latinLnBrk="0" hangingPunct="1">
+              <a:lnSpc>
+                <a:spcPct val="90000"/>
+              </a:lnSpc>
+              <a:spcBef>
+                <a:spcPts val="500"/>
+              </a:spcBef>
+              <a:buFont typeface="Arial" panose="020B0604020202020204" pitchFamily="34" charset="0"/>
+              <a:buChar char="•"/>
+              <a:defRPr sz="1800" kern="1200">
+                <a:solidFill>
+                  <a:schemeClr val="tx1"/>
+                </a:solidFill>
+                <a:latin typeface="+mn-lt"/>
+                <a:ea typeface="+mn-ea"/>
+                <a:cs typeface="+mn-cs"/>
+              </a:defRPr>
+            </a:lvl7pPr>
+            <a:lvl8pPr marL="3429000" indent="-228600" algn="l" defTabSz="914400" rtl="0" eaLnBrk="1" latinLnBrk="0" hangingPunct="1">
+              <a:lnSpc>
+                <a:spcPct val="90000"/>
+              </a:lnSpc>
+              <a:spcBef>
+                <a:spcPts val="500"/>
+              </a:spcBef>
+              <a:buFont typeface="Arial" panose="020B0604020202020204" pitchFamily="34" charset="0"/>
+              <a:buChar char="•"/>
+              <a:defRPr sz="1800" kern="1200">
+                <a:solidFill>
+                  <a:schemeClr val="tx1"/>
+                </a:solidFill>
+                <a:latin typeface="+mn-lt"/>
+                <a:ea typeface="+mn-ea"/>
+                <a:cs typeface="+mn-cs"/>
+              </a:defRPr>
+            </a:lvl8pPr>
+            <a:lvl9pPr marL="3886200" indent="-228600" algn="l" defTabSz="914400" rtl="0" eaLnBrk="1" latinLnBrk="0" hangingPunct="1">
+              <a:lnSpc>
+                <a:spcPct val="90000"/>
+              </a:lnSpc>
+              <a:spcBef>
+                <a:spcPts val="500"/>
+              </a:spcBef>
+              <a:buFont typeface="Arial" panose="020B0604020202020204" pitchFamily="34" charset="0"/>
+              <a:buChar char="•"/>
+              <a:defRPr sz="1800" kern="1200">
+                <a:solidFill>
+                  <a:schemeClr val="tx1"/>
+                </a:solidFill>
+                <a:latin typeface="+mn-lt"/>
+                <a:ea typeface="+mn-ea"/>
+                <a:cs typeface="+mn-cs"/>
+              </a:defRPr>
+            </a:lvl9pPr>
+          </a:lstStyle>
+          <a:p>
+            <a:pPr marL="0" indent="0">
+              <a:buNone/>
+            </a:pPr>
+            <a:r>
+              <a:rPr lang="nl-NL" sz="2400" b="1" dirty="0">
+                <a:solidFill>
+                  <a:schemeClr val="accent1">
+                    <a:lumMod val="50000"/>
+                  </a:schemeClr>
+                </a:solidFill>
+                <a:latin typeface="Helvetica Neue"/>
+              </a:rPr>
+              <a:t>5. Review</a:t>
+            </a:r>
+            <a:endParaRPr lang="nl-NL" sz="2400" dirty="0">
+              <a:solidFill>
+                <a:schemeClr val="accent1">
+                  <a:lumMod val="50000"/>
+                </a:schemeClr>
+              </a:solidFill>
+              <a:latin typeface="Helvetica Neue"/>
+            </a:endParaRPr>
+          </a:p>
+          <a:p>
+            <a:pPr algn="l">
+              <a:buFont typeface="Arial" panose="020B0604020202020204" pitchFamily="34" charset="0"/>
+              <a:buChar char="•"/>
+            </a:pPr>
+            <a:r>
+              <a:rPr lang="en-US" sz="2400" b="0" i="0" dirty="0" err="1">
+                <a:solidFill>
+                  <a:srgbClr val="040606"/>
+                </a:solidFill>
+                <a:effectLst/>
+                <a:latin typeface="Helvetica Neue"/>
+              </a:rPr>
+              <a:t>Vergelijk</a:t>
+            </a:r>
+            <a:r>
+              <a:rPr lang="en-US" sz="2400" b="0" i="0" dirty="0">
+                <a:solidFill>
+                  <a:srgbClr val="040606"/>
+                </a:solidFill>
+                <a:effectLst/>
+                <a:latin typeface="Helvetica Neue"/>
+              </a:rPr>
+              <a:t> </a:t>
+            </a:r>
+            <a:r>
+              <a:rPr lang="en-US" sz="2400" b="0" i="0" dirty="0" err="1">
+                <a:solidFill>
+                  <a:srgbClr val="040606"/>
+                </a:solidFill>
+                <a:effectLst/>
+                <a:latin typeface="Helvetica Neue"/>
+              </a:rPr>
+              <a:t>werk</a:t>
+            </a:r>
+            <a:r>
+              <a:rPr lang="en-US" sz="2400" b="0" i="0" dirty="0">
+                <a:solidFill>
+                  <a:srgbClr val="040606"/>
+                </a:solidFill>
+                <a:effectLst/>
+                <a:latin typeface="Helvetica Neue"/>
+              </a:rPr>
+              <a:t> </a:t>
+            </a:r>
+            <a:r>
+              <a:rPr lang="en-US" sz="2400" b="0" i="0" dirty="0" err="1">
+                <a:solidFill>
+                  <a:srgbClr val="040606"/>
+                </a:solidFill>
+                <a:effectLst/>
+                <a:latin typeface="Helvetica Neue"/>
+              </a:rPr>
+              <a:t>en</a:t>
+            </a:r>
+            <a:r>
+              <a:rPr lang="en-US" sz="2400" b="0" i="0" dirty="0">
+                <a:solidFill>
+                  <a:srgbClr val="040606"/>
+                </a:solidFill>
+                <a:effectLst/>
+                <a:latin typeface="Helvetica Neue"/>
+              </a:rPr>
+              <a:t> </a:t>
+            </a:r>
+            <a:r>
+              <a:rPr lang="en-US" sz="2400" b="0" i="0" dirty="0" err="1">
+                <a:solidFill>
+                  <a:srgbClr val="040606"/>
+                </a:solidFill>
+                <a:effectLst/>
+                <a:latin typeface="Helvetica Neue"/>
+              </a:rPr>
+              <a:t>formuleer</a:t>
+            </a:r>
+            <a:r>
+              <a:rPr lang="en-US" sz="2400" b="0" i="0" dirty="0">
+                <a:solidFill>
+                  <a:srgbClr val="040606"/>
+                </a:solidFill>
+                <a:effectLst/>
+                <a:latin typeface="Helvetica Neue"/>
+              </a:rPr>
+              <a:t> </a:t>
+            </a:r>
+            <a:r>
+              <a:rPr lang="en-US" sz="2400" b="0" i="0" dirty="0" err="1">
+                <a:solidFill>
+                  <a:srgbClr val="040606"/>
+                </a:solidFill>
+                <a:effectLst/>
+                <a:latin typeface="Helvetica Neue"/>
+              </a:rPr>
+              <a:t>verschillen</a:t>
+            </a:r>
+            <a:endParaRPr lang="en-US" sz="2400" b="0" i="0" dirty="0">
+              <a:solidFill>
+                <a:srgbClr val="040606"/>
+              </a:solidFill>
+              <a:effectLst/>
+              <a:latin typeface="Helvetica Neue"/>
+            </a:endParaRPr>
+          </a:p>
+          <a:p>
+            <a:pPr algn="l">
+              <a:buFont typeface="Arial" panose="020B0604020202020204" pitchFamily="34" charset="0"/>
+              <a:buChar char="•"/>
+            </a:pPr>
+            <a:r>
+              <a:rPr lang="en-US" sz="2400" b="0" i="0" dirty="0">
+                <a:solidFill>
+                  <a:srgbClr val="040606"/>
+                </a:solidFill>
+                <a:effectLst/>
+                <a:latin typeface="Helvetica Neue"/>
+              </a:rPr>
+              <a:t>Wat </a:t>
+            </a:r>
+            <a:r>
+              <a:rPr lang="en-US" sz="2400" b="0" i="0" dirty="0" err="1">
+                <a:solidFill>
+                  <a:srgbClr val="040606"/>
+                </a:solidFill>
+                <a:effectLst/>
+                <a:latin typeface="Helvetica Neue"/>
+              </a:rPr>
+              <a:t>heb</a:t>
+            </a:r>
+            <a:r>
+              <a:rPr lang="en-US" sz="2400" b="0" i="0" dirty="0">
+                <a:solidFill>
+                  <a:srgbClr val="040606"/>
+                </a:solidFill>
+                <a:effectLst/>
+                <a:latin typeface="Helvetica Neue"/>
+              </a:rPr>
+              <a:t> </a:t>
+            </a:r>
+            <a:r>
+              <a:rPr lang="en-US" sz="2400" b="0" i="0" dirty="0" err="1">
+                <a:solidFill>
+                  <a:srgbClr val="040606"/>
+                </a:solidFill>
+                <a:effectLst/>
+                <a:latin typeface="Helvetica Neue"/>
+              </a:rPr>
+              <a:t>ik</a:t>
+            </a:r>
+            <a:r>
+              <a:rPr lang="en-US" sz="2400" b="0" i="0" dirty="0">
+                <a:solidFill>
+                  <a:srgbClr val="040606"/>
+                </a:solidFill>
+                <a:effectLst/>
+                <a:latin typeface="Helvetica Neue"/>
+              </a:rPr>
+              <a:t> </a:t>
+            </a:r>
+            <a:r>
+              <a:rPr lang="en-US" sz="2400" b="0" i="0" dirty="0" err="1">
+                <a:solidFill>
+                  <a:srgbClr val="040606"/>
+                </a:solidFill>
+                <a:effectLst/>
+                <a:latin typeface="Helvetica Neue"/>
+              </a:rPr>
+              <a:t>geleerd</a:t>
+            </a:r>
+            <a:r>
+              <a:rPr lang="en-US" sz="2400" b="0" i="0" dirty="0">
+                <a:solidFill>
+                  <a:srgbClr val="040606"/>
+                </a:solidFill>
+                <a:effectLst/>
+                <a:latin typeface="Helvetica Neue"/>
+              </a:rPr>
+              <a:t> van </a:t>
+            </a:r>
+            <a:r>
+              <a:rPr lang="en-US" sz="2400" b="0" i="0" dirty="0" err="1">
+                <a:solidFill>
+                  <a:srgbClr val="040606"/>
+                </a:solidFill>
+                <a:effectLst/>
+                <a:latin typeface="Helvetica Neue"/>
+              </a:rPr>
+              <a:t>deze</a:t>
+            </a:r>
+            <a:r>
+              <a:rPr lang="en-US" sz="2400" b="0" i="0" dirty="0">
+                <a:solidFill>
+                  <a:srgbClr val="040606"/>
+                </a:solidFill>
+                <a:effectLst/>
+                <a:latin typeface="Helvetica Neue"/>
+              </a:rPr>
+              <a:t> </a:t>
+            </a:r>
+            <a:r>
+              <a:rPr lang="en-US" sz="2400" b="0" i="0" dirty="0" err="1">
+                <a:solidFill>
+                  <a:srgbClr val="040606"/>
+                </a:solidFill>
+                <a:effectLst/>
+                <a:latin typeface="Helvetica Neue"/>
+              </a:rPr>
+              <a:t>verschillen</a:t>
+            </a:r>
+            <a:r>
+              <a:rPr lang="en-US" sz="2400" b="0" i="0" dirty="0">
+                <a:solidFill>
+                  <a:srgbClr val="040606"/>
+                </a:solidFill>
+                <a:effectLst/>
+                <a:latin typeface="Helvetica Neue"/>
+              </a:rPr>
+              <a:t>?</a:t>
+            </a:r>
+          </a:p>
+          <a:p>
+            <a:r>
+              <a:rPr lang="en-US" sz="2400" b="0" i="0" dirty="0">
+                <a:solidFill>
+                  <a:srgbClr val="040606"/>
+                </a:solidFill>
+                <a:effectLst/>
+                <a:latin typeface="Helvetica Neue"/>
+              </a:rPr>
+              <a:t>Wie heft </a:t>
+            </a:r>
+            <a:r>
+              <a:rPr lang="en-US" sz="2400" b="0" i="0" dirty="0" err="1">
+                <a:solidFill>
+                  <a:srgbClr val="040606"/>
+                </a:solidFill>
+                <a:effectLst/>
+                <a:latin typeface="Helvetica Neue"/>
+              </a:rPr>
+              <a:t>een</a:t>
+            </a:r>
+            <a:r>
+              <a:rPr lang="en-US" sz="2400" b="0" i="0" dirty="0">
+                <a:solidFill>
+                  <a:srgbClr val="040606"/>
+                </a:solidFill>
+                <a:effectLst/>
+                <a:latin typeface="Helvetica Neue"/>
+              </a:rPr>
+              <a:t> </a:t>
+            </a:r>
+            <a:r>
+              <a:rPr lang="en-US" sz="2400" b="0" i="0" dirty="0" err="1">
+                <a:solidFill>
+                  <a:srgbClr val="040606"/>
+                </a:solidFill>
+                <a:effectLst/>
+                <a:latin typeface="Helvetica Neue"/>
+              </a:rPr>
+              <a:t>beter</a:t>
+            </a:r>
+            <a:r>
+              <a:rPr lang="en-US" sz="2400" b="0" i="0" dirty="0">
+                <a:solidFill>
+                  <a:srgbClr val="040606"/>
+                </a:solidFill>
+                <a:effectLst/>
+                <a:latin typeface="Helvetica Neue"/>
+              </a:rPr>
+              <a:t> </a:t>
+            </a:r>
+            <a:r>
+              <a:rPr lang="en-US" sz="2400" b="0" i="0" dirty="0" err="1">
+                <a:solidFill>
+                  <a:srgbClr val="040606"/>
+                </a:solidFill>
+                <a:effectLst/>
+                <a:latin typeface="Helvetica Neue"/>
+              </a:rPr>
+              <a:t>resultaat</a:t>
+            </a:r>
+            <a:r>
+              <a:rPr lang="en-US" sz="2400" b="0" i="0" dirty="0">
+                <a:solidFill>
+                  <a:srgbClr val="040606"/>
+                </a:solidFill>
+                <a:effectLst/>
+                <a:latin typeface="Helvetica Neue"/>
+              </a:rPr>
+              <a:t> </a:t>
+            </a:r>
+            <a:r>
+              <a:rPr lang="en-US" sz="2400" b="0" i="0" dirty="0" err="1">
+                <a:solidFill>
+                  <a:srgbClr val="040606"/>
+                </a:solidFill>
+                <a:effectLst/>
+                <a:latin typeface="Helvetica Neue"/>
+              </a:rPr>
+              <a:t>geboekt</a:t>
+            </a:r>
+            <a:r>
+              <a:rPr lang="en-US" sz="2400" b="0" i="0" dirty="0">
+                <a:solidFill>
+                  <a:srgbClr val="040606"/>
+                </a:solidFill>
+                <a:effectLst/>
+                <a:latin typeface="Helvetica Neue"/>
+              </a:rPr>
+              <a:t>? </a:t>
+            </a:r>
+            <a:r>
+              <a:rPr lang="en-US" sz="2400" b="0" i="0" dirty="0" err="1">
+                <a:solidFill>
+                  <a:srgbClr val="040606"/>
+                </a:solidFill>
+                <a:effectLst/>
+                <a:latin typeface="Helvetica Neue"/>
+              </a:rPr>
+              <a:t>Waarom</a:t>
+            </a:r>
+            <a:r>
+              <a:rPr lang="en-US" sz="2400" b="0" i="0" dirty="0">
+                <a:solidFill>
+                  <a:srgbClr val="040606"/>
+                </a:solidFill>
+                <a:effectLst/>
+                <a:latin typeface="Helvetica Neue"/>
+              </a:rPr>
+              <a:t>?</a:t>
+            </a:r>
+          </a:p>
+          <a:p>
+            <a:pPr lvl="1"/>
+            <a:endParaRPr lang="nl-NL" dirty="0"/>
+          </a:p>
+        </p:txBody>
+      </p:sp>
+    </p:spTree>
+    <p:extLst>
+      <p:ext uri="{BB962C8B-B14F-4D97-AF65-F5344CB8AC3E}">
+        <p14:creationId xmlns:p14="http://schemas.microsoft.com/office/powerpoint/2010/main" val="1314458388"/>
+      </p:ext>
+    </p:extLst>
+  </p:cSld>
+  <p:clrMapOvr>
+    <a:masterClrMapping/>
+  </p:clrMapOvr>
+</p:sld>
+</file>
+
+<file path=ppt/slides/slide5.xml><?xml version="1.0" encoding="utf-8"?>
 <p:sld xmlns:a="http://schemas.openxmlformats.org/drawingml/2006/main" xmlns:r="http://schemas.openxmlformats.org/officeDocument/2006/relationships" xmlns:p="http://schemas.openxmlformats.org/presentationml/2006/main">
   <p:cSld>
     <p:bg>
@@ -6239,8 +8806,8 @@
         </p:nvSpPr>
         <p:spPr>
           <a:xfrm>
-            <a:off x="156882" y="1386874"/>
-            <a:ext cx="6548718" cy="5901204"/>
+            <a:off x="156882" y="1138517"/>
+            <a:ext cx="6548718" cy="4598895"/>
           </a:xfrm>
           <a:prstGeom prst="rect">
             <a:avLst/>
@@ -6437,7 +9004,7 @@
         <p:spPr>
           <a:xfrm>
             <a:off x="640978" y="1704976"/>
-            <a:ext cx="4970927" cy="5464361"/>
+            <a:ext cx="4970927" cy="4598895"/>
           </a:xfrm>
           <a:prstGeom prst="rect">
             <a:avLst/>
@@ -6445,7 +9012,7 @@
         </p:spPr>
         <p:txBody>
           <a:bodyPr vert="horz" lIns="91440" tIns="45720" rIns="91440" bIns="45720" rtlCol="0">
-            <a:normAutofit fontScale="92500" lnSpcReduction="20000"/>
+            <a:normAutofit fontScale="85000" lnSpcReduction="20000"/>
           </a:bodyPr>
           <a:lstStyle>
             <a:lvl1pPr marL="228600" indent="-228600" algn="l" defTabSz="914400" rtl="0" eaLnBrk="1" latinLnBrk="0" hangingPunct="1">
@@ -6753,7 +9320,7 @@
                 <a:effectLst/>
                 <a:latin typeface="Helvetica Neue"/>
               </a:rPr>
-              <a:t>Typrescipt</a:t>
+              <a:t>Typescipt</a:t>
             </a:r>
             <a:r>
               <a:rPr lang="en-US" sz="2400" b="0" i="0" dirty="0">
@@ -7156,6 +9723,12 @@
               </a:rPr>
               <a:t> zelfs kleine successen versterken ons gevoel van eigenwaarde en onze motivatie.</a:t>
             </a:r>
+          </a:p>
+          <a:p>
+            <a:pPr algn="l">
+              <a:buFont typeface="Arial" panose="020B0604020202020204" pitchFamily="34" charset="0"/>
+              <a:buChar char="•"/>
+            </a:pPr>
             <a:endParaRPr lang="en-US" sz="2200" b="0" i="0" dirty="0">
               <a:solidFill>
                 <a:srgbClr val="040606"/>
@@ -7457,132 +10030,12 @@
           </a:p>
         </p:txBody>
       </p:sp>
-    </p:spTree>
-    <p:extLst>
-      <p:ext uri="{BB962C8B-B14F-4D97-AF65-F5344CB8AC3E}">
-        <p14:creationId xmlns:p14="http://schemas.microsoft.com/office/powerpoint/2010/main" val="783656714"/>
-      </p:ext>
-    </p:extLst>
-  </p:cSld>
-  <p:clrMapOvr>
-    <a:masterClrMapping/>
-  </p:clrMapOvr>
-</p:sld>
-</file>
-
-<file path=ppt/slides/slide5.xml><?xml version="1.0" encoding="utf-8"?>
-<p:sld xmlns:a="http://schemas.openxmlformats.org/drawingml/2006/main" xmlns:r="http://schemas.openxmlformats.org/officeDocument/2006/relationships" xmlns:p="http://schemas.openxmlformats.org/presentationml/2006/main">
-  <p:cSld>
-    <p:bg>
-      <p:bgPr>
-        <a:gradFill>
-          <a:gsLst>
-            <a:gs pos="0">
-              <a:schemeClr val="accent3">
-                <a:lumMod val="20000"/>
-                <a:lumOff val="80000"/>
-              </a:schemeClr>
-            </a:gs>
-            <a:gs pos="100000">
-              <a:schemeClr val="accent6">
-                <a:lumMod val="60000"/>
-                <a:lumOff val="40000"/>
-              </a:schemeClr>
-            </a:gs>
-          </a:gsLst>
-          <a:lin ang="5400000" scaled="1"/>
-        </a:gradFill>
-        <a:effectLst/>
-      </p:bgPr>
-    </p:bg>
-    <p:spTree>
-      <p:nvGrpSpPr>
-        <p:cNvPr id="1" name=""/>
-        <p:cNvGrpSpPr/>
-        <p:nvPr/>
-      </p:nvGrpSpPr>
-      <p:grpSpPr>
-        <a:xfrm>
-          <a:off x="0" y="0"/>
-          <a:ext cx="0" cy="0"/>
-          <a:chOff x="0" y="0"/>
-          <a:chExt cx="0" cy="0"/>
-        </a:xfrm>
-      </p:grpSpPr>
       <p:sp>
         <p:nvSpPr>
-          <p:cNvPr id="2" name="Titel 1">
+          <p:cNvPr id="9" name="Tijdelijke aanduiding voor inhoud 2">
             <a:extLst>
               <a:ext uri="{FF2B5EF4-FFF2-40B4-BE49-F238E27FC236}">
-                <a16:creationId xmlns:a16="http://schemas.microsoft.com/office/drawing/2014/main" id="{37681D6D-B61E-4D90-AE29-F4B3873ABAEA}"/>
-              </a:ext>
-            </a:extLst>
-          </p:cNvPr>
-          <p:cNvSpPr>
-            <a:spLocks noGrp="1"/>
-          </p:cNvSpPr>
-          <p:nvPr>
-            <p:ph type="title"/>
-          </p:nvPr>
-        </p:nvSpPr>
-        <p:spPr>
-          <a:xfrm>
-            <a:off x="156882" y="123078"/>
-            <a:ext cx="10515600" cy="620993"/>
-          </a:xfrm>
-        </p:spPr>
-        <p:txBody>
-          <a:bodyPr>
-            <a:normAutofit fontScale="90000"/>
-          </a:bodyPr>
-          <a:lstStyle/>
-          <a:p>
-            <a:r>
-              <a:rPr lang="nl-NL" b="1" u="sng" dirty="0" err="1">
-                <a:solidFill>
-                  <a:schemeClr val="accent1">
-                    <a:lumMod val="50000"/>
-                  </a:schemeClr>
-                </a:solidFill>
-              </a:rPr>
-              <a:t>Problem</a:t>
-            </a:r>
-            <a:r>
-              <a:rPr lang="nl-NL" b="1" u="sng" dirty="0">
-                <a:solidFill>
-                  <a:schemeClr val="accent1">
-                    <a:lumMod val="50000"/>
-                  </a:schemeClr>
-                </a:solidFill>
-              </a:rPr>
-              <a:t> </a:t>
-            </a:r>
-            <a:r>
-              <a:rPr lang="nl-NL" b="1" u="sng" dirty="0" err="1">
-                <a:solidFill>
-                  <a:schemeClr val="accent1">
-                    <a:lumMod val="50000"/>
-                  </a:schemeClr>
-                </a:solidFill>
-              </a:rPr>
-              <a:t>solving</a:t>
-            </a:r>
-            <a:endParaRPr lang="nl-NL" b="1" u="sng" dirty="0">
-              <a:solidFill>
-                <a:schemeClr val="accent1">
-                  <a:lumMod val="50000"/>
-                </a:schemeClr>
-              </a:solidFill>
-            </a:endParaRPr>
-          </a:p>
-        </p:txBody>
-      </p:sp>
-      <p:sp>
-        <p:nvSpPr>
-          <p:cNvPr id="4" name="Tijdelijke aanduiding voor inhoud 2">
-            <a:extLst>
-              <a:ext uri="{FF2B5EF4-FFF2-40B4-BE49-F238E27FC236}">
-                <a16:creationId xmlns:a16="http://schemas.microsoft.com/office/drawing/2014/main" id="{6EFE2ABA-5C95-497F-8922-8A8391AFAFAE}"/>
+                <a16:creationId xmlns:a16="http://schemas.microsoft.com/office/drawing/2014/main" id="{ED59D934-37A5-4EC7-9CC0-58E6C95F41CE}"/>
               </a:ext>
             </a:extLst>
           </p:cNvPr>
@@ -7593,16 +10046,17 @@
         </p:nvSpPr>
         <p:spPr>
           <a:xfrm>
-            <a:off x="156882" y="990789"/>
-            <a:ext cx="5306941" cy="2656178"/>
+            <a:off x="1748118" y="6358854"/>
+            <a:ext cx="9726706" cy="493545"/>
           </a:xfrm>
           <a:prstGeom prst="rect">
             <a:avLst/>
           </a:prstGeom>
+          <a:noFill/>
         </p:spPr>
         <p:txBody>
           <a:bodyPr vert="horz" lIns="91440" tIns="45720" rIns="91440" bIns="45720" rtlCol="0">
-            <a:normAutofit/>
+            <a:noAutofit/>
           </a:bodyPr>
           <a:lstStyle>
             <a:lvl1pPr marL="228600" indent="-228600" algn="l" defTabSz="914400" rtl="0" eaLnBrk="1" latinLnBrk="0" hangingPunct="1">
@@ -7769,734 +10223,22 @@
             </a:lvl9pPr>
           </a:lstStyle>
           <a:p>
-            <a:pPr marL="0" indent="0">
+            <a:pPr marL="0" indent="0" algn="l">
               <a:buNone/>
             </a:pPr>
             <a:r>
-              <a:rPr lang="nl-NL" sz="2000" b="1" dirty="0">
+              <a:rPr lang="nl-NL" sz="2000" b="1" i="0" dirty="0">
                 <a:solidFill>
                   <a:schemeClr val="accent1">
                     <a:lumMod val="50000"/>
                   </a:schemeClr>
                 </a:solidFill>
-              </a:rPr>
-              <a:t>1. Creëer een begrip van het probleem</a:t>
-            </a:r>
-            <a:endParaRPr lang="nl-NL" sz="2000" dirty="0">
-              <a:solidFill>
-                <a:schemeClr val="accent1">
-                  <a:lumMod val="50000"/>
-                </a:schemeClr>
-              </a:solidFill>
-            </a:endParaRPr>
-          </a:p>
-          <a:p>
-            <a:pPr algn="l">
-              <a:buFont typeface="Arial" panose="020B0604020202020204" pitchFamily="34" charset="0"/>
-              <a:buChar char="•"/>
-            </a:pPr>
-            <a:r>
-              <a:rPr lang="en-US" sz="2000" b="0" i="0" dirty="0" err="1">
-                <a:solidFill>
-                  <a:srgbClr val="040606"/>
-                </a:solidFill>
-                <a:effectLst/>
-                <a:latin typeface="Helvetica Neue"/>
-              </a:rPr>
-              <a:t>Welke</a:t>
-            </a:r>
-            <a:r>
-              <a:rPr lang="en-US" sz="2000" b="0" i="0" dirty="0">
-                <a:solidFill>
-                  <a:srgbClr val="040606"/>
-                </a:solidFill>
-                <a:effectLst/>
-                <a:latin typeface="Helvetica Neue"/>
-              </a:rPr>
-              <a:t> </a:t>
-            </a:r>
-            <a:r>
-              <a:rPr lang="en-US" sz="2000" b="0" i="0" dirty="0" err="1">
-                <a:solidFill>
-                  <a:srgbClr val="040606"/>
-                </a:solidFill>
-                <a:effectLst/>
-                <a:latin typeface="Helvetica Neue"/>
-              </a:rPr>
-              <a:t>denkstappen</a:t>
-            </a:r>
-            <a:r>
-              <a:rPr lang="en-US" sz="2000" b="0" i="0" dirty="0">
-                <a:solidFill>
-                  <a:srgbClr val="040606"/>
-                </a:solidFill>
-                <a:effectLst/>
-                <a:latin typeface="Helvetica Neue"/>
-              </a:rPr>
-              <a:t> </a:t>
-            </a:r>
-            <a:r>
-              <a:rPr lang="en-US" sz="2000" b="0" i="0" dirty="0" err="1">
-                <a:solidFill>
-                  <a:srgbClr val="040606"/>
-                </a:solidFill>
-                <a:effectLst/>
-                <a:latin typeface="Helvetica Neue"/>
-              </a:rPr>
-              <a:t>moeten</a:t>
-            </a:r>
-            <a:r>
-              <a:rPr lang="en-US" sz="2000" b="0" i="0" dirty="0">
-                <a:solidFill>
-                  <a:srgbClr val="040606"/>
-                </a:solidFill>
-                <a:effectLst/>
-                <a:latin typeface="Helvetica Neue"/>
-              </a:rPr>
-              <a:t> </a:t>
-            </a:r>
-            <a:r>
-              <a:rPr lang="en-US" sz="2000" b="0" i="0" dirty="0" err="1">
-                <a:solidFill>
-                  <a:srgbClr val="040606"/>
-                </a:solidFill>
-                <a:effectLst/>
-                <a:latin typeface="Helvetica Neue"/>
-              </a:rPr>
-              <a:t>genomen</a:t>
-            </a:r>
-            <a:r>
-              <a:rPr lang="en-US" sz="2000" b="0" i="0" dirty="0">
-                <a:solidFill>
-                  <a:srgbClr val="040606"/>
-                </a:solidFill>
-                <a:effectLst/>
-                <a:latin typeface="Helvetica Neue"/>
-              </a:rPr>
-              <a:t> </a:t>
-            </a:r>
-            <a:r>
-              <a:rPr lang="en-US" sz="2000" b="0" i="0" dirty="0" err="1">
-                <a:solidFill>
-                  <a:srgbClr val="040606"/>
-                </a:solidFill>
-                <a:effectLst/>
-                <a:latin typeface="Helvetica Neue"/>
-              </a:rPr>
-              <a:t>worden</a:t>
-            </a:r>
-            <a:r>
-              <a:rPr lang="en-US" sz="2000" b="0" i="0" dirty="0">
-                <a:solidFill>
-                  <a:srgbClr val="040606"/>
-                </a:solidFill>
-                <a:effectLst/>
-                <a:latin typeface="Helvetica Neue"/>
-              </a:rPr>
-              <a:t>?</a:t>
-            </a:r>
-          </a:p>
-          <a:p>
-            <a:pPr algn="l">
-              <a:buFont typeface="Arial" panose="020B0604020202020204" pitchFamily="34" charset="0"/>
-              <a:buChar char="•"/>
-            </a:pPr>
-            <a:r>
-              <a:rPr lang="en-US" sz="2000" b="0" i="0" dirty="0" err="1">
-                <a:solidFill>
-                  <a:srgbClr val="040606"/>
-                </a:solidFill>
-                <a:effectLst/>
-                <a:latin typeface="Helvetica Neue"/>
-              </a:rPr>
-              <a:t>Welke</a:t>
-            </a:r>
-            <a:r>
-              <a:rPr lang="en-US" sz="2000" b="0" i="0" dirty="0">
-                <a:solidFill>
-                  <a:srgbClr val="040606"/>
-                </a:solidFill>
-                <a:effectLst/>
-                <a:latin typeface="Helvetica Neue"/>
-              </a:rPr>
-              <a:t> </a:t>
-            </a:r>
-            <a:r>
-              <a:rPr lang="en-US" sz="2000" b="0" i="0" dirty="0" err="1">
-                <a:solidFill>
-                  <a:srgbClr val="040606"/>
-                </a:solidFill>
-                <a:effectLst/>
-                <a:latin typeface="Helvetica Neue"/>
-              </a:rPr>
-              <a:t>kennis</a:t>
-            </a:r>
-            <a:r>
-              <a:rPr lang="en-US" sz="2000" b="0" i="0" dirty="0">
-                <a:solidFill>
-                  <a:srgbClr val="040606"/>
-                </a:solidFill>
-                <a:effectLst/>
-                <a:latin typeface="Helvetica Neue"/>
-              </a:rPr>
-              <a:t> </a:t>
-            </a:r>
-            <a:r>
-              <a:rPr lang="en-US" sz="2000" b="0" i="0" dirty="0" err="1">
-                <a:solidFill>
-                  <a:srgbClr val="040606"/>
-                </a:solidFill>
-                <a:effectLst/>
-                <a:latin typeface="Helvetica Neue"/>
-              </a:rPr>
-              <a:t>missen</a:t>
-            </a:r>
-            <a:r>
-              <a:rPr lang="en-US" sz="2000" b="0" i="0" dirty="0">
-                <a:solidFill>
-                  <a:srgbClr val="040606"/>
-                </a:solidFill>
-                <a:effectLst/>
-                <a:latin typeface="Helvetica Neue"/>
-              </a:rPr>
-              <a:t> we?</a:t>
-            </a:r>
-          </a:p>
-          <a:p>
-            <a:r>
-              <a:rPr lang="en-US" sz="2000" b="0" i="0" dirty="0">
-                <a:solidFill>
-                  <a:srgbClr val="040606"/>
-                </a:solidFill>
-                <a:effectLst/>
-                <a:latin typeface="Helvetica Neue"/>
-              </a:rPr>
-              <a:t>Neem </a:t>
-            </a:r>
-            <a:r>
-              <a:rPr lang="en-US" sz="2000" b="0" i="0" dirty="0" err="1">
-                <a:solidFill>
-                  <a:srgbClr val="040606"/>
-                </a:solidFill>
-                <a:effectLst/>
-                <a:latin typeface="Helvetica Neue"/>
-              </a:rPr>
-              <a:t>een</a:t>
-            </a:r>
-            <a:r>
-              <a:rPr lang="en-US" sz="2000" b="0" i="0" dirty="0">
-                <a:solidFill>
-                  <a:srgbClr val="040606"/>
-                </a:solidFill>
-                <a:effectLst/>
-                <a:latin typeface="Helvetica Neue"/>
-              </a:rPr>
-              <a:t> </a:t>
-            </a:r>
-            <a:r>
-              <a:rPr lang="en-US" sz="2000" b="0" i="0" dirty="0" err="1">
-                <a:solidFill>
-                  <a:srgbClr val="040606"/>
-                </a:solidFill>
-                <a:effectLst/>
-                <a:latin typeface="Helvetica Neue"/>
-              </a:rPr>
-              <a:t>stap</a:t>
-            </a:r>
-            <a:r>
-              <a:rPr lang="en-US" sz="2000" b="0" i="0" dirty="0">
-                <a:solidFill>
-                  <a:srgbClr val="040606"/>
-                </a:solidFill>
-                <a:effectLst/>
-                <a:latin typeface="Helvetica Neue"/>
-              </a:rPr>
-              <a:t> </a:t>
-            </a:r>
-            <a:r>
-              <a:rPr lang="en-US" sz="2000" b="0" i="0" dirty="0" err="1">
-                <a:solidFill>
-                  <a:srgbClr val="040606"/>
-                </a:solidFill>
-                <a:effectLst/>
-                <a:latin typeface="Helvetica Neue"/>
-              </a:rPr>
-              <a:t>terug</a:t>
-            </a:r>
-            <a:r>
-              <a:rPr lang="en-US" sz="2000" dirty="0">
-                <a:solidFill>
-                  <a:srgbClr val="040606"/>
-                </a:solidFill>
-                <a:latin typeface="Helvetica Neue"/>
-              </a:rPr>
-              <a:t>: </a:t>
-            </a:r>
-            <a:r>
-              <a:rPr lang="en-US" sz="2000" dirty="0" err="1">
-                <a:solidFill>
-                  <a:srgbClr val="040606"/>
-                </a:solidFill>
-                <a:latin typeface="Helvetica Neue"/>
-              </a:rPr>
-              <a:t>kijk</a:t>
-            </a:r>
-            <a:r>
-              <a:rPr lang="en-US" sz="2000" dirty="0">
-                <a:solidFill>
-                  <a:srgbClr val="040606"/>
-                </a:solidFill>
-                <a:latin typeface="Helvetica Neue"/>
-              </a:rPr>
-              <a:t> met breed </a:t>
-            </a:r>
-            <a:r>
-              <a:rPr lang="en-US" sz="2000" dirty="0" err="1">
-                <a:solidFill>
-                  <a:srgbClr val="040606"/>
-                </a:solidFill>
-                <a:latin typeface="Helvetica Neue"/>
-              </a:rPr>
-              <a:t>perspectief</a:t>
-            </a:r>
-            <a:endParaRPr lang="en-US" sz="2000" b="0" i="0" dirty="0">
-              <a:solidFill>
-                <a:srgbClr val="040606"/>
-              </a:solidFill>
-              <a:effectLst/>
-              <a:latin typeface="Helvetica Neue"/>
-            </a:endParaRPr>
-          </a:p>
-          <a:p>
-            <a:pPr lvl="1"/>
-            <a:endParaRPr lang="nl-NL" dirty="0"/>
-          </a:p>
-        </p:txBody>
-      </p:sp>
-      <p:sp>
-        <p:nvSpPr>
-          <p:cNvPr id="6" name="Tijdelijke aanduiding voor inhoud 2">
-            <a:extLst>
-              <a:ext uri="{FF2B5EF4-FFF2-40B4-BE49-F238E27FC236}">
-                <a16:creationId xmlns:a16="http://schemas.microsoft.com/office/drawing/2014/main" id="{0B7B3CBB-4A07-458B-B006-E4CE94DE89EF}"/>
-              </a:ext>
-            </a:extLst>
-          </p:cNvPr>
-          <p:cNvSpPr txBox="1">
-            <a:spLocks/>
-          </p:cNvSpPr>
-          <p:nvPr/>
-        </p:nvSpPr>
-        <p:spPr>
-          <a:xfrm>
-            <a:off x="156883" y="3211034"/>
-            <a:ext cx="6015484" cy="3646965"/>
-          </a:xfrm>
-          <a:prstGeom prst="rect">
-            <a:avLst/>
-          </a:prstGeom>
-        </p:spPr>
-        <p:txBody>
-          <a:bodyPr vert="horz" lIns="91440" tIns="45720" rIns="91440" bIns="45720" rtlCol="0">
-            <a:normAutofit fontScale="92500" lnSpcReduction="20000"/>
-          </a:bodyPr>
-          <a:lstStyle>
-            <a:lvl1pPr marL="228600" indent="-228600" algn="l" defTabSz="914400" rtl="0" eaLnBrk="1" latinLnBrk="0" hangingPunct="1">
-              <a:lnSpc>
-                <a:spcPct val="90000"/>
-              </a:lnSpc>
-              <a:spcBef>
-                <a:spcPts val="1000"/>
-              </a:spcBef>
-              <a:buFont typeface="Arial" panose="020B0604020202020204" pitchFamily="34" charset="0"/>
-              <a:buChar char="•"/>
-              <a:defRPr sz="2800" kern="1200">
-                <a:solidFill>
-                  <a:schemeClr val="tx1"/>
-                </a:solidFill>
-                <a:latin typeface="+mn-lt"/>
-                <a:ea typeface="+mn-ea"/>
-                <a:cs typeface="+mn-cs"/>
-              </a:defRPr>
-            </a:lvl1pPr>
-            <a:lvl2pPr marL="685800" indent="-228600" algn="l" defTabSz="914400" rtl="0" eaLnBrk="1" latinLnBrk="0" hangingPunct="1">
-              <a:lnSpc>
-                <a:spcPct val="90000"/>
-              </a:lnSpc>
-              <a:spcBef>
-                <a:spcPts val="500"/>
-              </a:spcBef>
-              <a:buFont typeface="Arial" panose="020B0604020202020204" pitchFamily="34" charset="0"/>
-              <a:buChar char="•"/>
-              <a:defRPr sz="2400" kern="1200">
-                <a:solidFill>
-                  <a:schemeClr val="tx1"/>
-                </a:solidFill>
-                <a:latin typeface="+mn-lt"/>
-                <a:ea typeface="+mn-ea"/>
-                <a:cs typeface="+mn-cs"/>
-              </a:defRPr>
-            </a:lvl2pPr>
-            <a:lvl3pPr marL="1143000" indent="-228600" algn="l" defTabSz="914400" rtl="0" eaLnBrk="1" latinLnBrk="0" hangingPunct="1">
-              <a:lnSpc>
-                <a:spcPct val="90000"/>
-              </a:lnSpc>
-              <a:spcBef>
-                <a:spcPts val="500"/>
-              </a:spcBef>
-              <a:buFont typeface="Arial" panose="020B0604020202020204" pitchFamily="34" charset="0"/>
-              <a:buChar char="•"/>
-              <a:defRPr sz="2000" kern="1200">
-                <a:solidFill>
-                  <a:schemeClr val="tx1"/>
-                </a:solidFill>
-                <a:latin typeface="+mn-lt"/>
-                <a:ea typeface="+mn-ea"/>
-                <a:cs typeface="+mn-cs"/>
-              </a:defRPr>
-            </a:lvl3pPr>
-            <a:lvl4pPr marL="1600200" indent="-228600" algn="l" defTabSz="914400" rtl="0" eaLnBrk="1" latinLnBrk="0" hangingPunct="1">
-              <a:lnSpc>
-                <a:spcPct val="90000"/>
-              </a:lnSpc>
-              <a:spcBef>
-                <a:spcPts val="500"/>
-              </a:spcBef>
-              <a:buFont typeface="Arial" panose="020B0604020202020204" pitchFamily="34" charset="0"/>
-              <a:buChar char="•"/>
-              <a:defRPr sz="1800" kern="1200">
-                <a:solidFill>
-                  <a:schemeClr val="tx1"/>
-                </a:solidFill>
-                <a:latin typeface="+mn-lt"/>
-                <a:ea typeface="+mn-ea"/>
-                <a:cs typeface="+mn-cs"/>
-              </a:defRPr>
-            </a:lvl4pPr>
-            <a:lvl5pPr marL="2057400" indent="-228600" algn="l" defTabSz="914400" rtl="0" eaLnBrk="1" latinLnBrk="0" hangingPunct="1">
-              <a:lnSpc>
-                <a:spcPct val="90000"/>
-              </a:lnSpc>
-              <a:spcBef>
-                <a:spcPts val="500"/>
-              </a:spcBef>
-              <a:buFont typeface="Arial" panose="020B0604020202020204" pitchFamily="34" charset="0"/>
-              <a:buChar char="•"/>
-              <a:defRPr sz="1800" kern="1200">
-                <a:solidFill>
-                  <a:schemeClr val="tx1"/>
-                </a:solidFill>
-                <a:latin typeface="+mn-lt"/>
-                <a:ea typeface="+mn-ea"/>
-                <a:cs typeface="+mn-cs"/>
-              </a:defRPr>
-            </a:lvl5pPr>
-            <a:lvl6pPr marL="2514600" indent="-228600" algn="l" defTabSz="914400" rtl="0" eaLnBrk="1" latinLnBrk="0" hangingPunct="1">
-              <a:lnSpc>
-                <a:spcPct val="90000"/>
-              </a:lnSpc>
-              <a:spcBef>
-                <a:spcPts val="500"/>
-              </a:spcBef>
-              <a:buFont typeface="Arial" panose="020B0604020202020204" pitchFamily="34" charset="0"/>
-              <a:buChar char="•"/>
-              <a:defRPr sz="1800" kern="1200">
-                <a:solidFill>
-                  <a:schemeClr val="tx1"/>
-                </a:solidFill>
-                <a:latin typeface="+mn-lt"/>
-                <a:ea typeface="+mn-ea"/>
-                <a:cs typeface="+mn-cs"/>
-              </a:defRPr>
-            </a:lvl6pPr>
-            <a:lvl7pPr marL="2971800" indent="-228600" algn="l" defTabSz="914400" rtl="0" eaLnBrk="1" latinLnBrk="0" hangingPunct="1">
-              <a:lnSpc>
-                <a:spcPct val="90000"/>
-              </a:lnSpc>
-              <a:spcBef>
-                <a:spcPts val="500"/>
-              </a:spcBef>
-              <a:buFont typeface="Arial" panose="020B0604020202020204" pitchFamily="34" charset="0"/>
-              <a:buChar char="•"/>
-              <a:defRPr sz="1800" kern="1200">
-                <a:solidFill>
-                  <a:schemeClr val="tx1"/>
-                </a:solidFill>
-                <a:latin typeface="+mn-lt"/>
-                <a:ea typeface="+mn-ea"/>
-                <a:cs typeface="+mn-cs"/>
-              </a:defRPr>
-            </a:lvl7pPr>
-            <a:lvl8pPr marL="3429000" indent="-228600" algn="l" defTabSz="914400" rtl="0" eaLnBrk="1" latinLnBrk="0" hangingPunct="1">
-              <a:lnSpc>
-                <a:spcPct val="90000"/>
-              </a:lnSpc>
-              <a:spcBef>
-                <a:spcPts val="500"/>
-              </a:spcBef>
-              <a:buFont typeface="Arial" panose="020B0604020202020204" pitchFamily="34" charset="0"/>
-              <a:buChar char="•"/>
-              <a:defRPr sz="1800" kern="1200">
-                <a:solidFill>
-                  <a:schemeClr val="tx1"/>
-                </a:solidFill>
-                <a:latin typeface="+mn-lt"/>
-                <a:ea typeface="+mn-ea"/>
-                <a:cs typeface="+mn-cs"/>
-              </a:defRPr>
-            </a:lvl8pPr>
-            <a:lvl9pPr marL="3886200" indent="-228600" algn="l" defTabSz="914400" rtl="0" eaLnBrk="1" latinLnBrk="0" hangingPunct="1">
-              <a:lnSpc>
-                <a:spcPct val="90000"/>
-              </a:lnSpc>
-              <a:spcBef>
-                <a:spcPts val="500"/>
-              </a:spcBef>
-              <a:buFont typeface="Arial" panose="020B0604020202020204" pitchFamily="34" charset="0"/>
-              <a:buChar char="•"/>
-              <a:defRPr sz="1800" kern="1200">
-                <a:solidFill>
-                  <a:schemeClr val="tx1"/>
-                </a:solidFill>
-                <a:latin typeface="+mn-lt"/>
-                <a:ea typeface="+mn-ea"/>
-                <a:cs typeface="+mn-cs"/>
-              </a:defRPr>
-            </a:lvl9pPr>
-          </a:lstStyle>
-          <a:p>
-            <a:pPr marL="0" indent="0">
-              <a:buNone/>
-            </a:pPr>
-            <a:r>
-              <a:rPr lang="nl-NL" sz="2400" b="1" dirty="0">
-                <a:solidFill>
-                  <a:schemeClr val="accent1">
-                    <a:lumMod val="50000"/>
-                  </a:schemeClr>
-                </a:solidFill>
-                <a:latin typeface="Helvetica Neue"/>
-              </a:rPr>
-              <a:t>2. Verdeel (en heers </a:t>
-            </a:r>
-            <a:r>
-              <a:rPr lang="nl-NL" sz="2400" b="1" dirty="0">
-                <a:solidFill>
-                  <a:schemeClr val="accent1">
-                    <a:lumMod val="50000"/>
-                  </a:schemeClr>
-                </a:solidFill>
-                <a:latin typeface="Helvetica Neue"/>
-                <a:sym typeface="Wingdings" panose="05000000000000000000" pitchFamily="2" charset="2"/>
-              </a:rPr>
-              <a:t>)</a:t>
-            </a:r>
-            <a:r>
-              <a:rPr lang="nl-NL" sz="2400" b="1" dirty="0">
-                <a:solidFill>
-                  <a:schemeClr val="accent1">
-                    <a:lumMod val="50000"/>
-                  </a:schemeClr>
-                </a:solidFill>
-                <a:latin typeface="Helvetica Neue"/>
-              </a:rPr>
-              <a:t> </a:t>
-            </a:r>
-          </a:p>
-          <a:p>
-            <a:pPr marL="0" indent="0">
-              <a:lnSpc>
-                <a:spcPct val="107000"/>
-              </a:lnSpc>
-              <a:spcAft>
-                <a:spcPts val="800"/>
-              </a:spcAft>
-              <a:buNone/>
-            </a:pPr>
-            <a:r>
-              <a:rPr lang="nl-NL" sz="2400" dirty="0">
-                <a:solidFill>
-                  <a:schemeClr val="accent1">
-                    <a:lumMod val="50000"/>
-                  </a:schemeClr>
-                </a:solidFill>
-                <a:effectLst/>
-                <a:latin typeface="Helvetica Neue"/>
-                <a:ea typeface="Calibri" panose="020F0502020204030204" pitchFamily="34" charset="0"/>
-                <a:cs typeface="Times New Roman" panose="02020603050405020304" pitchFamily="18" charset="0"/>
-              </a:rPr>
-              <a:t>Welke functionaliteiten heeft de app nodig?</a:t>
-            </a:r>
-          </a:p>
-          <a:p>
-            <a:r>
-              <a:rPr lang="nl-NL" sz="2400" dirty="0">
-                <a:effectLst/>
-                <a:latin typeface="Helvetica Neue"/>
-                <a:ea typeface="Calibri" panose="020F0502020204030204" pitchFamily="34" charset="0"/>
-                <a:cs typeface="Times New Roman" panose="02020603050405020304" pitchFamily="18" charset="0"/>
-              </a:rPr>
-              <a:t>De app moet de gebruiker een overzicht van taken kunnen tonen</a:t>
-            </a:r>
-          </a:p>
-          <a:p>
-            <a:pPr lvl="1"/>
-            <a:r>
-              <a:rPr lang="nl-NL" sz="2100" dirty="0">
-                <a:effectLst/>
-                <a:latin typeface="Helvetica Neue"/>
-                <a:ea typeface="Calibri" panose="020F0502020204030204" pitchFamily="34" charset="0"/>
-                <a:cs typeface="Times New Roman" panose="02020603050405020304" pitchFamily="18" charset="0"/>
-              </a:rPr>
-              <a:t>Het overzicht moet uit 3 kolommen bestaan</a:t>
-            </a:r>
-          </a:p>
-          <a:p>
-            <a:r>
-              <a:rPr lang="nl-NL" sz="2400" dirty="0" err="1">
-                <a:effectLst/>
-                <a:latin typeface="Helvetica Neue"/>
-                <a:ea typeface="Calibri" panose="020F0502020204030204" pitchFamily="34" charset="0"/>
-                <a:cs typeface="Times New Roman" panose="02020603050405020304" pitchFamily="18" charset="0"/>
-              </a:rPr>
-              <a:t>addTasks</a:t>
-            </a:r>
-            <a:r>
-              <a:rPr lang="nl-NL" sz="2400" dirty="0">
-                <a:effectLst/>
-                <a:latin typeface="Helvetica Neue"/>
-                <a:ea typeface="Calibri" panose="020F0502020204030204" pitchFamily="34" charset="0"/>
-                <a:cs typeface="Times New Roman" panose="02020603050405020304" pitchFamily="18" charset="0"/>
-              </a:rPr>
-              <a:t>-button </a:t>
-            </a:r>
-          </a:p>
-          <a:p>
-            <a:r>
-              <a:rPr lang="nl-NL" sz="2400" dirty="0">
-                <a:effectLst/>
-                <a:latin typeface="Helvetica Neue"/>
-                <a:ea typeface="Calibri" panose="020F0502020204030204" pitchFamily="34" charset="0"/>
-                <a:cs typeface="Times New Roman" panose="02020603050405020304" pitchFamily="18" charset="0"/>
-              </a:rPr>
-              <a:t>Tekstinput voor nieuwe taken</a:t>
-            </a:r>
-          </a:p>
-          <a:p>
-            <a:r>
-              <a:rPr lang="nl-NL" sz="2400" dirty="0" err="1">
-                <a:effectLst/>
-                <a:latin typeface="Helvetica Neue"/>
-                <a:ea typeface="Calibri" panose="020F0502020204030204" pitchFamily="34" charset="0"/>
-                <a:cs typeface="Times New Roman" panose="02020603050405020304" pitchFamily="18" charset="0"/>
-              </a:rPr>
-              <a:t>deleteAllTasks</a:t>
-            </a:r>
-            <a:r>
-              <a:rPr lang="nl-NL" sz="2400" dirty="0">
-                <a:effectLst/>
-                <a:latin typeface="Helvetica Neue"/>
-                <a:ea typeface="Calibri" panose="020F0502020204030204" pitchFamily="34" charset="0"/>
-                <a:cs typeface="Times New Roman" panose="02020603050405020304" pitchFamily="18" charset="0"/>
-              </a:rPr>
-              <a:t>-button </a:t>
-            </a:r>
-          </a:p>
-          <a:p>
-            <a:pPr marL="0" indent="0" algn="l">
-              <a:buNone/>
-            </a:pPr>
-            <a:r>
-              <a:rPr lang="en-US" sz="2400" b="1" i="0" dirty="0">
-                <a:solidFill>
-                  <a:schemeClr val="accent1">
-                    <a:lumMod val="50000"/>
-                  </a:schemeClr>
-                </a:solidFill>
-                <a:effectLst/>
-                <a:latin typeface="Helvetica Neue"/>
-              </a:rPr>
-              <a:t>Tackle </a:t>
-            </a:r>
-            <a:r>
-              <a:rPr lang="en-US" sz="2400" b="1" i="0" dirty="0" err="1">
-                <a:solidFill>
-                  <a:schemeClr val="accent1">
-                    <a:lumMod val="50000"/>
-                  </a:schemeClr>
-                </a:solidFill>
-                <a:effectLst/>
-                <a:latin typeface="Helvetica Neue"/>
-              </a:rPr>
-              <a:t>indivi</a:t>
-            </a:r>
-            <a:r>
-              <a:rPr lang="en-US" sz="2400" b="1" dirty="0" err="1">
-                <a:solidFill>
-                  <a:schemeClr val="accent1">
-                    <a:lumMod val="50000"/>
-                  </a:schemeClr>
-                </a:solidFill>
-                <a:latin typeface="Helvetica Neue"/>
-              </a:rPr>
-              <a:t>duele</a:t>
-            </a:r>
-            <a:r>
-              <a:rPr lang="en-US" sz="2400" b="1" dirty="0">
-                <a:solidFill>
-                  <a:schemeClr val="accent1">
-                    <a:lumMod val="50000"/>
-                  </a:schemeClr>
-                </a:solidFill>
-                <a:latin typeface="Helvetica Neue"/>
-              </a:rPr>
-              <a:t> </a:t>
-            </a:r>
-            <a:r>
-              <a:rPr lang="en-US" sz="2400" b="1" dirty="0" err="1">
-                <a:solidFill>
-                  <a:schemeClr val="accent1">
-                    <a:lumMod val="50000"/>
-                  </a:schemeClr>
-                </a:solidFill>
-                <a:latin typeface="Helvetica Neue"/>
-              </a:rPr>
-              <a:t>stukjes</a:t>
-            </a:r>
-            <a:r>
-              <a:rPr lang="en-US" sz="2400" b="1" dirty="0">
-                <a:solidFill>
-                  <a:schemeClr val="accent1">
-                    <a:lumMod val="50000"/>
-                  </a:schemeClr>
-                </a:solidFill>
-                <a:latin typeface="Helvetica Neue"/>
-              </a:rPr>
-              <a:t> van het </a:t>
-            </a:r>
-            <a:r>
-              <a:rPr lang="en-US" sz="2400" b="1" dirty="0" err="1">
-                <a:solidFill>
-                  <a:schemeClr val="accent1">
-                    <a:lumMod val="50000"/>
-                  </a:schemeClr>
-                </a:solidFill>
-                <a:latin typeface="Helvetica Neue"/>
-              </a:rPr>
-              <a:t>probleem</a:t>
-            </a:r>
-            <a:r>
-              <a:rPr lang="en-US" sz="2400" b="1" dirty="0">
-                <a:solidFill>
-                  <a:schemeClr val="accent1">
-                    <a:lumMod val="50000"/>
-                  </a:schemeClr>
-                </a:solidFill>
-                <a:latin typeface="Helvetica Neue"/>
-              </a:rPr>
-              <a:t>!</a:t>
-            </a:r>
-            <a:endParaRPr lang="en-US" sz="2400" b="1" i="0" dirty="0">
+                <a:effectLst/>
+                <a:latin typeface="Helvetica Neue"/>
+              </a:rPr>
+              <a:t>Zonder uitvoering, visie is gewoon een ander woord voor hallucinatie</a:t>
+            </a:r>
+            <a:endParaRPr lang="en-US" sz="2000" b="1" i="0" dirty="0">
               <a:solidFill>
                 <a:schemeClr val="accent1">
                   <a:lumMod val="50000"/>
@@ -8506,1571 +10248,12 @@
               <a:latin typeface="Helvetica Neue"/>
             </a:endParaRPr>
           </a:p>
-          <a:p>
-            <a:pPr lvl="1"/>
-            <a:endParaRPr lang="nl-NL" dirty="0"/>
-          </a:p>
-        </p:txBody>
-      </p:sp>
-      <p:sp>
-        <p:nvSpPr>
-          <p:cNvPr id="7" name="Tijdelijke aanduiding voor inhoud 2">
-            <a:extLst>
-              <a:ext uri="{FF2B5EF4-FFF2-40B4-BE49-F238E27FC236}">
-                <a16:creationId xmlns:a16="http://schemas.microsoft.com/office/drawing/2014/main" id="{5B56A32E-008B-4D58-B940-32600F41989D}"/>
-              </a:ext>
-            </a:extLst>
-          </p:cNvPr>
-          <p:cNvSpPr txBox="1">
-            <a:spLocks/>
-          </p:cNvSpPr>
-          <p:nvPr/>
-        </p:nvSpPr>
-        <p:spPr>
-          <a:xfrm>
-            <a:off x="6253048" y="990787"/>
-            <a:ext cx="5306941" cy="2220247"/>
-          </a:xfrm>
-          <a:prstGeom prst="rect">
-            <a:avLst/>
-          </a:prstGeom>
-        </p:spPr>
-        <p:txBody>
-          <a:bodyPr vert="horz" lIns="91440" tIns="45720" rIns="91440" bIns="45720" rtlCol="0">
-            <a:normAutofit/>
-          </a:bodyPr>
-          <a:lstStyle>
-            <a:lvl1pPr marL="228600" indent="-228600" algn="l" defTabSz="914400" rtl="0" eaLnBrk="1" latinLnBrk="0" hangingPunct="1">
-              <a:lnSpc>
-                <a:spcPct val="90000"/>
-              </a:lnSpc>
-              <a:spcBef>
-                <a:spcPts val="1000"/>
-              </a:spcBef>
-              <a:buFont typeface="Arial" panose="020B0604020202020204" pitchFamily="34" charset="0"/>
-              <a:buChar char="•"/>
-              <a:defRPr sz="2800" kern="1200">
-                <a:solidFill>
-                  <a:schemeClr val="tx1"/>
-                </a:solidFill>
-                <a:latin typeface="+mn-lt"/>
-                <a:ea typeface="+mn-ea"/>
-                <a:cs typeface="+mn-cs"/>
-              </a:defRPr>
-            </a:lvl1pPr>
-            <a:lvl2pPr marL="685800" indent="-228600" algn="l" defTabSz="914400" rtl="0" eaLnBrk="1" latinLnBrk="0" hangingPunct="1">
-              <a:lnSpc>
-                <a:spcPct val="90000"/>
-              </a:lnSpc>
-              <a:spcBef>
-                <a:spcPts val="500"/>
-              </a:spcBef>
-              <a:buFont typeface="Arial" panose="020B0604020202020204" pitchFamily="34" charset="0"/>
-              <a:buChar char="•"/>
-              <a:defRPr sz="2400" kern="1200">
-                <a:solidFill>
-                  <a:schemeClr val="tx1"/>
-                </a:solidFill>
-                <a:latin typeface="+mn-lt"/>
-                <a:ea typeface="+mn-ea"/>
-                <a:cs typeface="+mn-cs"/>
-              </a:defRPr>
-            </a:lvl2pPr>
-            <a:lvl3pPr marL="1143000" indent="-228600" algn="l" defTabSz="914400" rtl="0" eaLnBrk="1" latinLnBrk="0" hangingPunct="1">
-              <a:lnSpc>
-                <a:spcPct val="90000"/>
-              </a:lnSpc>
-              <a:spcBef>
-                <a:spcPts val="500"/>
-              </a:spcBef>
-              <a:buFont typeface="Arial" panose="020B0604020202020204" pitchFamily="34" charset="0"/>
-              <a:buChar char="•"/>
-              <a:defRPr sz="2000" kern="1200">
-                <a:solidFill>
-                  <a:schemeClr val="tx1"/>
-                </a:solidFill>
-                <a:latin typeface="+mn-lt"/>
-                <a:ea typeface="+mn-ea"/>
-                <a:cs typeface="+mn-cs"/>
-              </a:defRPr>
-            </a:lvl3pPr>
-            <a:lvl4pPr marL="1600200" indent="-228600" algn="l" defTabSz="914400" rtl="0" eaLnBrk="1" latinLnBrk="0" hangingPunct="1">
-              <a:lnSpc>
-                <a:spcPct val="90000"/>
-              </a:lnSpc>
-              <a:spcBef>
-                <a:spcPts val="500"/>
-              </a:spcBef>
-              <a:buFont typeface="Arial" panose="020B0604020202020204" pitchFamily="34" charset="0"/>
-              <a:buChar char="•"/>
-              <a:defRPr sz="1800" kern="1200">
-                <a:solidFill>
-                  <a:schemeClr val="tx1"/>
-                </a:solidFill>
-                <a:latin typeface="+mn-lt"/>
-                <a:ea typeface="+mn-ea"/>
-                <a:cs typeface="+mn-cs"/>
-              </a:defRPr>
-            </a:lvl4pPr>
-            <a:lvl5pPr marL="2057400" indent="-228600" algn="l" defTabSz="914400" rtl="0" eaLnBrk="1" latinLnBrk="0" hangingPunct="1">
-              <a:lnSpc>
-                <a:spcPct val="90000"/>
-              </a:lnSpc>
-              <a:spcBef>
-                <a:spcPts val="500"/>
-              </a:spcBef>
-              <a:buFont typeface="Arial" panose="020B0604020202020204" pitchFamily="34" charset="0"/>
-              <a:buChar char="•"/>
-              <a:defRPr sz="1800" kern="1200">
-                <a:solidFill>
-                  <a:schemeClr val="tx1"/>
-                </a:solidFill>
-                <a:latin typeface="+mn-lt"/>
-                <a:ea typeface="+mn-ea"/>
-                <a:cs typeface="+mn-cs"/>
-              </a:defRPr>
-            </a:lvl5pPr>
-            <a:lvl6pPr marL="2514600" indent="-228600" algn="l" defTabSz="914400" rtl="0" eaLnBrk="1" latinLnBrk="0" hangingPunct="1">
-              <a:lnSpc>
-                <a:spcPct val="90000"/>
-              </a:lnSpc>
-              <a:spcBef>
-                <a:spcPts val="500"/>
-              </a:spcBef>
-              <a:buFont typeface="Arial" panose="020B0604020202020204" pitchFamily="34" charset="0"/>
-              <a:buChar char="•"/>
-              <a:defRPr sz="1800" kern="1200">
-                <a:solidFill>
-                  <a:schemeClr val="tx1"/>
-                </a:solidFill>
-                <a:latin typeface="+mn-lt"/>
-                <a:ea typeface="+mn-ea"/>
-                <a:cs typeface="+mn-cs"/>
-              </a:defRPr>
-            </a:lvl6pPr>
-            <a:lvl7pPr marL="2971800" indent="-228600" algn="l" defTabSz="914400" rtl="0" eaLnBrk="1" latinLnBrk="0" hangingPunct="1">
-              <a:lnSpc>
-                <a:spcPct val="90000"/>
-              </a:lnSpc>
-              <a:spcBef>
-                <a:spcPts val="500"/>
-              </a:spcBef>
-              <a:buFont typeface="Arial" panose="020B0604020202020204" pitchFamily="34" charset="0"/>
-              <a:buChar char="•"/>
-              <a:defRPr sz="1800" kern="1200">
-                <a:solidFill>
-                  <a:schemeClr val="tx1"/>
-                </a:solidFill>
-                <a:latin typeface="+mn-lt"/>
-                <a:ea typeface="+mn-ea"/>
-                <a:cs typeface="+mn-cs"/>
-              </a:defRPr>
-            </a:lvl7pPr>
-            <a:lvl8pPr marL="3429000" indent="-228600" algn="l" defTabSz="914400" rtl="0" eaLnBrk="1" latinLnBrk="0" hangingPunct="1">
-              <a:lnSpc>
-                <a:spcPct val="90000"/>
-              </a:lnSpc>
-              <a:spcBef>
-                <a:spcPts val="500"/>
-              </a:spcBef>
-              <a:buFont typeface="Arial" panose="020B0604020202020204" pitchFamily="34" charset="0"/>
-              <a:buChar char="•"/>
-              <a:defRPr sz="1800" kern="1200">
-                <a:solidFill>
-                  <a:schemeClr val="tx1"/>
-                </a:solidFill>
-                <a:latin typeface="+mn-lt"/>
-                <a:ea typeface="+mn-ea"/>
-                <a:cs typeface="+mn-cs"/>
-              </a:defRPr>
-            </a:lvl8pPr>
-            <a:lvl9pPr marL="3886200" indent="-228600" algn="l" defTabSz="914400" rtl="0" eaLnBrk="1" latinLnBrk="0" hangingPunct="1">
-              <a:lnSpc>
-                <a:spcPct val="90000"/>
-              </a:lnSpc>
-              <a:spcBef>
-                <a:spcPts val="500"/>
-              </a:spcBef>
-              <a:buFont typeface="Arial" panose="020B0604020202020204" pitchFamily="34" charset="0"/>
-              <a:buChar char="•"/>
-              <a:defRPr sz="1800" kern="1200">
-                <a:solidFill>
-                  <a:schemeClr val="tx1"/>
-                </a:solidFill>
-                <a:latin typeface="+mn-lt"/>
-                <a:ea typeface="+mn-ea"/>
-                <a:cs typeface="+mn-cs"/>
-              </a:defRPr>
-            </a:lvl9pPr>
-          </a:lstStyle>
-          <a:p>
-            <a:pPr marL="0" indent="0">
-              <a:buNone/>
-            </a:pPr>
-            <a:r>
-              <a:rPr lang="nl-NL" sz="2200" b="1" dirty="0">
-                <a:solidFill>
-                  <a:schemeClr val="accent1">
-                    <a:lumMod val="50000"/>
-                  </a:schemeClr>
-                </a:solidFill>
-              </a:rPr>
-              <a:t>3</a:t>
-            </a:r>
-            <a:r>
-              <a:rPr lang="nl-NL" sz="2200" b="1" dirty="0">
-                <a:solidFill>
-                  <a:schemeClr val="accent1">
-                    <a:lumMod val="50000"/>
-                  </a:schemeClr>
-                </a:solidFill>
-                <a:latin typeface="Helvetica Neue"/>
-              </a:rPr>
-              <a:t>. Maak een plan</a:t>
-            </a:r>
-            <a:endParaRPr lang="nl-NL" sz="2200" dirty="0">
-              <a:solidFill>
-                <a:schemeClr val="accent1">
-                  <a:lumMod val="50000"/>
-                </a:schemeClr>
-              </a:solidFill>
-              <a:latin typeface="Helvetica Neue"/>
-            </a:endParaRPr>
-          </a:p>
-          <a:p>
-            <a:pPr marL="342900" lvl="0" indent="-342900">
-              <a:lnSpc>
-                <a:spcPct val="107000"/>
-              </a:lnSpc>
-              <a:buFont typeface="+mj-lt"/>
-              <a:buAutoNum type="arabicPeriod"/>
-            </a:pPr>
-            <a:r>
-              <a:rPr lang="nl-NL" sz="2200" dirty="0">
-                <a:effectLst/>
-                <a:latin typeface="Helvetica Neue"/>
-                <a:ea typeface="Calibri" panose="020F0502020204030204" pitchFamily="34" charset="0"/>
-                <a:cs typeface="Times New Roman" panose="02020603050405020304" pitchFamily="18" charset="0"/>
-              </a:rPr>
-              <a:t>Bou</a:t>
-            </a:r>
-            <a:r>
-              <a:rPr lang="nl-NL" sz="2200" dirty="0">
-                <a:latin typeface="Helvetica Neue"/>
-                <a:ea typeface="Calibri" panose="020F0502020204030204" pitchFamily="34" charset="0"/>
-                <a:cs typeface="Times New Roman" panose="02020603050405020304" pitchFamily="18" charset="0"/>
-              </a:rPr>
-              <a:t>w overzicht van drie kolommen</a:t>
-            </a:r>
-            <a:endParaRPr lang="nl-NL" sz="2200" dirty="0">
-              <a:effectLst/>
-              <a:latin typeface="Helvetica Neue"/>
-              <a:ea typeface="Calibri" panose="020F0502020204030204" pitchFamily="34" charset="0"/>
-              <a:cs typeface="Times New Roman" panose="02020603050405020304" pitchFamily="18" charset="0"/>
-            </a:endParaRPr>
-          </a:p>
-          <a:p>
-            <a:pPr marL="342900" lvl="0" indent="-342900">
-              <a:lnSpc>
-                <a:spcPct val="107000"/>
-              </a:lnSpc>
-              <a:buFont typeface="+mj-lt"/>
-              <a:buAutoNum type="arabicPeriod"/>
-            </a:pPr>
-            <a:r>
-              <a:rPr lang="nl-NL" sz="2200" dirty="0">
-                <a:latin typeface="Helvetica Neue"/>
-                <a:ea typeface="Calibri" panose="020F0502020204030204" pitchFamily="34" charset="0"/>
-                <a:cs typeface="Times New Roman" panose="02020603050405020304" pitchFamily="18" charset="0"/>
-              </a:rPr>
-              <a:t>C</a:t>
-            </a:r>
-            <a:r>
-              <a:rPr lang="nl-NL" sz="2200" dirty="0">
-                <a:effectLst/>
-                <a:latin typeface="Helvetica Neue"/>
-                <a:ea typeface="Calibri" panose="020F0502020204030204" pitchFamily="34" charset="0"/>
-                <a:cs typeface="Times New Roman" panose="02020603050405020304" pitchFamily="18" charset="0"/>
-              </a:rPr>
-              <a:t>reëer de tekstinput</a:t>
-            </a:r>
-          </a:p>
-          <a:p>
-            <a:pPr marL="342900" lvl="0" indent="-342900">
-              <a:lnSpc>
-                <a:spcPct val="107000"/>
-              </a:lnSpc>
-              <a:spcAft>
-                <a:spcPts val="800"/>
-              </a:spcAft>
-              <a:buFont typeface="+mj-lt"/>
-              <a:buAutoNum type="arabicPeriod"/>
-            </a:pPr>
-            <a:r>
-              <a:rPr lang="nl-NL" sz="2200" dirty="0">
-                <a:latin typeface="Helvetica Neue"/>
-                <a:ea typeface="Calibri" panose="020F0502020204030204" pitchFamily="34" charset="0"/>
-                <a:cs typeface="Times New Roman" panose="02020603050405020304" pitchFamily="18" charset="0"/>
-              </a:rPr>
-              <a:t>Maak </a:t>
-            </a:r>
-            <a:r>
-              <a:rPr lang="nl-NL" sz="2200" dirty="0">
-                <a:effectLst/>
-                <a:latin typeface="Helvetica Neue"/>
-                <a:ea typeface="Calibri" panose="020F0502020204030204" pitchFamily="34" charset="0"/>
-                <a:cs typeface="Times New Roman" panose="02020603050405020304" pitchFamily="18" charset="0"/>
-              </a:rPr>
-              <a:t>de </a:t>
-            </a:r>
-            <a:r>
-              <a:rPr lang="nl-NL" sz="2200" dirty="0" err="1">
-                <a:effectLst/>
-                <a:latin typeface="Helvetica Neue"/>
-                <a:ea typeface="Calibri" panose="020F0502020204030204" pitchFamily="34" charset="0"/>
-                <a:cs typeface="Times New Roman" panose="02020603050405020304" pitchFamily="18" charset="0"/>
-              </a:rPr>
-              <a:t>addTasks</a:t>
-            </a:r>
-            <a:r>
-              <a:rPr lang="nl-NL" sz="2200" dirty="0">
-                <a:effectLst/>
-                <a:latin typeface="Helvetica Neue"/>
-                <a:ea typeface="Calibri" panose="020F0502020204030204" pitchFamily="34" charset="0"/>
-                <a:cs typeface="Times New Roman" panose="02020603050405020304" pitchFamily="18" charset="0"/>
-              </a:rPr>
-              <a:t>-button</a:t>
-            </a:r>
-          </a:p>
-          <a:p>
-            <a:pPr marL="457200" lvl="1" indent="0">
-              <a:buNone/>
-            </a:pPr>
-            <a:endParaRPr lang="nl-NL" dirty="0"/>
-          </a:p>
-        </p:txBody>
-      </p:sp>
-      <p:sp>
-        <p:nvSpPr>
-          <p:cNvPr id="8" name="Tijdelijke aanduiding voor inhoud 2">
-            <a:extLst>
-              <a:ext uri="{FF2B5EF4-FFF2-40B4-BE49-F238E27FC236}">
-                <a16:creationId xmlns:a16="http://schemas.microsoft.com/office/drawing/2014/main" id="{53B8BFE3-08B9-4762-8578-4DF61014230B}"/>
-              </a:ext>
-            </a:extLst>
-          </p:cNvPr>
-          <p:cNvSpPr txBox="1">
-            <a:spLocks/>
-          </p:cNvSpPr>
-          <p:nvPr/>
-        </p:nvSpPr>
-        <p:spPr>
-          <a:xfrm>
-            <a:off x="6172366" y="3211034"/>
-            <a:ext cx="5306941" cy="1934707"/>
-          </a:xfrm>
-          <a:prstGeom prst="rect">
-            <a:avLst/>
-          </a:prstGeom>
-        </p:spPr>
-        <p:txBody>
-          <a:bodyPr vert="horz" lIns="91440" tIns="45720" rIns="91440" bIns="45720" rtlCol="0">
-            <a:normAutofit/>
-          </a:bodyPr>
-          <a:lstStyle>
-            <a:lvl1pPr marL="228600" indent="-228600" algn="l" defTabSz="914400" rtl="0" eaLnBrk="1" latinLnBrk="0" hangingPunct="1">
-              <a:lnSpc>
-                <a:spcPct val="90000"/>
-              </a:lnSpc>
-              <a:spcBef>
-                <a:spcPts val="1000"/>
-              </a:spcBef>
-              <a:buFont typeface="Arial" panose="020B0604020202020204" pitchFamily="34" charset="0"/>
-              <a:buChar char="•"/>
-              <a:defRPr sz="2800" kern="1200">
-                <a:solidFill>
-                  <a:schemeClr val="tx1"/>
-                </a:solidFill>
-                <a:latin typeface="+mn-lt"/>
-                <a:ea typeface="+mn-ea"/>
-                <a:cs typeface="+mn-cs"/>
-              </a:defRPr>
-            </a:lvl1pPr>
-            <a:lvl2pPr marL="685800" indent="-228600" algn="l" defTabSz="914400" rtl="0" eaLnBrk="1" latinLnBrk="0" hangingPunct="1">
-              <a:lnSpc>
-                <a:spcPct val="90000"/>
-              </a:lnSpc>
-              <a:spcBef>
-                <a:spcPts val="500"/>
-              </a:spcBef>
-              <a:buFont typeface="Arial" panose="020B0604020202020204" pitchFamily="34" charset="0"/>
-              <a:buChar char="•"/>
-              <a:defRPr sz="2400" kern="1200">
-                <a:solidFill>
-                  <a:schemeClr val="tx1"/>
-                </a:solidFill>
-                <a:latin typeface="+mn-lt"/>
-                <a:ea typeface="+mn-ea"/>
-                <a:cs typeface="+mn-cs"/>
-              </a:defRPr>
-            </a:lvl2pPr>
-            <a:lvl3pPr marL="1143000" indent="-228600" algn="l" defTabSz="914400" rtl="0" eaLnBrk="1" latinLnBrk="0" hangingPunct="1">
-              <a:lnSpc>
-                <a:spcPct val="90000"/>
-              </a:lnSpc>
-              <a:spcBef>
-                <a:spcPts val="500"/>
-              </a:spcBef>
-              <a:buFont typeface="Arial" panose="020B0604020202020204" pitchFamily="34" charset="0"/>
-              <a:buChar char="•"/>
-              <a:defRPr sz="2000" kern="1200">
-                <a:solidFill>
-                  <a:schemeClr val="tx1"/>
-                </a:solidFill>
-                <a:latin typeface="+mn-lt"/>
-                <a:ea typeface="+mn-ea"/>
-                <a:cs typeface="+mn-cs"/>
-              </a:defRPr>
-            </a:lvl3pPr>
-            <a:lvl4pPr marL="1600200" indent="-228600" algn="l" defTabSz="914400" rtl="0" eaLnBrk="1" latinLnBrk="0" hangingPunct="1">
-              <a:lnSpc>
-                <a:spcPct val="90000"/>
-              </a:lnSpc>
-              <a:spcBef>
-                <a:spcPts val="500"/>
-              </a:spcBef>
-              <a:buFont typeface="Arial" panose="020B0604020202020204" pitchFamily="34" charset="0"/>
-              <a:buChar char="•"/>
-              <a:defRPr sz="1800" kern="1200">
-                <a:solidFill>
-                  <a:schemeClr val="tx1"/>
-                </a:solidFill>
-                <a:latin typeface="+mn-lt"/>
-                <a:ea typeface="+mn-ea"/>
-                <a:cs typeface="+mn-cs"/>
-              </a:defRPr>
-            </a:lvl4pPr>
-            <a:lvl5pPr marL="2057400" indent="-228600" algn="l" defTabSz="914400" rtl="0" eaLnBrk="1" latinLnBrk="0" hangingPunct="1">
-              <a:lnSpc>
-                <a:spcPct val="90000"/>
-              </a:lnSpc>
-              <a:spcBef>
-                <a:spcPts val="500"/>
-              </a:spcBef>
-              <a:buFont typeface="Arial" panose="020B0604020202020204" pitchFamily="34" charset="0"/>
-              <a:buChar char="•"/>
-              <a:defRPr sz="1800" kern="1200">
-                <a:solidFill>
-                  <a:schemeClr val="tx1"/>
-                </a:solidFill>
-                <a:latin typeface="+mn-lt"/>
-                <a:ea typeface="+mn-ea"/>
-                <a:cs typeface="+mn-cs"/>
-              </a:defRPr>
-            </a:lvl5pPr>
-            <a:lvl6pPr marL="2514600" indent="-228600" algn="l" defTabSz="914400" rtl="0" eaLnBrk="1" latinLnBrk="0" hangingPunct="1">
-              <a:lnSpc>
-                <a:spcPct val="90000"/>
-              </a:lnSpc>
-              <a:spcBef>
-                <a:spcPts val="500"/>
-              </a:spcBef>
-              <a:buFont typeface="Arial" panose="020B0604020202020204" pitchFamily="34" charset="0"/>
-              <a:buChar char="•"/>
-              <a:defRPr sz="1800" kern="1200">
-                <a:solidFill>
-                  <a:schemeClr val="tx1"/>
-                </a:solidFill>
-                <a:latin typeface="+mn-lt"/>
-                <a:ea typeface="+mn-ea"/>
-                <a:cs typeface="+mn-cs"/>
-              </a:defRPr>
-            </a:lvl6pPr>
-            <a:lvl7pPr marL="2971800" indent="-228600" algn="l" defTabSz="914400" rtl="0" eaLnBrk="1" latinLnBrk="0" hangingPunct="1">
-              <a:lnSpc>
-                <a:spcPct val="90000"/>
-              </a:lnSpc>
-              <a:spcBef>
-                <a:spcPts val="500"/>
-              </a:spcBef>
-              <a:buFont typeface="Arial" panose="020B0604020202020204" pitchFamily="34" charset="0"/>
-              <a:buChar char="•"/>
-              <a:defRPr sz="1800" kern="1200">
-                <a:solidFill>
-                  <a:schemeClr val="tx1"/>
-                </a:solidFill>
-                <a:latin typeface="+mn-lt"/>
-                <a:ea typeface="+mn-ea"/>
-                <a:cs typeface="+mn-cs"/>
-              </a:defRPr>
-            </a:lvl7pPr>
-            <a:lvl8pPr marL="3429000" indent="-228600" algn="l" defTabSz="914400" rtl="0" eaLnBrk="1" latinLnBrk="0" hangingPunct="1">
-              <a:lnSpc>
-                <a:spcPct val="90000"/>
-              </a:lnSpc>
-              <a:spcBef>
-                <a:spcPts val="500"/>
-              </a:spcBef>
-              <a:buFont typeface="Arial" panose="020B0604020202020204" pitchFamily="34" charset="0"/>
-              <a:buChar char="•"/>
-              <a:defRPr sz="1800" kern="1200">
-                <a:solidFill>
-                  <a:schemeClr val="tx1"/>
-                </a:solidFill>
-                <a:latin typeface="+mn-lt"/>
-                <a:ea typeface="+mn-ea"/>
-                <a:cs typeface="+mn-cs"/>
-              </a:defRPr>
-            </a:lvl8pPr>
-            <a:lvl9pPr marL="3886200" indent="-228600" algn="l" defTabSz="914400" rtl="0" eaLnBrk="1" latinLnBrk="0" hangingPunct="1">
-              <a:lnSpc>
-                <a:spcPct val="90000"/>
-              </a:lnSpc>
-              <a:spcBef>
-                <a:spcPts val="500"/>
-              </a:spcBef>
-              <a:buFont typeface="Arial" panose="020B0604020202020204" pitchFamily="34" charset="0"/>
-              <a:buChar char="•"/>
-              <a:defRPr sz="1800" kern="1200">
-                <a:solidFill>
-                  <a:schemeClr val="tx1"/>
-                </a:solidFill>
-                <a:latin typeface="+mn-lt"/>
-                <a:ea typeface="+mn-ea"/>
-                <a:cs typeface="+mn-cs"/>
-              </a:defRPr>
-            </a:lvl9pPr>
-          </a:lstStyle>
-          <a:p>
-            <a:pPr marL="0" indent="0">
-              <a:buNone/>
-            </a:pPr>
-            <a:endParaRPr lang="nl-NL" sz="2400" dirty="0">
-              <a:solidFill>
-                <a:schemeClr val="accent1">
-                  <a:lumMod val="50000"/>
-                </a:schemeClr>
-              </a:solidFill>
-            </a:endParaRPr>
-          </a:p>
-        </p:txBody>
-      </p:sp>
-      <p:sp>
-        <p:nvSpPr>
-          <p:cNvPr id="9" name="Tijdelijke aanduiding voor inhoud 2">
-            <a:extLst>
-              <a:ext uri="{FF2B5EF4-FFF2-40B4-BE49-F238E27FC236}">
-                <a16:creationId xmlns:a16="http://schemas.microsoft.com/office/drawing/2014/main" id="{60B2D489-C37E-4845-96C1-D2444A159581}"/>
-              </a:ext>
-            </a:extLst>
-          </p:cNvPr>
-          <p:cNvSpPr txBox="1">
-            <a:spLocks/>
-          </p:cNvSpPr>
-          <p:nvPr/>
-        </p:nvSpPr>
-        <p:spPr>
-          <a:xfrm>
-            <a:off x="6172366" y="3121910"/>
-            <a:ext cx="5306941" cy="1824318"/>
-          </a:xfrm>
-          <a:prstGeom prst="rect">
-            <a:avLst/>
-          </a:prstGeom>
-        </p:spPr>
-        <p:txBody>
-          <a:bodyPr vert="horz" lIns="91440" tIns="45720" rIns="91440" bIns="45720" rtlCol="0">
-            <a:normAutofit fontScale="92500" lnSpcReduction="10000"/>
-          </a:bodyPr>
-          <a:lstStyle>
-            <a:lvl1pPr marL="228600" indent="-228600" algn="l" defTabSz="914400" rtl="0" eaLnBrk="1" latinLnBrk="0" hangingPunct="1">
-              <a:lnSpc>
-                <a:spcPct val="90000"/>
-              </a:lnSpc>
-              <a:spcBef>
-                <a:spcPts val="1000"/>
-              </a:spcBef>
-              <a:buFont typeface="Arial" panose="020B0604020202020204" pitchFamily="34" charset="0"/>
-              <a:buChar char="•"/>
-              <a:defRPr sz="2800" kern="1200">
-                <a:solidFill>
-                  <a:schemeClr val="tx1"/>
-                </a:solidFill>
-                <a:latin typeface="+mn-lt"/>
-                <a:ea typeface="+mn-ea"/>
-                <a:cs typeface="+mn-cs"/>
-              </a:defRPr>
-            </a:lvl1pPr>
-            <a:lvl2pPr marL="685800" indent="-228600" algn="l" defTabSz="914400" rtl="0" eaLnBrk="1" latinLnBrk="0" hangingPunct="1">
-              <a:lnSpc>
-                <a:spcPct val="90000"/>
-              </a:lnSpc>
-              <a:spcBef>
-                <a:spcPts val="500"/>
-              </a:spcBef>
-              <a:buFont typeface="Arial" panose="020B0604020202020204" pitchFamily="34" charset="0"/>
-              <a:buChar char="•"/>
-              <a:defRPr sz="2400" kern="1200">
-                <a:solidFill>
-                  <a:schemeClr val="tx1"/>
-                </a:solidFill>
-                <a:latin typeface="+mn-lt"/>
-                <a:ea typeface="+mn-ea"/>
-                <a:cs typeface="+mn-cs"/>
-              </a:defRPr>
-            </a:lvl2pPr>
-            <a:lvl3pPr marL="1143000" indent="-228600" algn="l" defTabSz="914400" rtl="0" eaLnBrk="1" latinLnBrk="0" hangingPunct="1">
-              <a:lnSpc>
-                <a:spcPct val="90000"/>
-              </a:lnSpc>
-              <a:spcBef>
-                <a:spcPts val="500"/>
-              </a:spcBef>
-              <a:buFont typeface="Arial" panose="020B0604020202020204" pitchFamily="34" charset="0"/>
-              <a:buChar char="•"/>
-              <a:defRPr sz="2000" kern="1200">
-                <a:solidFill>
-                  <a:schemeClr val="tx1"/>
-                </a:solidFill>
-                <a:latin typeface="+mn-lt"/>
-                <a:ea typeface="+mn-ea"/>
-                <a:cs typeface="+mn-cs"/>
-              </a:defRPr>
-            </a:lvl3pPr>
-            <a:lvl4pPr marL="1600200" indent="-228600" algn="l" defTabSz="914400" rtl="0" eaLnBrk="1" latinLnBrk="0" hangingPunct="1">
-              <a:lnSpc>
-                <a:spcPct val="90000"/>
-              </a:lnSpc>
-              <a:spcBef>
-                <a:spcPts val="500"/>
-              </a:spcBef>
-              <a:buFont typeface="Arial" panose="020B0604020202020204" pitchFamily="34" charset="0"/>
-              <a:buChar char="•"/>
-              <a:defRPr sz="1800" kern="1200">
-                <a:solidFill>
-                  <a:schemeClr val="tx1"/>
-                </a:solidFill>
-                <a:latin typeface="+mn-lt"/>
-                <a:ea typeface="+mn-ea"/>
-                <a:cs typeface="+mn-cs"/>
-              </a:defRPr>
-            </a:lvl4pPr>
-            <a:lvl5pPr marL="2057400" indent="-228600" algn="l" defTabSz="914400" rtl="0" eaLnBrk="1" latinLnBrk="0" hangingPunct="1">
-              <a:lnSpc>
-                <a:spcPct val="90000"/>
-              </a:lnSpc>
-              <a:spcBef>
-                <a:spcPts val="500"/>
-              </a:spcBef>
-              <a:buFont typeface="Arial" panose="020B0604020202020204" pitchFamily="34" charset="0"/>
-              <a:buChar char="•"/>
-              <a:defRPr sz="1800" kern="1200">
-                <a:solidFill>
-                  <a:schemeClr val="tx1"/>
-                </a:solidFill>
-                <a:latin typeface="+mn-lt"/>
-                <a:ea typeface="+mn-ea"/>
-                <a:cs typeface="+mn-cs"/>
-              </a:defRPr>
-            </a:lvl5pPr>
-            <a:lvl6pPr marL="2514600" indent="-228600" algn="l" defTabSz="914400" rtl="0" eaLnBrk="1" latinLnBrk="0" hangingPunct="1">
-              <a:lnSpc>
-                <a:spcPct val="90000"/>
-              </a:lnSpc>
-              <a:spcBef>
-                <a:spcPts val="500"/>
-              </a:spcBef>
-              <a:buFont typeface="Arial" panose="020B0604020202020204" pitchFamily="34" charset="0"/>
-              <a:buChar char="•"/>
-              <a:defRPr sz="1800" kern="1200">
-                <a:solidFill>
-                  <a:schemeClr val="tx1"/>
-                </a:solidFill>
-                <a:latin typeface="+mn-lt"/>
-                <a:ea typeface="+mn-ea"/>
-                <a:cs typeface="+mn-cs"/>
-              </a:defRPr>
-            </a:lvl6pPr>
-            <a:lvl7pPr marL="2971800" indent="-228600" algn="l" defTabSz="914400" rtl="0" eaLnBrk="1" latinLnBrk="0" hangingPunct="1">
-              <a:lnSpc>
-                <a:spcPct val="90000"/>
-              </a:lnSpc>
-              <a:spcBef>
-                <a:spcPts val="500"/>
-              </a:spcBef>
-              <a:buFont typeface="Arial" panose="020B0604020202020204" pitchFamily="34" charset="0"/>
-              <a:buChar char="•"/>
-              <a:defRPr sz="1800" kern="1200">
-                <a:solidFill>
-                  <a:schemeClr val="tx1"/>
-                </a:solidFill>
-                <a:latin typeface="+mn-lt"/>
-                <a:ea typeface="+mn-ea"/>
-                <a:cs typeface="+mn-cs"/>
-              </a:defRPr>
-            </a:lvl7pPr>
-            <a:lvl8pPr marL="3429000" indent="-228600" algn="l" defTabSz="914400" rtl="0" eaLnBrk="1" latinLnBrk="0" hangingPunct="1">
-              <a:lnSpc>
-                <a:spcPct val="90000"/>
-              </a:lnSpc>
-              <a:spcBef>
-                <a:spcPts val="500"/>
-              </a:spcBef>
-              <a:buFont typeface="Arial" panose="020B0604020202020204" pitchFamily="34" charset="0"/>
-              <a:buChar char="•"/>
-              <a:defRPr sz="1800" kern="1200">
-                <a:solidFill>
-                  <a:schemeClr val="tx1"/>
-                </a:solidFill>
-                <a:latin typeface="+mn-lt"/>
-                <a:ea typeface="+mn-ea"/>
-                <a:cs typeface="+mn-cs"/>
-              </a:defRPr>
-            </a:lvl8pPr>
-            <a:lvl9pPr marL="3886200" indent="-228600" algn="l" defTabSz="914400" rtl="0" eaLnBrk="1" latinLnBrk="0" hangingPunct="1">
-              <a:lnSpc>
-                <a:spcPct val="90000"/>
-              </a:lnSpc>
-              <a:spcBef>
-                <a:spcPts val="500"/>
-              </a:spcBef>
-              <a:buFont typeface="Arial" panose="020B0604020202020204" pitchFamily="34" charset="0"/>
-              <a:buChar char="•"/>
-              <a:defRPr sz="1800" kern="1200">
-                <a:solidFill>
-                  <a:schemeClr val="tx1"/>
-                </a:solidFill>
-                <a:latin typeface="+mn-lt"/>
-                <a:ea typeface="+mn-ea"/>
-                <a:cs typeface="+mn-cs"/>
-              </a:defRPr>
-            </a:lvl9pPr>
-          </a:lstStyle>
-          <a:p>
-            <a:pPr marL="0" indent="0">
-              <a:buNone/>
-            </a:pPr>
-            <a:r>
-              <a:rPr lang="nl-NL" sz="2200" b="1" dirty="0">
-                <a:solidFill>
-                  <a:schemeClr val="accent1">
-                    <a:lumMod val="50000"/>
-                  </a:schemeClr>
-                </a:solidFill>
-                <a:latin typeface="Helvetica Neue"/>
-              </a:rPr>
-              <a:t>4. Zit je vast</a:t>
-            </a:r>
-            <a:endParaRPr lang="nl-NL" sz="2200" dirty="0">
-              <a:solidFill>
-                <a:schemeClr val="accent1">
-                  <a:lumMod val="50000"/>
-                </a:schemeClr>
-              </a:solidFill>
-              <a:latin typeface="Helvetica Neue"/>
-            </a:endParaRPr>
-          </a:p>
-          <a:p>
-            <a:pPr algn="l">
-              <a:buFont typeface="Arial" panose="020B0604020202020204" pitchFamily="34" charset="0"/>
-              <a:buChar char="•"/>
-            </a:pPr>
-            <a:r>
-              <a:rPr lang="en-US" sz="2200" b="0" i="0" dirty="0">
-                <a:solidFill>
-                  <a:srgbClr val="040606"/>
-                </a:solidFill>
-                <a:effectLst/>
-                <a:latin typeface="Helvetica Neue"/>
-              </a:rPr>
-              <a:t>Wat </a:t>
-            </a:r>
-            <a:r>
-              <a:rPr lang="en-US" sz="2200" b="0" i="0" dirty="0" err="1">
-                <a:solidFill>
-                  <a:srgbClr val="040606"/>
-                </a:solidFill>
-                <a:effectLst/>
-                <a:latin typeface="Helvetica Neue"/>
-              </a:rPr>
-              <a:t>lukt</a:t>
-            </a:r>
-            <a:r>
-              <a:rPr lang="en-US" sz="2200" b="0" i="0" dirty="0">
-                <a:solidFill>
-                  <a:srgbClr val="040606"/>
-                </a:solidFill>
-                <a:effectLst/>
-                <a:latin typeface="Helvetica Neue"/>
-              </a:rPr>
-              <a:t> </a:t>
-            </a:r>
-            <a:r>
-              <a:rPr lang="en-US" sz="2200" b="0" i="0" dirty="0" err="1">
-                <a:solidFill>
-                  <a:srgbClr val="040606"/>
-                </a:solidFill>
-                <a:effectLst/>
-                <a:latin typeface="Helvetica Neue"/>
-              </a:rPr>
-              <a:t>niet</a:t>
-            </a:r>
-            <a:r>
-              <a:rPr lang="en-US" sz="2200" b="0" i="0" dirty="0">
-                <a:solidFill>
-                  <a:srgbClr val="040606"/>
-                </a:solidFill>
-                <a:effectLst/>
-                <a:latin typeface="Helvetica Neue"/>
-              </a:rPr>
-              <a:t>?</a:t>
-            </a:r>
-          </a:p>
-          <a:p>
-            <a:pPr algn="l">
-              <a:buFont typeface="Arial" panose="020B0604020202020204" pitchFamily="34" charset="0"/>
-              <a:buChar char="•"/>
-            </a:pPr>
-            <a:r>
-              <a:rPr lang="en-US" sz="2200" b="0" i="0" dirty="0" err="1">
-                <a:solidFill>
-                  <a:srgbClr val="040606"/>
-                </a:solidFill>
-                <a:effectLst/>
-                <a:latin typeface="Helvetica Neue"/>
-              </a:rPr>
-              <a:t>Welke</a:t>
-            </a:r>
-            <a:r>
-              <a:rPr lang="en-US" sz="2200" b="0" i="0" dirty="0">
-                <a:solidFill>
-                  <a:srgbClr val="040606"/>
-                </a:solidFill>
-                <a:effectLst/>
-                <a:latin typeface="Helvetica Neue"/>
-              </a:rPr>
-              <a:t> </a:t>
-            </a:r>
-            <a:r>
-              <a:rPr lang="en-US" sz="2200" b="0" i="0" dirty="0" err="1">
-                <a:solidFill>
-                  <a:srgbClr val="040606"/>
-                </a:solidFill>
-                <a:effectLst/>
-                <a:latin typeface="Helvetica Neue"/>
-              </a:rPr>
-              <a:t>stappen</a:t>
-            </a:r>
-            <a:r>
-              <a:rPr lang="en-US" sz="2200" b="0" i="0" dirty="0">
-                <a:solidFill>
-                  <a:srgbClr val="040606"/>
-                </a:solidFill>
-                <a:effectLst/>
-                <a:latin typeface="Helvetica Neue"/>
-              </a:rPr>
-              <a:t> </a:t>
-            </a:r>
-            <a:r>
-              <a:rPr lang="en-US" sz="2200" b="0" i="0" dirty="0" err="1">
-                <a:solidFill>
-                  <a:srgbClr val="040606"/>
-                </a:solidFill>
-                <a:effectLst/>
-                <a:latin typeface="Helvetica Neue"/>
-              </a:rPr>
-              <a:t>moet</a:t>
-            </a:r>
-            <a:r>
-              <a:rPr lang="en-US" sz="2200" b="0" i="0" dirty="0">
-                <a:solidFill>
-                  <a:srgbClr val="040606"/>
-                </a:solidFill>
-                <a:effectLst/>
-                <a:latin typeface="Helvetica Neue"/>
-              </a:rPr>
-              <a:t> </a:t>
-            </a:r>
-            <a:r>
-              <a:rPr lang="en-US" sz="2200" b="0" i="0" dirty="0" err="1">
-                <a:solidFill>
-                  <a:srgbClr val="040606"/>
-                </a:solidFill>
-                <a:effectLst/>
-                <a:latin typeface="Helvetica Neue"/>
-              </a:rPr>
-              <a:t>ik</a:t>
-            </a:r>
-            <a:r>
-              <a:rPr lang="en-US" sz="2200" b="0" i="0" dirty="0">
-                <a:solidFill>
-                  <a:srgbClr val="040606"/>
-                </a:solidFill>
-                <a:effectLst/>
-                <a:latin typeface="Helvetica Neue"/>
-              </a:rPr>
-              <a:t> </a:t>
-            </a:r>
-            <a:r>
-              <a:rPr lang="en-US" sz="2200" b="0" i="0" dirty="0" err="1">
-                <a:solidFill>
-                  <a:srgbClr val="040606"/>
-                </a:solidFill>
-                <a:effectLst/>
-                <a:latin typeface="Helvetica Neue"/>
-              </a:rPr>
-              <a:t>nemen</a:t>
-            </a:r>
-            <a:r>
-              <a:rPr lang="en-US" sz="2200" b="0" i="0" dirty="0">
-                <a:solidFill>
-                  <a:srgbClr val="040606"/>
-                </a:solidFill>
-                <a:effectLst/>
-                <a:latin typeface="Helvetica Neue"/>
-              </a:rPr>
-              <a:t>?</a:t>
-            </a:r>
-          </a:p>
-          <a:p>
-            <a:r>
-              <a:rPr lang="en-US" sz="2200" dirty="0" err="1">
-                <a:solidFill>
-                  <a:srgbClr val="040606"/>
-                </a:solidFill>
-                <a:latin typeface="Helvetica Neue"/>
-              </a:rPr>
-              <a:t>Onduidelijk</a:t>
-            </a:r>
-            <a:r>
-              <a:rPr lang="en-US" sz="2200" dirty="0">
-                <a:solidFill>
-                  <a:srgbClr val="040606"/>
-                </a:solidFill>
-                <a:latin typeface="Helvetica Neue"/>
-              </a:rPr>
-              <a:t>? Google of peers!</a:t>
-            </a:r>
-          </a:p>
-          <a:p>
-            <a:r>
-              <a:rPr lang="en-US" sz="2200" b="0" i="0" dirty="0" err="1">
-                <a:solidFill>
-                  <a:srgbClr val="040606"/>
-                </a:solidFill>
-                <a:effectLst/>
-                <a:latin typeface="Helvetica Neue"/>
-              </a:rPr>
-              <a:t>Nog</a:t>
-            </a:r>
-            <a:r>
-              <a:rPr lang="en-US" sz="2200" b="0" i="0" dirty="0">
-                <a:solidFill>
-                  <a:srgbClr val="040606"/>
-                </a:solidFill>
-                <a:effectLst/>
-                <a:latin typeface="Helvetica Neue"/>
-              </a:rPr>
-              <a:t> steeds </a:t>
-            </a:r>
-            <a:r>
-              <a:rPr lang="en-US" sz="2200" b="0" i="0" dirty="0" err="1">
-                <a:solidFill>
-                  <a:srgbClr val="040606"/>
-                </a:solidFill>
-                <a:effectLst/>
-                <a:latin typeface="Helvetica Neue"/>
-              </a:rPr>
-              <a:t>niet</a:t>
-            </a:r>
-            <a:r>
-              <a:rPr lang="en-US" sz="2200" dirty="0">
-                <a:solidFill>
-                  <a:srgbClr val="040606"/>
-                </a:solidFill>
-                <a:latin typeface="Helvetica Neue"/>
-              </a:rPr>
-              <a:t>? Begin </a:t>
-            </a:r>
-            <a:r>
-              <a:rPr lang="en-US" sz="2200" dirty="0" err="1">
-                <a:solidFill>
-                  <a:srgbClr val="040606"/>
-                </a:solidFill>
-                <a:latin typeface="Helvetica Neue"/>
-              </a:rPr>
-              <a:t>opnieuw</a:t>
-            </a:r>
-            <a:endParaRPr lang="en-US" sz="2200" b="0" i="0" dirty="0">
-              <a:solidFill>
-                <a:srgbClr val="040606"/>
-              </a:solidFill>
-              <a:effectLst/>
-              <a:latin typeface="Helvetica Neue"/>
-            </a:endParaRPr>
-          </a:p>
-          <a:p>
-            <a:pPr lvl="1"/>
-            <a:endParaRPr lang="nl-NL" dirty="0"/>
-          </a:p>
-        </p:txBody>
-      </p:sp>
-      <p:sp>
-        <p:nvSpPr>
-          <p:cNvPr id="10" name="Tijdelijke aanduiding voor inhoud 2">
-            <a:extLst>
-              <a:ext uri="{FF2B5EF4-FFF2-40B4-BE49-F238E27FC236}">
-                <a16:creationId xmlns:a16="http://schemas.microsoft.com/office/drawing/2014/main" id="{CFA97DEE-332E-48EC-9938-FD5F77D7EB4D}"/>
-              </a:ext>
-            </a:extLst>
-          </p:cNvPr>
-          <p:cNvSpPr txBox="1">
-            <a:spLocks/>
-          </p:cNvSpPr>
-          <p:nvPr/>
-        </p:nvSpPr>
-        <p:spPr>
-          <a:xfrm>
-            <a:off x="6091684" y="5131387"/>
-            <a:ext cx="5306941" cy="1603535"/>
-          </a:xfrm>
-          <a:prstGeom prst="rect">
-            <a:avLst/>
-          </a:prstGeom>
-        </p:spPr>
-        <p:txBody>
-          <a:bodyPr vert="horz" lIns="91440" tIns="45720" rIns="91440" bIns="45720" rtlCol="0">
-            <a:normAutofit fontScale="85000" lnSpcReduction="20000"/>
-          </a:bodyPr>
-          <a:lstStyle>
-            <a:lvl1pPr marL="228600" indent="-228600" algn="l" defTabSz="914400" rtl="0" eaLnBrk="1" latinLnBrk="0" hangingPunct="1">
-              <a:lnSpc>
-                <a:spcPct val="90000"/>
-              </a:lnSpc>
-              <a:spcBef>
-                <a:spcPts val="1000"/>
-              </a:spcBef>
-              <a:buFont typeface="Arial" panose="020B0604020202020204" pitchFamily="34" charset="0"/>
-              <a:buChar char="•"/>
-              <a:defRPr sz="2800" kern="1200">
-                <a:solidFill>
-                  <a:schemeClr val="tx1"/>
-                </a:solidFill>
-                <a:latin typeface="+mn-lt"/>
-                <a:ea typeface="+mn-ea"/>
-                <a:cs typeface="+mn-cs"/>
-              </a:defRPr>
-            </a:lvl1pPr>
-            <a:lvl2pPr marL="685800" indent="-228600" algn="l" defTabSz="914400" rtl="0" eaLnBrk="1" latinLnBrk="0" hangingPunct="1">
-              <a:lnSpc>
-                <a:spcPct val="90000"/>
-              </a:lnSpc>
-              <a:spcBef>
-                <a:spcPts val="500"/>
-              </a:spcBef>
-              <a:buFont typeface="Arial" panose="020B0604020202020204" pitchFamily="34" charset="0"/>
-              <a:buChar char="•"/>
-              <a:defRPr sz="2400" kern="1200">
-                <a:solidFill>
-                  <a:schemeClr val="tx1"/>
-                </a:solidFill>
-                <a:latin typeface="+mn-lt"/>
-                <a:ea typeface="+mn-ea"/>
-                <a:cs typeface="+mn-cs"/>
-              </a:defRPr>
-            </a:lvl2pPr>
-            <a:lvl3pPr marL="1143000" indent="-228600" algn="l" defTabSz="914400" rtl="0" eaLnBrk="1" latinLnBrk="0" hangingPunct="1">
-              <a:lnSpc>
-                <a:spcPct val="90000"/>
-              </a:lnSpc>
-              <a:spcBef>
-                <a:spcPts val="500"/>
-              </a:spcBef>
-              <a:buFont typeface="Arial" panose="020B0604020202020204" pitchFamily="34" charset="0"/>
-              <a:buChar char="•"/>
-              <a:defRPr sz="2000" kern="1200">
-                <a:solidFill>
-                  <a:schemeClr val="tx1"/>
-                </a:solidFill>
-                <a:latin typeface="+mn-lt"/>
-                <a:ea typeface="+mn-ea"/>
-                <a:cs typeface="+mn-cs"/>
-              </a:defRPr>
-            </a:lvl3pPr>
-            <a:lvl4pPr marL="1600200" indent="-228600" algn="l" defTabSz="914400" rtl="0" eaLnBrk="1" latinLnBrk="0" hangingPunct="1">
-              <a:lnSpc>
-                <a:spcPct val="90000"/>
-              </a:lnSpc>
-              <a:spcBef>
-                <a:spcPts val="500"/>
-              </a:spcBef>
-              <a:buFont typeface="Arial" panose="020B0604020202020204" pitchFamily="34" charset="0"/>
-              <a:buChar char="•"/>
-              <a:defRPr sz="1800" kern="1200">
-                <a:solidFill>
-                  <a:schemeClr val="tx1"/>
-                </a:solidFill>
-                <a:latin typeface="+mn-lt"/>
-                <a:ea typeface="+mn-ea"/>
-                <a:cs typeface="+mn-cs"/>
-              </a:defRPr>
-            </a:lvl4pPr>
-            <a:lvl5pPr marL="2057400" indent="-228600" algn="l" defTabSz="914400" rtl="0" eaLnBrk="1" latinLnBrk="0" hangingPunct="1">
-              <a:lnSpc>
-                <a:spcPct val="90000"/>
-              </a:lnSpc>
-              <a:spcBef>
-                <a:spcPts val="500"/>
-              </a:spcBef>
-              <a:buFont typeface="Arial" panose="020B0604020202020204" pitchFamily="34" charset="0"/>
-              <a:buChar char="•"/>
-              <a:defRPr sz="1800" kern="1200">
-                <a:solidFill>
-                  <a:schemeClr val="tx1"/>
-                </a:solidFill>
-                <a:latin typeface="+mn-lt"/>
-                <a:ea typeface="+mn-ea"/>
-                <a:cs typeface="+mn-cs"/>
-              </a:defRPr>
-            </a:lvl5pPr>
-            <a:lvl6pPr marL="2514600" indent="-228600" algn="l" defTabSz="914400" rtl="0" eaLnBrk="1" latinLnBrk="0" hangingPunct="1">
-              <a:lnSpc>
-                <a:spcPct val="90000"/>
-              </a:lnSpc>
-              <a:spcBef>
-                <a:spcPts val="500"/>
-              </a:spcBef>
-              <a:buFont typeface="Arial" panose="020B0604020202020204" pitchFamily="34" charset="0"/>
-              <a:buChar char="•"/>
-              <a:defRPr sz="1800" kern="1200">
-                <a:solidFill>
-                  <a:schemeClr val="tx1"/>
-                </a:solidFill>
-                <a:latin typeface="+mn-lt"/>
-                <a:ea typeface="+mn-ea"/>
-                <a:cs typeface="+mn-cs"/>
-              </a:defRPr>
-            </a:lvl6pPr>
-            <a:lvl7pPr marL="2971800" indent="-228600" algn="l" defTabSz="914400" rtl="0" eaLnBrk="1" latinLnBrk="0" hangingPunct="1">
-              <a:lnSpc>
-                <a:spcPct val="90000"/>
-              </a:lnSpc>
-              <a:spcBef>
-                <a:spcPts val="500"/>
-              </a:spcBef>
-              <a:buFont typeface="Arial" panose="020B0604020202020204" pitchFamily="34" charset="0"/>
-              <a:buChar char="•"/>
-              <a:defRPr sz="1800" kern="1200">
-                <a:solidFill>
-                  <a:schemeClr val="tx1"/>
-                </a:solidFill>
-                <a:latin typeface="+mn-lt"/>
-                <a:ea typeface="+mn-ea"/>
-                <a:cs typeface="+mn-cs"/>
-              </a:defRPr>
-            </a:lvl7pPr>
-            <a:lvl8pPr marL="3429000" indent="-228600" algn="l" defTabSz="914400" rtl="0" eaLnBrk="1" latinLnBrk="0" hangingPunct="1">
-              <a:lnSpc>
-                <a:spcPct val="90000"/>
-              </a:lnSpc>
-              <a:spcBef>
-                <a:spcPts val="500"/>
-              </a:spcBef>
-              <a:buFont typeface="Arial" panose="020B0604020202020204" pitchFamily="34" charset="0"/>
-              <a:buChar char="•"/>
-              <a:defRPr sz="1800" kern="1200">
-                <a:solidFill>
-                  <a:schemeClr val="tx1"/>
-                </a:solidFill>
-                <a:latin typeface="+mn-lt"/>
-                <a:ea typeface="+mn-ea"/>
-                <a:cs typeface="+mn-cs"/>
-              </a:defRPr>
-            </a:lvl8pPr>
-            <a:lvl9pPr marL="3886200" indent="-228600" algn="l" defTabSz="914400" rtl="0" eaLnBrk="1" latinLnBrk="0" hangingPunct="1">
-              <a:lnSpc>
-                <a:spcPct val="90000"/>
-              </a:lnSpc>
-              <a:spcBef>
-                <a:spcPts val="500"/>
-              </a:spcBef>
-              <a:buFont typeface="Arial" panose="020B0604020202020204" pitchFamily="34" charset="0"/>
-              <a:buChar char="•"/>
-              <a:defRPr sz="1800" kern="1200">
-                <a:solidFill>
-                  <a:schemeClr val="tx1"/>
-                </a:solidFill>
-                <a:latin typeface="+mn-lt"/>
-                <a:ea typeface="+mn-ea"/>
-                <a:cs typeface="+mn-cs"/>
-              </a:defRPr>
-            </a:lvl9pPr>
-          </a:lstStyle>
-          <a:p>
-            <a:pPr marL="0" indent="0">
-              <a:buNone/>
-            </a:pPr>
-            <a:r>
-              <a:rPr lang="nl-NL" sz="2400" b="1" dirty="0">
-                <a:solidFill>
-                  <a:schemeClr val="accent1">
-                    <a:lumMod val="50000"/>
-                  </a:schemeClr>
-                </a:solidFill>
-                <a:latin typeface="Helvetica Neue"/>
-              </a:rPr>
-              <a:t>5. Review</a:t>
-            </a:r>
-            <a:endParaRPr lang="nl-NL" sz="2400" dirty="0">
-              <a:solidFill>
-                <a:schemeClr val="accent1">
-                  <a:lumMod val="50000"/>
-                </a:schemeClr>
-              </a:solidFill>
-              <a:latin typeface="Helvetica Neue"/>
-            </a:endParaRPr>
-          </a:p>
-          <a:p>
-            <a:pPr algn="l">
-              <a:buFont typeface="Arial" panose="020B0604020202020204" pitchFamily="34" charset="0"/>
-              <a:buChar char="•"/>
-            </a:pPr>
-            <a:r>
-              <a:rPr lang="en-US" sz="2400" b="0" i="0" dirty="0" err="1">
-                <a:solidFill>
-                  <a:srgbClr val="040606"/>
-                </a:solidFill>
-                <a:effectLst/>
-                <a:latin typeface="Helvetica Neue"/>
-              </a:rPr>
-              <a:t>Vergelijk</a:t>
-            </a:r>
-            <a:r>
-              <a:rPr lang="en-US" sz="2400" b="0" i="0" dirty="0">
-                <a:solidFill>
-                  <a:srgbClr val="040606"/>
-                </a:solidFill>
-                <a:effectLst/>
-                <a:latin typeface="Helvetica Neue"/>
-              </a:rPr>
-              <a:t> </a:t>
-            </a:r>
-            <a:r>
-              <a:rPr lang="en-US" sz="2400" b="0" i="0" dirty="0" err="1">
-                <a:solidFill>
-                  <a:srgbClr val="040606"/>
-                </a:solidFill>
-                <a:effectLst/>
-                <a:latin typeface="Helvetica Neue"/>
-              </a:rPr>
-              <a:t>werk</a:t>
-            </a:r>
-            <a:r>
-              <a:rPr lang="en-US" sz="2400" b="0" i="0" dirty="0">
-                <a:solidFill>
-                  <a:srgbClr val="040606"/>
-                </a:solidFill>
-                <a:effectLst/>
-                <a:latin typeface="Helvetica Neue"/>
-              </a:rPr>
-              <a:t> </a:t>
-            </a:r>
-            <a:r>
-              <a:rPr lang="en-US" sz="2400" b="0" i="0" dirty="0" err="1">
-                <a:solidFill>
-                  <a:srgbClr val="040606"/>
-                </a:solidFill>
-                <a:effectLst/>
-                <a:latin typeface="Helvetica Neue"/>
-              </a:rPr>
-              <a:t>en</a:t>
-            </a:r>
-            <a:r>
-              <a:rPr lang="en-US" sz="2400" b="0" i="0" dirty="0">
-                <a:solidFill>
-                  <a:srgbClr val="040606"/>
-                </a:solidFill>
-                <a:effectLst/>
-                <a:latin typeface="Helvetica Neue"/>
-              </a:rPr>
-              <a:t> </a:t>
-            </a:r>
-            <a:r>
-              <a:rPr lang="en-US" sz="2400" b="0" i="0" dirty="0" err="1">
-                <a:solidFill>
-                  <a:srgbClr val="040606"/>
-                </a:solidFill>
-                <a:effectLst/>
-                <a:latin typeface="Helvetica Neue"/>
-              </a:rPr>
-              <a:t>formuleer</a:t>
-            </a:r>
-            <a:r>
-              <a:rPr lang="en-US" sz="2400" b="0" i="0" dirty="0">
-                <a:solidFill>
-                  <a:srgbClr val="040606"/>
-                </a:solidFill>
-                <a:effectLst/>
-                <a:latin typeface="Helvetica Neue"/>
-              </a:rPr>
-              <a:t> </a:t>
-            </a:r>
-            <a:r>
-              <a:rPr lang="en-US" sz="2400" b="0" i="0" dirty="0" err="1">
-                <a:solidFill>
-                  <a:srgbClr val="040606"/>
-                </a:solidFill>
-                <a:effectLst/>
-                <a:latin typeface="Helvetica Neue"/>
-              </a:rPr>
-              <a:t>verschillen</a:t>
-            </a:r>
-            <a:endParaRPr lang="en-US" sz="2400" b="0" i="0" dirty="0">
-              <a:solidFill>
-                <a:srgbClr val="040606"/>
-              </a:solidFill>
-              <a:effectLst/>
-              <a:latin typeface="Helvetica Neue"/>
-            </a:endParaRPr>
-          </a:p>
-          <a:p>
-            <a:pPr algn="l">
-              <a:buFont typeface="Arial" panose="020B0604020202020204" pitchFamily="34" charset="0"/>
-              <a:buChar char="•"/>
-            </a:pPr>
-            <a:r>
-              <a:rPr lang="en-US" sz="2400" b="0" i="0" dirty="0">
-                <a:solidFill>
-                  <a:srgbClr val="040606"/>
-                </a:solidFill>
-                <a:effectLst/>
-                <a:latin typeface="Helvetica Neue"/>
-              </a:rPr>
-              <a:t>Wat </a:t>
-            </a:r>
-            <a:r>
-              <a:rPr lang="en-US" sz="2400" b="0" i="0" dirty="0" err="1">
-                <a:solidFill>
-                  <a:srgbClr val="040606"/>
-                </a:solidFill>
-                <a:effectLst/>
-                <a:latin typeface="Helvetica Neue"/>
-              </a:rPr>
-              <a:t>heb</a:t>
-            </a:r>
-            <a:r>
-              <a:rPr lang="en-US" sz="2400" b="0" i="0" dirty="0">
-                <a:solidFill>
-                  <a:srgbClr val="040606"/>
-                </a:solidFill>
-                <a:effectLst/>
-                <a:latin typeface="Helvetica Neue"/>
-              </a:rPr>
-              <a:t> </a:t>
-            </a:r>
-            <a:r>
-              <a:rPr lang="en-US" sz="2400" b="0" i="0" dirty="0" err="1">
-                <a:solidFill>
-                  <a:srgbClr val="040606"/>
-                </a:solidFill>
-                <a:effectLst/>
-                <a:latin typeface="Helvetica Neue"/>
-              </a:rPr>
-              <a:t>ik</a:t>
-            </a:r>
-            <a:r>
-              <a:rPr lang="en-US" sz="2400" b="0" i="0" dirty="0">
-                <a:solidFill>
-                  <a:srgbClr val="040606"/>
-                </a:solidFill>
-                <a:effectLst/>
-                <a:latin typeface="Helvetica Neue"/>
-              </a:rPr>
-              <a:t> </a:t>
-            </a:r>
-            <a:r>
-              <a:rPr lang="en-US" sz="2400" b="0" i="0" dirty="0" err="1">
-                <a:solidFill>
-                  <a:srgbClr val="040606"/>
-                </a:solidFill>
-                <a:effectLst/>
-                <a:latin typeface="Helvetica Neue"/>
-              </a:rPr>
-              <a:t>geleerd</a:t>
-            </a:r>
-            <a:r>
-              <a:rPr lang="en-US" sz="2400" b="0" i="0" dirty="0">
-                <a:solidFill>
-                  <a:srgbClr val="040606"/>
-                </a:solidFill>
-                <a:effectLst/>
-                <a:latin typeface="Helvetica Neue"/>
-              </a:rPr>
-              <a:t> van </a:t>
-            </a:r>
-            <a:r>
-              <a:rPr lang="en-US" sz="2400" b="0" i="0" dirty="0" err="1">
-                <a:solidFill>
-                  <a:srgbClr val="040606"/>
-                </a:solidFill>
-                <a:effectLst/>
-                <a:latin typeface="Helvetica Neue"/>
-              </a:rPr>
-              <a:t>deze</a:t>
-            </a:r>
-            <a:r>
-              <a:rPr lang="en-US" sz="2400" b="0" i="0" dirty="0">
-                <a:solidFill>
-                  <a:srgbClr val="040606"/>
-                </a:solidFill>
-                <a:effectLst/>
-                <a:latin typeface="Helvetica Neue"/>
-              </a:rPr>
-              <a:t> </a:t>
-            </a:r>
-            <a:r>
-              <a:rPr lang="en-US" sz="2400" b="0" i="0" dirty="0" err="1">
-                <a:solidFill>
-                  <a:srgbClr val="040606"/>
-                </a:solidFill>
-                <a:effectLst/>
-                <a:latin typeface="Helvetica Neue"/>
-              </a:rPr>
-              <a:t>verschillen</a:t>
-            </a:r>
-            <a:r>
-              <a:rPr lang="en-US" sz="2400" b="0" i="0" dirty="0">
-                <a:solidFill>
-                  <a:srgbClr val="040606"/>
-                </a:solidFill>
-                <a:effectLst/>
-                <a:latin typeface="Helvetica Neue"/>
-              </a:rPr>
-              <a:t>?</a:t>
-            </a:r>
-          </a:p>
-          <a:p>
-            <a:r>
-              <a:rPr lang="en-US" sz="2400" b="0" i="0" dirty="0">
-                <a:solidFill>
-                  <a:srgbClr val="040606"/>
-                </a:solidFill>
-                <a:effectLst/>
-                <a:latin typeface="Helvetica Neue"/>
-              </a:rPr>
-              <a:t>Wie heft </a:t>
-            </a:r>
-            <a:r>
-              <a:rPr lang="en-US" sz="2400" b="0" i="0" dirty="0" err="1">
-                <a:solidFill>
-                  <a:srgbClr val="040606"/>
-                </a:solidFill>
-                <a:effectLst/>
-                <a:latin typeface="Helvetica Neue"/>
-              </a:rPr>
-              <a:t>een</a:t>
-            </a:r>
-            <a:r>
-              <a:rPr lang="en-US" sz="2400" b="0" i="0" dirty="0">
-                <a:solidFill>
-                  <a:srgbClr val="040606"/>
-                </a:solidFill>
-                <a:effectLst/>
-                <a:latin typeface="Helvetica Neue"/>
-              </a:rPr>
-              <a:t> </a:t>
-            </a:r>
-            <a:r>
-              <a:rPr lang="en-US" sz="2400" b="0" i="0" dirty="0" err="1">
-                <a:solidFill>
-                  <a:srgbClr val="040606"/>
-                </a:solidFill>
-                <a:effectLst/>
-                <a:latin typeface="Helvetica Neue"/>
-              </a:rPr>
-              <a:t>beter</a:t>
-            </a:r>
-            <a:r>
-              <a:rPr lang="en-US" sz="2400" b="0" i="0" dirty="0">
-                <a:solidFill>
-                  <a:srgbClr val="040606"/>
-                </a:solidFill>
-                <a:effectLst/>
-                <a:latin typeface="Helvetica Neue"/>
-              </a:rPr>
-              <a:t> </a:t>
-            </a:r>
-            <a:r>
-              <a:rPr lang="en-US" sz="2400" b="0" i="0" dirty="0" err="1">
-                <a:solidFill>
-                  <a:srgbClr val="040606"/>
-                </a:solidFill>
-                <a:effectLst/>
-                <a:latin typeface="Helvetica Neue"/>
-              </a:rPr>
-              <a:t>resultaat</a:t>
-            </a:r>
-            <a:r>
-              <a:rPr lang="en-US" sz="2400" b="0" i="0" dirty="0">
-                <a:solidFill>
-                  <a:srgbClr val="040606"/>
-                </a:solidFill>
-                <a:effectLst/>
-                <a:latin typeface="Helvetica Neue"/>
-              </a:rPr>
-              <a:t> </a:t>
-            </a:r>
-            <a:r>
-              <a:rPr lang="en-US" sz="2400" b="0" i="0" dirty="0" err="1">
-                <a:solidFill>
-                  <a:srgbClr val="040606"/>
-                </a:solidFill>
-                <a:effectLst/>
-                <a:latin typeface="Helvetica Neue"/>
-              </a:rPr>
-              <a:t>geboekt</a:t>
-            </a:r>
-            <a:r>
-              <a:rPr lang="en-US" sz="2400" b="0" i="0" dirty="0">
-                <a:solidFill>
-                  <a:srgbClr val="040606"/>
-                </a:solidFill>
-                <a:effectLst/>
-                <a:latin typeface="Helvetica Neue"/>
-              </a:rPr>
-              <a:t>? </a:t>
-            </a:r>
-            <a:r>
-              <a:rPr lang="en-US" sz="2400" b="0" i="0" dirty="0" err="1">
-                <a:solidFill>
-                  <a:srgbClr val="040606"/>
-                </a:solidFill>
-                <a:effectLst/>
-                <a:latin typeface="Helvetica Neue"/>
-              </a:rPr>
-              <a:t>Waarom</a:t>
-            </a:r>
-            <a:r>
-              <a:rPr lang="en-US" sz="2400" b="0" i="0" dirty="0">
-                <a:solidFill>
-                  <a:srgbClr val="040606"/>
-                </a:solidFill>
-                <a:effectLst/>
-                <a:latin typeface="Helvetica Neue"/>
-              </a:rPr>
-              <a:t>?</a:t>
-            </a:r>
-          </a:p>
-          <a:p>
-            <a:pPr lvl="1"/>
-            <a:endParaRPr lang="nl-NL" dirty="0"/>
-          </a:p>
         </p:txBody>
       </p:sp>
     </p:spTree>
     <p:extLst>
       <p:ext uri="{BB962C8B-B14F-4D97-AF65-F5344CB8AC3E}">
-        <p14:creationId xmlns:p14="http://schemas.microsoft.com/office/powerpoint/2010/main" val="1314458388"/>
+        <p14:creationId xmlns:p14="http://schemas.microsoft.com/office/powerpoint/2010/main" val="783656714"/>
       </p:ext>
     </p:extLst>
   </p:cSld>
